--- a/CNN.pptx
+++ b/CNN.pptx
@@ -7,9 +7,10 @@
   <p:sldIdLst>
     <p:sldId id="256" r:id="rId2"/>
     <p:sldId id="258" r:id="rId3"/>
-    <p:sldId id="260" r:id="rId4"/>
-    <p:sldId id="262" r:id="rId5"/>
-    <p:sldId id="263" r:id="rId6"/>
+    <p:sldId id="263" r:id="rId4"/>
+    <p:sldId id="265" r:id="rId5"/>
+    <p:sldId id="262" r:id="rId6"/>
+    <p:sldId id="260" r:id="rId7"/>
   </p:sldIdLst>
   <p:sldSz cx="12192000" cy="6858000"/>
   <p:notesSz cx="6858000" cy="9144000"/>
@@ -274,7 +275,7 @@
           <a:p>
             <a:fld id="{13AD8832-0E1E-455E-A8E0-60BC0CB27ED8}" type="datetimeFigureOut">
               <a:rPr lang="en-US" smtClean="0"/>
-              <a:t>6/18/2024</a:t>
+              <a:t>6/24/2024</a:t>
             </a:fld>
             <a:endParaRPr lang="en-US"/>
           </a:p>
@@ -472,7 +473,7 @@
           <a:p>
             <a:fld id="{13AD8832-0E1E-455E-A8E0-60BC0CB27ED8}" type="datetimeFigureOut">
               <a:rPr lang="en-US" smtClean="0"/>
-              <a:t>6/18/2024</a:t>
+              <a:t>6/24/2024</a:t>
             </a:fld>
             <a:endParaRPr lang="en-US"/>
           </a:p>
@@ -680,7 +681,7 @@
           <a:p>
             <a:fld id="{13AD8832-0E1E-455E-A8E0-60BC0CB27ED8}" type="datetimeFigureOut">
               <a:rPr lang="en-US" smtClean="0"/>
-              <a:t>6/18/2024</a:t>
+              <a:t>6/24/2024</a:t>
             </a:fld>
             <a:endParaRPr lang="en-US"/>
           </a:p>
@@ -878,7 +879,7 @@
           <a:p>
             <a:fld id="{13AD8832-0E1E-455E-A8E0-60BC0CB27ED8}" type="datetimeFigureOut">
               <a:rPr lang="en-US" smtClean="0"/>
-              <a:t>6/18/2024</a:t>
+              <a:t>6/24/2024</a:t>
             </a:fld>
             <a:endParaRPr lang="en-US"/>
           </a:p>
@@ -1153,7 +1154,7 @@
           <a:p>
             <a:fld id="{13AD8832-0E1E-455E-A8E0-60BC0CB27ED8}" type="datetimeFigureOut">
               <a:rPr lang="en-US" smtClean="0"/>
-              <a:t>6/18/2024</a:t>
+              <a:t>6/24/2024</a:t>
             </a:fld>
             <a:endParaRPr lang="en-US"/>
           </a:p>
@@ -1418,7 +1419,7 @@
           <a:p>
             <a:fld id="{13AD8832-0E1E-455E-A8E0-60BC0CB27ED8}" type="datetimeFigureOut">
               <a:rPr lang="en-US" smtClean="0"/>
-              <a:t>6/18/2024</a:t>
+              <a:t>6/24/2024</a:t>
             </a:fld>
             <a:endParaRPr lang="en-US"/>
           </a:p>
@@ -1830,7 +1831,7 @@
           <a:p>
             <a:fld id="{13AD8832-0E1E-455E-A8E0-60BC0CB27ED8}" type="datetimeFigureOut">
               <a:rPr lang="en-US" smtClean="0"/>
-              <a:t>6/18/2024</a:t>
+              <a:t>6/24/2024</a:t>
             </a:fld>
             <a:endParaRPr lang="en-US"/>
           </a:p>
@@ -1971,7 +1972,7 @@
           <a:p>
             <a:fld id="{13AD8832-0E1E-455E-A8E0-60BC0CB27ED8}" type="datetimeFigureOut">
               <a:rPr lang="en-US" smtClean="0"/>
-              <a:t>6/18/2024</a:t>
+              <a:t>6/24/2024</a:t>
             </a:fld>
             <a:endParaRPr lang="en-US"/>
           </a:p>
@@ -2084,7 +2085,7 @@
           <a:p>
             <a:fld id="{13AD8832-0E1E-455E-A8E0-60BC0CB27ED8}" type="datetimeFigureOut">
               <a:rPr lang="en-US" smtClean="0"/>
-              <a:t>6/18/2024</a:t>
+              <a:t>6/24/2024</a:t>
             </a:fld>
             <a:endParaRPr lang="en-US"/>
           </a:p>
@@ -2395,7 +2396,7 @@
           <a:p>
             <a:fld id="{13AD8832-0E1E-455E-A8E0-60BC0CB27ED8}" type="datetimeFigureOut">
               <a:rPr lang="en-US" smtClean="0"/>
-              <a:t>6/18/2024</a:t>
+              <a:t>6/24/2024</a:t>
             </a:fld>
             <a:endParaRPr lang="en-US"/>
           </a:p>
@@ -2683,7 +2684,7 @@
           <a:p>
             <a:fld id="{13AD8832-0E1E-455E-A8E0-60BC0CB27ED8}" type="datetimeFigureOut">
               <a:rPr lang="en-US" smtClean="0"/>
-              <a:t>6/18/2024</a:t>
+              <a:t>6/24/2024</a:t>
             </a:fld>
             <a:endParaRPr lang="en-US"/>
           </a:p>
@@ -2924,7 +2925,7 @@
           <a:p>
             <a:fld id="{13AD8832-0E1E-455E-A8E0-60BC0CB27ED8}" type="datetimeFigureOut">
               <a:rPr lang="en-US" smtClean="0"/>
-              <a:t>6/18/2024</a:t>
+              <a:t>6/24/2024</a:t>
             </a:fld>
             <a:endParaRPr lang="en-US"/>
           </a:p>
@@ -7220,8 +7221,8 @@
         </p:nvSpPr>
         <p:spPr>
           <a:xfrm>
-            <a:off x="5257662" y="0"/>
-            <a:ext cx="1676677" cy="461665"/>
+            <a:off x="5036384" y="0"/>
+            <a:ext cx="2119234" cy="461665"/>
           </a:xfrm>
           <a:prstGeom prst="rect">
             <a:avLst/>
@@ -7237,7 +7238,7 @@
             <a:pPr algn="ctr"/>
             <a:r>
               <a:rPr lang="en-US" sz="2400" b="1" dirty="0"/>
-              <a:t>CNN Layer</a:t>
+              <a:t>Conv2D Layer</a:t>
             </a:r>
           </a:p>
         </p:txBody>
@@ -9803,2263 +9804,6 @@
         </p:nvSpPr>
         <p:spPr>
           <a:xfrm>
-            <a:off x="5014136" y="0"/>
-            <a:ext cx="2163734" cy="461665"/>
-          </a:xfrm>
-          <a:prstGeom prst="rect">
-            <a:avLst/>
-          </a:prstGeom>
-          <a:noFill/>
-        </p:spPr>
-        <p:txBody>
-          <a:bodyPr wrap="none" rtlCol="0">
-            <a:spAutoFit/>
-          </a:bodyPr>
-          <a:lstStyle/>
-          <a:p>
-            <a:pPr algn="ctr"/>
-            <a:r>
-              <a:rPr lang="en-US" sz="2400" b="1" dirty="0"/>
-              <a:t>Dropout Layer</a:t>
-            </a:r>
-          </a:p>
-        </p:txBody>
-      </p:sp>
-      <p:grpSp>
-        <p:nvGrpSpPr>
-          <p:cNvPr id="93" name="Group 92">
-            <a:extLst>
-              <a:ext uri="{FF2B5EF4-FFF2-40B4-BE49-F238E27FC236}">
-                <a16:creationId xmlns:a16="http://schemas.microsoft.com/office/drawing/2014/main" id="{D87DA1FA-8A5B-DB33-8C01-A92EF521B643}"/>
-              </a:ext>
-            </a:extLst>
-          </p:cNvPr>
-          <p:cNvGrpSpPr/>
-          <p:nvPr/>
-        </p:nvGrpSpPr>
-        <p:grpSpPr>
-          <a:xfrm>
-            <a:off x="1154735" y="2197408"/>
-            <a:ext cx="2004060" cy="2158308"/>
-            <a:chOff x="1154735" y="2197408"/>
-            <a:chExt cx="2004060" cy="2158308"/>
-          </a:xfrm>
-        </p:grpSpPr>
-        <p:sp>
-          <p:nvSpPr>
-            <p:cNvPr id="33" name="Oval 32">
-              <a:extLst>
-                <a:ext uri="{FF2B5EF4-FFF2-40B4-BE49-F238E27FC236}">
-                  <a16:creationId xmlns:a16="http://schemas.microsoft.com/office/drawing/2014/main" id="{E6F98A6E-E593-D534-149D-751A12E0F683}"/>
-                </a:ext>
-              </a:extLst>
-            </p:cNvPr>
-            <p:cNvSpPr/>
-            <p:nvPr/>
-          </p:nvSpPr>
-          <p:spPr>
-            <a:xfrm>
-              <a:off x="1154735" y="2654608"/>
-              <a:ext cx="457200" cy="457200"/>
-            </a:xfrm>
-            <a:prstGeom prst="ellipse">
-              <a:avLst/>
-            </a:prstGeom>
-          </p:spPr>
-          <p:style>
-            <a:lnRef idx="2">
-              <a:schemeClr val="dk1"/>
-            </a:lnRef>
-            <a:fillRef idx="1">
-              <a:schemeClr val="lt1"/>
-            </a:fillRef>
-            <a:effectRef idx="0">
-              <a:schemeClr val="dk1"/>
-            </a:effectRef>
-            <a:fontRef idx="minor">
-              <a:schemeClr val="dk1"/>
-            </a:fontRef>
-          </p:style>
-          <p:txBody>
-            <a:bodyPr rtlCol="0" anchor="ctr"/>
-            <a:lstStyle/>
-            <a:p>
-              <a:pPr algn="ctr"/>
-              <a:endParaRPr lang="en-US" dirty="0"/>
-            </a:p>
-          </p:txBody>
-        </p:sp>
-        <p:sp>
-          <p:nvSpPr>
-            <p:cNvPr id="34" name="Oval 33">
-              <a:extLst>
-                <a:ext uri="{FF2B5EF4-FFF2-40B4-BE49-F238E27FC236}">
-                  <a16:creationId xmlns:a16="http://schemas.microsoft.com/office/drawing/2014/main" id="{79A57017-0589-87ED-6DE8-D13578BB9305}"/>
-                </a:ext>
-              </a:extLst>
-            </p:cNvPr>
-            <p:cNvSpPr/>
-            <p:nvPr/>
-          </p:nvSpPr>
-          <p:spPr>
-            <a:xfrm>
-              <a:off x="1154735" y="3225185"/>
-              <a:ext cx="457200" cy="457200"/>
-            </a:xfrm>
-            <a:prstGeom prst="ellipse">
-              <a:avLst/>
-            </a:prstGeom>
-          </p:spPr>
-          <p:style>
-            <a:lnRef idx="2">
-              <a:schemeClr val="dk1"/>
-            </a:lnRef>
-            <a:fillRef idx="1">
-              <a:schemeClr val="lt1"/>
-            </a:fillRef>
-            <a:effectRef idx="0">
-              <a:schemeClr val="dk1"/>
-            </a:effectRef>
-            <a:fontRef idx="minor">
-              <a:schemeClr val="dk1"/>
-            </a:fontRef>
-          </p:style>
-          <p:txBody>
-            <a:bodyPr rtlCol="0" anchor="ctr"/>
-            <a:lstStyle/>
-            <a:p>
-              <a:pPr algn="ctr"/>
-              <a:endParaRPr lang="en-US" dirty="0"/>
-            </a:p>
-          </p:txBody>
-        </p:sp>
-        <p:sp>
-          <p:nvSpPr>
-            <p:cNvPr id="10" name="Oval 9">
-              <a:extLst>
-                <a:ext uri="{FF2B5EF4-FFF2-40B4-BE49-F238E27FC236}">
-                  <a16:creationId xmlns:a16="http://schemas.microsoft.com/office/drawing/2014/main" id="{6E9CAD37-2BCF-7D6B-B4F7-5A44D4AECC14}"/>
-                </a:ext>
-              </a:extLst>
-            </p:cNvPr>
-            <p:cNvSpPr/>
-            <p:nvPr/>
-          </p:nvSpPr>
-          <p:spPr>
-            <a:xfrm>
-              <a:off x="2701595" y="2197408"/>
-              <a:ext cx="457200" cy="457200"/>
-            </a:xfrm>
-            <a:prstGeom prst="ellipse">
-              <a:avLst/>
-            </a:prstGeom>
-          </p:spPr>
-          <p:style>
-            <a:lnRef idx="2">
-              <a:schemeClr val="dk1"/>
-            </a:lnRef>
-            <a:fillRef idx="1">
-              <a:schemeClr val="lt1"/>
-            </a:fillRef>
-            <a:effectRef idx="0">
-              <a:schemeClr val="dk1"/>
-            </a:effectRef>
-            <a:fontRef idx="minor">
-              <a:schemeClr val="dk1"/>
-            </a:fontRef>
-          </p:style>
-          <p:txBody>
-            <a:bodyPr rtlCol="0" anchor="ctr"/>
-            <a:lstStyle/>
-            <a:p>
-              <a:pPr algn="ctr"/>
-              <a:endParaRPr lang="en-US" dirty="0"/>
-            </a:p>
-          </p:txBody>
-        </p:sp>
-        <p:sp>
-          <p:nvSpPr>
-            <p:cNvPr id="11" name="Oval 10">
-              <a:extLst>
-                <a:ext uri="{FF2B5EF4-FFF2-40B4-BE49-F238E27FC236}">
-                  <a16:creationId xmlns:a16="http://schemas.microsoft.com/office/drawing/2014/main" id="{4F142F15-2D5E-DB49-B3C9-A4EE69522312}"/>
-                </a:ext>
-              </a:extLst>
-            </p:cNvPr>
-            <p:cNvSpPr/>
-            <p:nvPr/>
-          </p:nvSpPr>
-          <p:spPr>
-            <a:xfrm>
-              <a:off x="2701595" y="2764444"/>
-              <a:ext cx="457200" cy="457200"/>
-            </a:xfrm>
-            <a:prstGeom prst="ellipse">
-              <a:avLst/>
-            </a:prstGeom>
-          </p:spPr>
-          <p:style>
-            <a:lnRef idx="2">
-              <a:schemeClr val="dk1"/>
-            </a:lnRef>
-            <a:fillRef idx="1">
-              <a:schemeClr val="lt1"/>
-            </a:fillRef>
-            <a:effectRef idx="0">
-              <a:schemeClr val="dk1"/>
-            </a:effectRef>
-            <a:fontRef idx="minor">
-              <a:schemeClr val="dk1"/>
-            </a:fontRef>
-          </p:style>
-          <p:txBody>
-            <a:bodyPr rtlCol="0" anchor="ctr"/>
-            <a:lstStyle/>
-            <a:p>
-              <a:pPr algn="ctr"/>
-              <a:endParaRPr lang="en-US" dirty="0"/>
-            </a:p>
-          </p:txBody>
-        </p:sp>
-        <p:sp>
-          <p:nvSpPr>
-            <p:cNvPr id="12" name="Oval 11">
-              <a:extLst>
-                <a:ext uri="{FF2B5EF4-FFF2-40B4-BE49-F238E27FC236}">
-                  <a16:creationId xmlns:a16="http://schemas.microsoft.com/office/drawing/2014/main" id="{8D4E254A-245D-6438-B94B-E34BE7E9C5EB}"/>
-                </a:ext>
-              </a:extLst>
-            </p:cNvPr>
-            <p:cNvSpPr/>
-            <p:nvPr/>
-          </p:nvSpPr>
-          <p:spPr>
-            <a:xfrm>
-              <a:off x="2701595" y="3331480"/>
-              <a:ext cx="457200" cy="457200"/>
-            </a:xfrm>
-            <a:prstGeom prst="ellipse">
-              <a:avLst/>
-            </a:prstGeom>
-          </p:spPr>
-          <p:style>
-            <a:lnRef idx="2">
-              <a:schemeClr val="dk1"/>
-            </a:lnRef>
-            <a:fillRef idx="1">
-              <a:schemeClr val="lt1"/>
-            </a:fillRef>
-            <a:effectRef idx="0">
-              <a:schemeClr val="dk1"/>
-            </a:effectRef>
-            <a:fontRef idx="minor">
-              <a:schemeClr val="dk1"/>
-            </a:fontRef>
-          </p:style>
-          <p:txBody>
-            <a:bodyPr rtlCol="0" anchor="ctr"/>
-            <a:lstStyle/>
-            <a:p>
-              <a:pPr algn="ctr"/>
-              <a:endParaRPr lang="en-US" dirty="0"/>
-            </a:p>
-          </p:txBody>
-        </p:sp>
-        <p:sp>
-          <p:nvSpPr>
-            <p:cNvPr id="13" name="Oval 12">
-              <a:extLst>
-                <a:ext uri="{FF2B5EF4-FFF2-40B4-BE49-F238E27FC236}">
-                  <a16:creationId xmlns:a16="http://schemas.microsoft.com/office/drawing/2014/main" id="{BA33BCF2-4283-2878-E9C2-D2A8A327A0EC}"/>
-                </a:ext>
-              </a:extLst>
-            </p:cNvPr>
-            <p:cNvSpPr/>
-            <p:nvPr/>
-          </p:nvSpPr>
-          <p:spPr>
-            <a:xfrm>
-              <a:off x="2701595" y="3898516"/>
-              <a:ext cx="457200" cy="457200"/>
-            </a:xfrm>
-            <a:prstGeom prst="ellipse">
-              <a:avLst/>
-            </a:prstGeom>
-          </p:spPr>
-          <p:style>
-            <a:lnRef idx="2">
-              <a:schemeClr val="dk1"/>
-            </a:lnRef>
-            <a:fillRef idx="1">
-              <a:schemeClr val="lt1"/>
-            </a:fillRef>
-            <a:effectRef idx="0">
-              <a:schemeClr val="dk1"/>
-            </a:effectRef>
-            <a:fontRef idx="minor">
-              <a:schemeClr val="dk1"/>
-            </a:fontRef>
-          </p:style>
-          <p:txBody>
-            <a:bodyPr rtlCol="0" anchor="ctr"/>
-            <a:lstStyle/>
-            <a:p>
-              <a:pPr algn="ctr"/>
-              <a:endParaRPr lang="en-US" dirty="0"/>
-            </a:p>
-          </p:txBody>
-        </p:sp>
-        <p:cxnSp>
-          <p:nvCxnSpPr>
-            <p:cNvPr id="20" name="Straight Connector 19">
-              <a:extLst>
-                <a:ext uri="{FF2B5EF4-FFF2-40B4-BE49-F238E27FC236}">
-                  <a16:creationId xmlns:a16="http://schemas.microsoft.com/office/drawing/2014/main" id="{40FC389B-9B4C-45F2-A0F3-5D6A8E67BB34}"/>
-                </a:ext>
-              </a:extLst>
-            </p:cNvPr>
-            <p:cNvCxnSpPr>
-              <a:stCxn id="33" idx="6"/>
-              <a:endCxn id="10" idx="2"/>
-            </p:cNvCxnSpPr>
-            <p:nvPr/>
-          </p:nvCxnSpPr>
-          <p:spPr>
-            <a:xfrm flipV="1">
-              <a:off x="1611935" y="2426008"/>
-              <a:ext cx="1089660" cy="457200"/>
-            </a:xfrm>
-            <a:prstGeom prst="line">
-              <a:avLst/>
-            </a:prstGeom>
-          </p:spPr>
-          <p:style>
-            <a:lnRef idx="2">
-              <a:schemeClr val="dk1"/>
-            </a:lnRef>
-            <a:fillRef idx="0">
-              <a:schemeClr val="dk1"/>
-            </a:fillRef>
-            <a:effectRef idx="1">
-              <a:schemeClr val="dk1"/>
-            </a:effectRef>
-            <a:fontRef idx="minor">
-              <a:schemeClr val="tx1"/>
-            </a:fontRef>
-          </p:style>
-        </p:cxnSp>
-        <p:cxnSp>
-          <p:nvCxnSpPr>
-            <p:cNvPr id="21" name="Straight Connector 20">
-              <a:extLst>
-                <a:ext uri="{FF2B5EF4-FFF2-40B4-BE49-F238E27FC236}">
-                  <a16:creationId xmlns:a16="http://schemas.microsoft.com/office/drawing/2014/main" id="{14D5AF6B-ADB3-52A2-B449-BE26EF9DA985}"/>
-                </a:ext>
-              </a:extLst>
-            </p:cNvPr>
-            <p:cNvCxnSpPr>
-              <a:cxnSpLocks/>
-              <a:stCxn id="33" idx="6"/>
-              <a:endCxn id="11" idx="2"/>
-            </p:cNvCxnSpPr>
-            <p:nvPr/>
-          </p:nvCxnSpPr>
-          <p:spPr>
-            <a:xfrm>
-              <a:off x="1611935" y="2883208"/>
-              <a:ext cx="1089660" cy="109836"/>
-            </a:xfrm>
-            <a:prstGeom prst="line">
-              <a:avLst/>
-            </a:prstGeom>
-          </p:spPr>
-          <p:style>
-            <a:lnRef idx="2">
-              <a:schemeClr val="dk1"/>
-            </a:lnRef>
-            <a:fillRef idx="0">
-              <a:schemeClr val="dk1"/>
-            </a:fillRef>
-            <a:effectRef idx="1">
-              <a:schemeClr val="dk1"/>
-            </a:effectRef>
-            <a:fontRef idx="minor">
-              <a:schemeClr val="tx1"/>
-            </a:fontRef>
-          </p:style>
-        </p:cxnSp>
-        <p:cxnSp>
-          <p:nvCxnSpPr>
-            <p:cNvPr id="28" name="Straight Connector 27">
-              <a:extLst>
-                <a:ext uri="{FF2B5EF4-FFF2-40B4-BE49-F238E27FC236}">
-                  <a16:creationId xmlns:a16="http://schemas.microsoft.com/office/drawing/2014/main" id="{5C69B67D-B74A-258D-7627-5C928B2CD977}"/>
-                </a:ext>
-              </a:extLst>
-            </p:cNvPr>
-            <p:cNvCxnSpPr>
-              <a:cxnSpLocks/>
-              <a:stCxn id="33" idx="6"/>
-              <a:endCxn id="12" idx="2"/>
-            </p:cNvCxnSpPr>
-            <p:nvPr/>
-          </p:nvCxnSpPr>
-          <p:spPr>
-            <a:xfrm>
-              <a:off x="1611935" y="2883208"/>
-              <a:ext cx="1089660" cy="676872"/>
-            </a:xfrm>
-            <a:prstGeom prst="line">
-              <a:avLst/>
-            </a:prstGeom>
-          </p:spPr>
-          <p:style>
-            <a:lnRef idx="2">
-              <a:schemeClr val="dk1"/>
-            </a:lnRef>
-            <a:fillRef idx="0">
-              <a:schemeClr val="dk1"/>
-            </a:fillRef>
-            <a:effectRef idx="1">
-              <a:schemeClr val="dk1"/>
-            </a:effectRef>
-            <a:fontRef idx="minor">
-              <a:schemeClr val="tx1"/>
-            </a:fontRef>
-          </p:style>
-        </p:cxnSp>
-        <p:cxnSp>
-          <p:nvCxnSpPr>
-            <p:cNvPr id="32" name="Straight Connector 31">
-              <a:extLst>
-                <a:ext uri="{FF2B5EF4-FFF2-40B4-BE49-F238E27FC236}">
-                  <a16:creationId xmlns:a16="http://schemas.microsoft.com/office/drawing/2014/main" id="{3A9B6335-5CCF-E157-FB43-286495CA69DA}"/>
-                </a:ext>
-              </a:extLst>
-            </p:cNvPr>
-            <p:cNvCxnSpPr>
-              <a:cxnSpLocks/>
-              <a:stCxn id="33" idx="6"/>
-              <a:endCxn id="13" idx="2"/>
-            </p:cNvCxnSpPr>
-            <p:nvPr/>
-          </p:nvCxnSpPr>
-          <p:spPr>
-            <a:xfrm>
-              <a:off x="1611935" y="2883208"/>
-              <a:ext cx="1089660" cy="1243908"/>
-            </a:xfrm>
-            <a:prstGeom prst="line">
-              <a:avLst/>
-            </a:prstGeom>
-          </p:spPr>
-          <p:style>
-            <a:lnRef idx="2">
-              <a:schemeClr val="dk1"/>
-            </a:lnRef>
-            <a:fillRef idx="0">
-              <a:schemeClr val="dk1"/>
-            </a:fillRef>
-            <a:effectRef idx="1">
-              <a:schemeClr val="dk1"/>
-            </a:effectRef>
-            <a:fontRef idx="minor">
-              <a:schemeClr val="tx1"/>
-            </a:fontRef>
-          </p:style>
-        </p:cxnSp>
-        <p:cxnSp>
-          <p:nvCxnSpPr>
-            <p:cNvPr id="38" name="Straight Connector 37">
-              <a:extLst>
-                <a:ext uri="{FF2B5EF4-FFF2-40B4-BE49-F238E27FC236}">
-                  <a16:creationId xmlns:a16="http://schemas.microsoft.com/office/drawing/2014/main" id="{45A07358-324E-13F0-7313-8628D51CA8BE}"/>
-                </a:ext>
-              </a:extLst>
-            </p:cNvPr>
-            <p:cNvCxnSpPr>
-              <a:cxnSpLocks/>
-              <a:stCxn id="34" idx="6"/>
-              <a:endCxn id="10" idx="2"/>
-            </p:cNvCxnSpPr>
-            <p:nvPr/>
-          </p:nvCxnSpPr>
-          <p:spPr>
-            <a:xfrm flipV="1">
-              <a:off x="1611935" y="2426008"/>
-              <a:ext cx="1089660" cy="1027777"/>
-            </a:xfrm>
-            <a:prstGeom prst="line">
-              <a:avLst/>
-            </a:prstGeom>
-          </p:spPr>
-          <p:style>
-            <a:lnRef idx="2">
-              <a:schemeClr val="dk1"/>
-            </a:lnRef>
-            <a:fillRef idx="0">
-              <a:schemeClr val="dk1"/>
-            </a:fillRef>
-            <a:effectRef idx="1">
-              <a:schemeClr val="dk1"/>
-            </a:effectRef>
-            <a:fontRef idx="minor">
-              <a:schemeClr val="tx1"/>
-            </a:fontRef>
-          </p:style>
-        </p:cxnSp>
-        <p:cxnSp>
-          <p:nvCxnSpPr>
-            <p:cNvPr id="53" name="Straight Connector 52">
-              <a:extLst>
-                <a:ext uri="{FF2B5EF4-FFF2-40B4-BE49-F238E27FC236}">
-                  <a16:creationId xmlns:a16="http://schemas.microsoft.com/office/drawing/2014/main" id="{FCA224AA-B876-C320-3002-1605181E1B1A}"/>
-                </a:ext>
-              </a:extLst>
-            </p:cNvPr>
-            <p:cNvCxnSpPr>
-              <a:cxnSpLocks/>
-              <a:stCxn id="34" idx="6"/>
-              <a:endCxn id="11" idx="2"/>
-            </p:cNvCxnSpPr>
-            <p:nvPr/>
-          </p:nvCxnSpPr>
-          <p:spPr>
-            <a:xfrm flipV="1">
-              <a:off x="1611935" y="2993044"/>
-              <a:ext cx="1089660" cy="460741"/>
-            </a:xfrm>
-            <a:prstGeom prst="line">
-              <a:avLst/>
-            </a:prstGeom>
-          </p:spPr>
-          <p:style>
-            <a:lnRef idx="2">
-              <a:schemeClr val="dk1"/>
-            </a:lnRef>
-            <a:fillRef idx="0">
-              <a:schemeClr val="dk1"/>
-            </a:fillRef>
-            <a:effectRef idx="1">
-              <a:schemeClr val="dk1"/>
-            </a:effectRef>
-            <a:fontRef idx="minor">
-              <a:schemeClr val="tx1"/>
-            </a:fontRef>
-          </p:style>
-        </p:cxnSp>
-        <p:cxnSp>
-          <p:nvCxnSpPr>
-            <p:cNvPr id="56" name="Straight Connector 55">
-              <a:extLst>
-                <a:ext uri="{FF2B5EF4-FFF2-40B4-BE49-F238E27FC236}">
-                  <a16:creationId xmlns:a16="http://schemas.microsoft.com/office/drawing/2014/main" id="{2030548A-0477-E26A-60DF-0D2AEA8D04CA}"/>
-                </a:ext>
-              </a:extLst>
-            </p:cNvPr>
-            <p:cNvCxnSpPr>
-              <a:cxnSpLocks/>
-              <a:stCxn id="34" idx="6"/>
-              <a:endCxn id="12" idx="2"/>
-            </p:cNvCxnSpPr>
-            <p:nvPr/>
-          </p:nvCxnSpPr>
-          <p:spPr>
-            <a:xfrm>
-              <a:off x="1611935" y="3453785"/>
-              <a:ext cx="1089660" cy="106295"/>
-            </a:xfrm>
-            <a:prstGeom prst="line">
-              <a:avLst/>
-            </a:prstGeom>
-          </p:spPr>
-          <p:style>
-            <a:lnRef idx="2">
-              <a:schemeClr val="dk1"/>
-            </a:lnRef>
-            <a:fillRef idx="0">
-              <a:schemeClr val="dk1"/>
-            </a:fillRef>
-            <a:effectRef idx="1">
-              <a:schemeClr val="dk1"/>
-            </a:effectRef>
-            <a:fontRef idx="minor">
-              <a:schemeClr val="tx1"/>
-            </a:fontRef>
-          </p:style>
-        </p:cxnSp>
-        <p:cxnSp>
-          <p:nvCxnSpPr>
-            <p:cNvPr id="59" name="Straight Connector 58">
-              <a:extLst>
-                <a:ext uri="{FF2B5EF4-FFF2-40B4-BE49-F238E27FC236}">
-                  <a16:creationId xmlns:a16="http://schemas.microsoft.com/office/drawing/2014/main" id="{6F021FBD-7C9D-7AD1-3B3C-A0CBDA12C455}"/>
-                </a:ext>
-              </a:extLst>
-            </p:cNvPr>
-            <p:cNvCxnSpPr>
-              <a:cxnSpLocks/>
-              <a:stCxn id="34" idx="6"/>
-              <a:endCxn id="13" idx="2"/>
-            </p:cNvCxnSpPr>
-            <p:nvPr/>
-          </p:nvCxnSpPr>
-          <p:spPr>
-            <a:xfrm>
-              <a:off x="1611935" y="3453785"/>
-              <a:ext cx="1089660" cy="673331"/>
-            </a:xfrm>
-            <a:prstGeom prst="line">
-              <a:avLst/>
-            </a:prstGeom>
-          </p:spPr>
-          <p:style>
-            <a:lnRef idx="2">
-              <a:schemeClr val="dk1"/>
-            </a:lnRef>
-            <a:fillRef idx="0">
-              <a:schemeClr val="dk1"/>
-            </a:fillRef>
-            <a:effectRef idx="1">
-              <a:schemeClr val="dk1"/>
-            </a:effectRef>
-            <a:fontRef idx="minor">
-              <a:schemeClr val="tx1"/>
-            </a:fontRef>
-          </p:style>
-        </p:cxnSp>
-      </p:grpSp>
-      <p:grpSp>
-        <p:nvGrpSpPr>
-          <p:cNvPr id="92" name="Group 91">
-            <a:extLst>
-              <a:ext uri="{FF2B5EF4-FFF2-40B4-BE49-F238E27FC236}">
-                <a16:creationId xmlns:a16="http://schemas.microsoft.com/office/drawing/2014/main" id="{B2C7B4FF-7220-37AA-7ADE-8D0FF27E76CE}"/>
-              </a:ext>
-            </a:extLst>
-          </p:cNvPr>
-          <p:cNvGrpSpPr/>
-          <p:nvPr/>
-        </p:nvGrpSpPr>
-        <p:grpSpPr>
-          <a:xfrm>
-            <a:off x="8576005" y="2142490"/>
-            <a:ext cx="2004060" cy="2158308"/>
-            <a:chOff x="7943545" y="2197408"/>
-            <a:chExt cx="2004060" cy="2158308"/>
-          </a:xfrm>
-        </p:grpSpPr>
-        <p:sp>
-          <p:nvSpPr>
-            <p:cNvPr id="75" name="Oval 74">
-              <a:extLst>
-                <a:ext uri="{FF2B5EF4-FFF2-40B4-BE49-F238E27FC236}">
-                  <a16:creationId xmlns:a16="http://schemas.microsoft.com/office/drawing/2014/main" id="{C6BC176B-BC11-5CFF-1554-3A2636B5DF33}"/>
-                </a:ext>
-              </a:extLst>
-            </p:cNvPr>
-            <p:cNvSpPr/>
-            <p:nvPr/>
-          </p:nvSpPr>
-          <p:spPr>
-            <a:xfrm>
-              <a:off x="7943545" y="2654608"/>
-              <a:ext cx="457200" cy="457200"/>
-            </a:xfrm>
-            <a:prstGeom prst="ellipse">
-              <a:avLst/>
-            </a:prstGeom>
-          </p:spPr>
-          <p:style>
-            <a:lnRef idx="2">
-              <a:schemeClr val="dk1"/>
-            </a:lnRef>
-            <a:fillRef idx="1">
-              <a:schemeClr val="lt1"/>
-            </a:fillRef>
-            <a:effectRef idx="0">
-              <a:schemeClr val="dk1"/>
-            </a:effectRef>
-            <a:fontRef idx="minor">
-              <a:schemeClr val="dk1"/>
-            </a:fontRef>
-          </p:style>
-          <p:txBody>
-            <a:bodyPr rtlCol="0" anchor="ctr"/>
-            <a:lstStyle/>
-            <a:p>
-              <a:pPr algn="ctr"/>
-              <a:endParaRPr lang="en-US" dirty="0"/>
-            </a:p>
-          </p:txBody>
-        </p:sp>
-        <p:sp>
-          <p:nvSpPr>
-            <p:cNvPr id="78" name="Oval 77">
-              <a:extLst>
-                <a:ext uri="{FF2B5EF4-FFF2-40B4-BE49-F238E27FC236}">
-                  <a16:creationId xmlns:a16="http://schemas.microsoft.com/office/drawing/2014/main" id="{C16C9492-D6F2-BD3F-1725-A824A3BE8189}"/>
-                </a:ext>
-              </a:extLst>
-            </p:cNvPr>
-            <p:cNvSpPr/>
-            <p:nvPr/>
-          </p:nvSpPr>
-          <p:spPr>
-            <a:xfrm>
-              <a:off x="7943545" y="3225185"/>
-              <a:ext cx="457200" cy="457200"/>
-            </a:xfrm>
-            <a:prstGeom prst="ellipse">
-              <a:avLst/>
-            </a:prstGeom>
-          </p:spPr>
-          <p:style>
-            <a:lnRef idx="2">
-              <a:schemeClr val="dk1"/>
-            </a:lnRef>
-            <a:fillRef idx="1">
-              <a:schemeClr val="lt1"/>
-            </a:fillRef>
-            <a:effectRef idx="0">
-              <a:schemeClr val="dk1"/>
-            </a:effectRef>
-            <a:fontRef idx="minor">
-              <a:schemeClr val="dk1"/>
-            </a:fontRef>
-          </p:style>
-          <p:txBody>
-            <a:bodyPr rtlCol="0" anchor="ctr"/>
-            <a:lstStyle/>
-            <a:p>
-              <a:pPr algn="ctr"/>
-              <a:endParaRPr lang="en-US" dirty="0"/>
-            </a:p>
-          </p:txBody>
-        </p:sp>
-        <p:sp>
-          <p:nvSpPr>
-            <p:cNvPr id="79" name="Oval 78">
-              <a:extLst>
-                <a:ext uri="{FF2B5EF4-FFF2-40B4-BE49-F238E27FC236}">
-                  <a16:creationId xmlns:a16="http://schemas.microsoft.com/office/drawing/2014/main" id="{1CADD4EA-35F6-9D36-2B0D-32A8ED19FED8}"/>
-                </a:ext>
-              </a:extLst>
-            </p:cNvPr>
-            <p:cNvSpPr/>
-            <p:nvPr/>
-          </p:nvSpPr>
-          <p:spPr>
-            <a:xfrm>
-              <a:off x="9490405" y="2197408"/>
-              <a:ext cx="457200" cy="457200"/>
-            </a:xfrm>
-            <a:prstGeom prst="ellipse">
-              <a:avLst/>
-            </a:prstGeom>
-          </p:spPr>
-          <p:style>
-            <a:lnRef idx="2">
-              <a:schemeClr val="dk1"/>
-            </a:lnRef>
-            <a:fillRef idx="1">
-              <a:schemeClr val="lt1"/>
-            </a:fillRef>
-            <a:effectRef idx="0">
-              <a:schemeClr val="dk1"/>
-            </a:effectRef>
-            <a:fontRef idx="minor">
-              <a:schemeClr val="dk1"/>
-            </a:fontRef>
-          </p:style>
-          <p:txBody>
-            <a:bodyPr rtlCol="0" anchor="ctr"/>
-            <a:lstStyle/>
-            <a:p>
-              <a:pPr algn="ctr"/>
-              <a:endParaRPr lang="en-US" dirty="0"/>
-            </a:p>
-          </p:txBody>
-        </p:sp>
-        <p:sp>
-          <p:nvSpPr>
-            <p:cNvPr id="81" name="Oval 80">
-              <a:extLst>
-                <a:ext uri="{FF2B5EF4-FFF2-40B4-BE49-F238E27FC236}">
-                  <a16:creationId xmlns:a16="http://schemas.microsoft.com/office/drawing/2014/main" id="{FEDD71A4-53B6-9A5A-BFB3-92ABC1F486F0}"/>
-                </a:ext>
-              </a:extLst>
-            </p:cNvPr>
-            <p:cNvSpPr/>
-            <p:nvPr/>
-          </p:nvSpPr>
-          <p:spPr>
-            <a:xfrm>
-              <a:off x="9490405" y="2764444"/>
-              <a:ext cx="457200" cy="457200"/>
-            </a:xfrm>
-            <a:prstGeom prst="ellipse">
-              <a:avLst/>
-            </a:prstGeom>
-          </p:spPr>
-          <p:style>
-            <a:lnRef idx="2">
-              <a:schemeClr val="dk1"/>
-            </a:lnRef>
-            <a:fillRef idx="1">
-              <a:schemeClr val="lt1"/>
-            </a:fillRef>
-            <a:effectRef idx="0">
-              <a:schemeClr val="dk1"/>
-            </a:effectRef>
-            <a:fontRef idx="minor">
-              <a:schemeClr val="dk1"/>
-            </a:fontRef>
-          </p:style>
-          <p:txBody>
-            <a:bodyPr rtlCol="0" anchor="ctr"/>
-            <a:lstStyle/>
-            <a:p>
-              <a:pPr algn="ctr"/>
-              <a:r>
-                <a:rPr lang="en-US" dirty="0"/>
-                <a:t>X</a:t>
-              </a:r>
-            </a:p>
-          </p:txBody>
-        </p:sp>
-        <p:sp>
-          <p:nvSpPr>
-            <p:cNvPr id="82" name="Oval 81">
-              <a:extLst>
-                <a:ext uri="{FF2B5EF4-FFF2-40B4-BE49-F238E27FC236}">
-                  <a16:creationId xmlns:a16="http://schemas.microsoft.com/office/drawing/2014/main" id="{76B6E6C3-C57B-5B0E-984D-1AC76BA64456}"/>
-                </a:ext>
-              </a:extLst>
-            </p:cNvPr>
-            <p:cNvSpPr/>
-            <p:nvPr/>
-          </p:nvSpPr>
-          <p:spPr>
-            <a:xfrm>
-              <a:off x="9490405" y="3331480"/>
-              <a:ext cx="457200" cy="457200"/>
-            </a:xfrm>
-            <a:prstGeom prst="ellipse">
-              <a:avLst/>
-            </a:prstGeom>
-          </p:spPr>
-          <p:style>
-            <a:lnRef idx="2">
-              <a:schemeClr val="dk1"/>
-            </a:lnRef>
-            <a:fillRef idx="1">
-              <a:schemeClr val="lt1"/>
-            </a:fillRef>
-            <a:effectRef idx="0">
-              <a:schemeClr val="dk1"/>
-            </a:effectRef>
-            <a:fontRef idx="minor">
-              <a:schemeClr val="dk1"/>
-            </a:fontRef>
-          </p:style>
-          <p:txBody>
-            <a:bodyPr rtlCol="0" anchor="ctr"/>
-            <a:lstStyle/>
-            <a:p>
-              <a:pPr algn="ctr"/>
-              <a:endParaRPr lang="en-US" dirty="0"/>
-            </a:p>
-          </p:txBody>
-        </p:sp>
-        <p:sp>
-          <p:nvSpPr>
-            <p:cNvPr id="83" name="Oval 82">
-              <a:extLst>
-                <a:ext uri="{FF2B5EF4-FFF2-40B4-BE49-F238E27FC236}">
-                  <a16:creationId xmlns:a16="http://schemas.microsoft.com/office/drawing/2014/main" id="{4DC7313A-B603-9765-89EC-5145DD568766}"/>
-                </a:ext>
-              </a:extLst>
-            </p:cNvPr>
-            <p:cNvSpPr/>
-            <p:nvPr/>
-          </p:nvSpPr>
-          <p:spPr>
-            <a:xfrm>
-              <a:off x="9490405" y="3898516"/>
-              <a:ext cx="457200" cy="457200"/>
-            </a:xfrm>
-            <a:prstGeom prst="ellipse">
-              <a:avLst/>
-            </a:prstGeom>
-          </p:spPr>
-          <p:style>
-            <a:lnRef idx="2">
-              <a:schemeClr val="dk1"/>
-            </a:lnRef>
-            <a:fillRef idx="1">
-              <a:schemeClr val="lt1"/>
-            </a:fillRef>
-            <a:effectRef idx="0">
-              <a:schemeClr val="dk1"/>
-            </a:effectRef>
-            <a:fontRef idx="minor">
-              <a:schemeClr val="dk1"/>
-            </a:fontRef>
-          </p:style>
-          <p:txBody>
-            <a:bodyPr rtlCol="0" anchor="ctr"/>
-            <a:lstStyle/>
-            <a:p>
-              <a:pPr algn="ctr"/>
-              <a:r>
-                <a:rPr lang="en-US" dirty="0"/>
-                <a:t>X</a:t>
-              </a:r>
-            </a:p>
-          </p:txBody>
-        </p:sp>
-        <p:cxnSp>
-          <p:nvCxnSpPr>
-            <p:cNvPr id="84" name="Straight Connector 83">
-              <a:extLst>
-                <a:ext uri="{FF2B5EF4-FFF2-40B4-BE49-F238E27FC236}">
-                  <a16:creationId xmlns:a16="http://schemas.microsoft.com/office/drawing/2014/main" id="{29A61562-A71D-D7B3-976E-D90C8C18104A}"/>
-                </a:ext>
-              </a:extLst>
-            </p:cNvPr>
-            <p:cNvCxnSpPr>
-              <a:stCxn id="75" idx="6"/>
-              <a:endCxn id="79" idx="2"/>
-            </p:cNvCxnSpPr>
-            <p:nvPr/>
-          </p:nvCxnSpPr>
-          <p:spPr>
-            <a:xfrm flipV="1">
-              <a:off x="8400745" y="2426008"/>
-              <a:ext cx="1089660" cy="457200"/>
-            </a:xfrm>
-            <a:prstGeom prst="line">
-              <a:avLst/>
-            </a:prstGeom>
-          </p:spPr>
-          <p:style>
-            <a:lnRef idx="2">
-              <a:schemeClr val="dk1"/>
-            </a:lnRef>
-            <a:fillRef idx="0">
-              <a:schemeClr val="dk1"/>
-            </a:fillRef>
-            <a:effectRef idx="1">
-              <a:schemeClr val="dk1"/>
-            </a:effectRef>
-            <a:fontRef idx="minor">
-              <a:schemeClr val="tx1"/>
-            </a:fontRef>
-          </p:style>
-        </p:cxnSp>
-        <p:cxnSp>
-          <p:nvCxnSpPr>
-            <p:cNvPr id="86" name="Straight Connector 85">
-              <a:extLst>
-                <a:ext uri="{FF2B5EF4-FFF2-40B4-BE49-F238E27FC236}">
-                  <a16:creationId xmlns:a16="http://schemas.microsoft.com/office/drawing/2014/main" id="{5777F69C-7BBB-E5A6-33CD-960957A77546}"/>
-                </a:ext>
-              </a:extLst>
-            </p:cNvPr>
-            <p:cNvCxnSpPr>
-              <a:cxnSpLocks/>
-              <a:stCxn id="75" idx="6"/>
-              <a:endCxn id="82" idx="2"/>
-            </p:cNvCxnSpPr>
-            <p:nvPr/>
-          </p:nvCxnSpPr>
-          <p:spPr>
-            <a:xfrm>
-              <a:off x="8400745" y="2883208"/>
-              <a:ext cx="1089660" cy="676872"/>
-            </a:xfrm>
-            <a:prstGeom prst="line">
-              <a:avLst/>
-            </a:prstGeom>
-          </p:spPr>
-          <p:style>
-            <a:lnRef idx="2">
-              <a:schemeClr val="dk1"/>
-            </a:lnRef>
-            <a:fillRef idx="0">
-              <a:schemeClr val="dk1"/>
-            </a:fillRef>
-            <a:effectRef idx="1">
-              <a:schemeClr val="dk1"/>
-            </a:effectRef>
-            <a:fontRef idx="minor">
-              <a:schemeClr val="tx1"/>
-            </a:fontRef>
-          </p:style>
-        </p:cxnSp>
-        <p:cxnSp>
-          <p:nvCxnSpPr>
-            <p:cNvPr id="88" name="Straight Connector 87">
-              <a:extLst>
-                <a:ext uri="{FF2B5EF4-FFF2-40B4-BE49-F238E27FC236}">
-                  <a16:creationId xmlns:a16="http://schemas.microsoft.com/office/drawing/2014/main" id="{9954C55B-7468-6269-BE7C-96E280EC5407}"/>
-                </a:ext>
-              </a:extLst>
-            </p:cNvPr>
-            <p:cNvCxnSpPr>
-              <a:cxnSpLocks/>
-              <a:stCxn id="78" idx="6"/>
-              <a:endCxn id="79" idx="2"/>
-            </p:cNvCxnSpPr>
-            <p:nvPr/>
-          </p:nvCxnSpPr>
-          <p:spPr>
-            <a:xfrm flipV="1">
-              <a:off x="8400745" y="2426008"/>
-              <a:ext cx="1089660" cy="1027777"/>
-            </a:xfrm>
-            <a:prstGeom prst="line">
-              <a:avLst/>
-            </a:prstGeom>
-          </p:spPr>
-          <p:style>
-            <a:lnRef idx="2">
-              <a:schemeClr val="dk1"/>
-            </a:lnRef>
-            <a:fillRef idx="0">
-              <a:schemeClr val="dk1"/>
-            </a:fillRef>
-            <a:effectRef idx="1">
-              <a:schemeClr val="dk1"/>
-            </a:effectRef>
-            <a:fontRef idx="minor">
-              <a:schemeClr val="tx1"/>
-            </a:fontRef>
-          </p:style>
-        </p:cxnSp>
-        <p:cxnSp>
-          <p:nvCxnSpPr>
-            <p:cNvPr id="90" name="Straight Connector 89">
-              <a:extLst>
-                <a:ext uri="{FF2B5EF4-FFF2-40B4-BE49-F238E27FC236}">
-                  <a16:creationId xmlns:a16="http://schemas.microsoft.com/office/drawing/2014/main" id="{F67E941C-4B1A-8A54-DE19-29E5C6E44EA5}"/>
-                </a:ext>
-              </a:extLst>
-            </p:cNvPr>
-            <p:cNvCxnSpPr>
-              <a:cxnSpLocks/>
-              <a:stCxn id="78" idx="6"/>
-              <a:endCxn id="82" idx="2"/>
-            </p:cNvCxnSpPr>
-            <p:nvPr/>
-          </p:nvCxnSpPr>
-          <p:spPr>
-            <a:xfrm>
-              <a:off x="8400745" y="3453785"/>
-              <a:ext cx="1089660" cy="106295"/>
-            </a:xfrm>
-            <a:prstGeom prst="line">
-              <a:avLst/>
-            </a:prstGeom>
-          </p:spPr>
-          <p:style>
-            <a:lnRef idx="2">
-              <a:schemeClr val="dk1"/>
-            </a:lnRef>
-            <a:fillRef idx="0">
-              <a:schemeClr val="dk1"/>
-            </a:fillRef>
-            <a:effectRef idx="1">
-              <a:schemeClr val="dk1"/>
-            </a:effectRef>
-            <a:fontRef idx="minor">
-              <a:schemeClr val="tx1"/>
-            </a:fontRef>
-          </p:style>
-        </p:cxnSp>
-      </p:grpSp>
-      <p:sp>
-        <p:nvSpPr>
-          <p:cNvPr id="94" name="TextBox 93">
-            <a:extLst>
-              <a:ext uri="{FF2B5EF4-FFF2-40B4-BE49-F238E27FC236}">
-                <a16:creationId xmlns:a16="http://schemas.microsoft.com/office/drawing/2014/main" id="{7428ACC3-2A44-C288-65BB-B019098BEC45}"/>
-              </a:ext>
-            </a:extLst>
-          </p:cNvPr>
-          <p:cNvSpPr txBox="1"/>
-          <p:nvPr/>
-        </p:nvSpPr>
-        <p:spPr>
-          <a:xfrm>
-            <a:off x="1313393" y="1568011"/>
-            <a:ext cx="1908536" cy="369332"/>
-          </a:xfrm>
-          <a:prstGeom prst="rect">
-            <a:avLst/>
-          </a:prstGeom>
-          <a:noFill/>
-        </p:spPr>
-        <p:txBody>
-          <a:bodyPr wrap="none" rtlCol="0">
-            <a:spAutoFit/>
-          </a:bodyPr>
-          <a:lstStyle/>
-          <a:p>
-            <a:r>
-              <a:rPr lang="en-US" b="1" dirty="0"/>
-              <a:t>Without dropout</a:t>
-            </a:r>
-          </a:p>
-        </p:txBody>
-      </p:sp>
-      <p:sp>
-        <p:nvSpPr>
-          <p:cNvPr id="95" name="TextBox 94">
-            <a:extLst>
-              <a:ext uri="{FF2B5EF4-FFF2-40B4-BE49-F238E27FC236}">
-                <a16:creationId xmlns:a16="http://schemas.microsoft.com/office/drawing/2014/main" id="{B9DA0D76-0388-9590-05D0-5278FC45EE99}"/>
-              </a:ext>
-            </a:extLst>
-          </p:cNvPr>
-          <p:cNvSpPr txBox="1"/>
-          <p:nvPr/>
-        </p:nvSpPr>
-        <p:spPr>
-          <a:xfrm>
-            <a:off x="8970073" y="1602170"/>
-            <a:ext cx="1559081" cy="369332"/>
-          </a:xfrm>
-          <a:prstGeom prst="rect">
-            <a:avLst/>
-          </a:prstGeom>
-          <a:noFill/>
-        </p:spPr>
-        <p:txBody>
-          <a:bodyPr wrap="none" rtlCol="0">
-            <a:spAutoFit/>
-          </a:bodyPr>
-          <a:lstStyle/>
-          <a:p>
-            <a:r>
-              <a:rPr lang="en-US" b="1" dirty="0"/>
-              <a:t>With dropout</a:t>
-            </a:r>
-          </a:p>
-        </p:txBody>
-      </p:sp>
-    </p:spTree>
-    <p:extLst>
-      <p:ext uri="{BB962C8B-B14F-4D97-AF65-F5344CB8AC3E}">
-        <p14:creationId xmlns:p14="http://schemas.microsoft.com/office/powerpoint/2010/main" val="1178992455"/>
-      </p:ext>
-    </p:extLst>
-  </p:cSld>
-  <p:clrMapOvr>
-    <a:masterClrMapping/>
-  </p:clrMapOvr>
-</p:sld>
-</file>
-
-<file path=ppt/slides/slide4.xml><?xml version="1.0" encoding="utf-8"?>
-<p:sld xmlns:a="http://schemas.openxmlformats.org/drawingml/2006/main" xmlns:r="http://schemas.openxmlformats.org/officeDocument/2006/relationships" xmlns:p="http://schemas.openxmlformats.org/presentationml/2006/main">
-  <p:cSld>
-    <p:spTree>
-      <p:nvGrpSpPr>
-        <p:cNvPr id="1" name=""/>
-        <p:cNvGrpSpPr/>
-        <p:nvPr/>
-      </p:nvGrpSpPr>
-      <p:grpSpPr>
-        <a:xfrm>
-          <a:off x="0" y="0"/>
-          <a:ext cx="0" cy="0"/>
-          <a:chOff x="0" y="0"/>
-          <a:chExt cx="0" cy="0"/>
-        </a:xfrm>
-      </p:grpSpPr>
-      <p:sp>
-        <p:nvSpPr>
-          <p:cNvPr id="4" name="TextBox 3">
-            <a:extLst>
-              <a:ext uri="{FF2B5EF4-FFF2-40B4-BE49-F238E27FC236}">
-                <a16:creationId xmlns:a16="http://schemas.microsoft.com/office/drawing/2014/main" id="{4C61ACD8-C096-29CB-FCF1-9323A76A3BE6}"/>
-              </a:ext>
-            </a:extLst>
-          </p:cNvPr>
-          <p:cNvSpPr txBox="1"/>
-          <p:nvPr/>
-        </p:nvSpPr>
-        <p:spPr>
-          <a:xfrm>
-            <a:off x="4849769" y="274320"/>
-            <a:ext cx="2492478" cy="461665"/>
-          </a:xfrm>
-          <a:prstGeom prst="rect">
-            <a:avLst/>
-          </a:prstGeom>
-          <a:noFill/>
-        </p:spPr>
-        <p:txBody>
-          <a:bodyPr wrap="square" rtlCol="0">
-            <a:spAutoFit/>
-          </a:bodyPr>
-          <a:lstStyle/>
-          <a:p>
-            <a:pPr algn="ctr"/>
-            <a:r>
-              <a:rPr lang="en-US" sz="2400" b="1" dirty="0"/>
-              <a:t>K-fold Validation</a:t>
-            </a:r>
-          </a:p>
-        </p:txBody>
-      </p:sp>
-      <p:graphicFrame>
-        <p:nvGraphicFramePr>
-          <p:cNvPr id="6" name="Table 5">
-            <a:extLst>
-              <a:ext uri="{FF2B5EF4-FFF2-40B4-BE49-F238E27FC236}">
-                <a16:creationId xmlns:a16="http://schemas.microsoft.com/office/drawing/2014/main" id="{0F407E3A-3170-95AD-E14C-FB6F5068F69E}"/>
-              </a:ext>
-            </a:extLst>
-          </p:cNvPr>
-          <p:cNvGraphicFramePr>
-            <a:graphicFrameLocks noGrp="1"/>
-          </p:cNvGraphicFramePr>
-          <p:nvPr>
-            <p:extLst>
-              <p:ext uri="{D42A27DB-BD31-4B8C-83A1-F6EECF244321}">
-                <p14:modId xmlns:p14="http://schemas.microsoft.com/office/powerpoint/2010/main" val="986577746"/>
-              </p:ext>
-            </p:extLst>
-          </p:nvPr>
-        </p:nvGraphicFramePr>
-        <p:xfrm>
-          <a:off x="1524000" y="963506"/>
-          <a:ext cx="9144000" cy="370840"/>
-        </p:xfrm>
-        <a:graphic>
-          <a:graphicData uri="http://schemas.openxmlformats.org/drawingml/2006/table">
-            <a:tbl>
-              <a:tblPr firstRow="1" bandRow="1">
-                <a:tableStyleId>{21E4AEA4-8DFA-4A89-87EB-49C32662AFE0}</a:tableStyleId>
-              </a:tblPr>
-              <a:tblGrid>
-                <a:gridCol w="9144000">
-                  <a:extLst>
-                    <a:ext uri="{9D8B030D-6E8A-4147-A177-3AD203B41FA5}">
-                      <a16:colId xmlns:a16="http://schemas.microsoft.com/office/drawing/2014/main" val="1656385218"/>
-                    </a:ext>
-                  </a:extLst>
-                </a:gridCol>
-              </a:tblGrid>
-              <a:tr h="370840">
-                <a:tc>
-                  <a:txBody>
-                    <a:bodyPr/>
-                    <a:lstStyle/>
-                    <a:p>
-                      <a:pPr algn="ctr"/>
-                      <a:r>
-                        <a:rPr lang="en-US" dirty="0"/>
-                        <a:t>Dataset</a:t>
-                      </a:r>
-                    </a:p>
-                  </a:txBody>
-                  <a:tcPr>
-                    <a:solidFill>
-                      <a:schemeClr val="accent6"/>
-                    </a:solidFill>
-                  </a:tcPr>
-                </a:tc>
-                <a:extLst>
-                  <a:ext uri="{0D108BD9-81ED-4DB2-BD59-A6C34878D82A}">
-                    <a16:rowId xmlns:a16="http://schemas.microsoft.com/office/drawing/2014/main" val="2851541762"/>
-                  </a:ext>
-                </a:extLst>
-              </a:tr>
-            </a:tbl>
-          </a:graphicData>
-        </a:graphic>
-      </p:graphicFrame>
-      <p:graphicFrame>
-        <p:nvGraphicFramePr>
-          <p:cNvPr id="7" name="Table 6">
-            <a:extLst>
-              <a:ext uri="{FF2B5EF4-FFF2-40B4-BE49-F238E27FC236}">
-                <a16:creationId xmlns:a16="http://schemas.microsoft.com/office/drawing/2014/main" id="{F4240051-A354-7D4C-A8E5-8F298AB01940}"/>
-              </a:ext>
-            </a:extLst>
-          </p:cNvPr>
-          <p:cNvGraphicFramePr>
-            <a:graphicFrameLocks noGrp="1"/>
-          </p:cNvGraphicFramePr>
-          <p:nvPr>
-            <p:extLst>
-              <p:ext uri="{D42A27DB-BD31-4B8C-83A1-F6EECF244321}">
-                <p14:modId xmlns:p14="http://schemas.microsoft.com/office/powerpoint/2010/main" val="2405606569"/>
-              </p:ext>
-            </p:extLst>
-          </p:nvPr>
-        </p:nvGraphicFramePr>
-        <p:xfrm>
-          <a:off x="1524000" y="1481666"/>
-          <a:ext cx="9144000" cy="370840"/>
-        </p:xfrm>
-        <a:graphic>
-          <a:graphicData uri="http://schemas.openxmlformats.org/drawingml/2006/table">
-            <a:tbl>
-              <a:tblPr firstRow="1" bandRow="1">
-                <a:tableStyleId>{93296810-A885-4BE3-A3E7-6D5BEEA58F35}</a:tableStyleId>
-              </a:tblPr>
-              <a:tblGrid>
-                <a:gridCol w="6400800">
-                  <a:extLst>
-                    <a:ext uri="{9D8B030D-6E8A-4147-A177-3AD203B41FA5}">
-                      <a16:colId xmlns:a16="http://schemas.microsoft.com/office/drawing/2014/main" val="3845504298"/>
-                    </a:ext>
-                  </a:extLst>
-                </a:gridCol>
-                <a:gridCol w="2743200">
-                  <a:extLst>
-                    <a:ext uri="{9D8B030D-6E8A-4147-A177-3AD203B41FA5}">
-                      <a16:colId xmlns:a16="http://schemas.microsoft.com/office/drawing/2014/main" val="145955788"/>
-                    </a:ext>
-                  </a:extLst>
-                </a:gridCol>
-              </a:tblGrid>
-              <a:tr h="370840">
-                <a:tc>
-                  <a:txBody>
-                    <a:bodyPr/>
-                    <a:lstStyle/>
-                    <a:p>
-                      <a:pPr algn="ctr"/>
-                      <a:r>
-                        <a:rPr lang="en-US" dirty="0"/>
-                        <a:t>Training Set</a:t>
-                      </a:r>
-                    </a:p>
-                  </a:txBody>
-                  <a:tcPr>
-                    <a:solidFill>
-                      <a:schemeClr val="accent4"/>
-                    </a:solidFill>
-                  </a:tcPr>
-                </a:tc>
-                <a:tc>
-                  <a:txBody>
-                    <a:bodyPr/>
-                    <a:lstStyle/>
-                    <a:p>
-                      <a:pPr algn="ctr"/>
-                      <a:r>
-                        <a:rPr lang="en-US" dirty="0"/>
-                        <a:t>Testing Set</a:t>
-                      </a:r>
-                    </a:p>
-                  </a:txBody>
-                  <a:tcPr>
-                    <a:solidFill>
-                      <a:schemeClr val="accent5"/>
-                    </a:solidFill>
-                  </a:tcPr>
-                </a:tc>
-                <a:extLst>
-                  <a:ext uri="{0D108BD9-81ED-4DB2-BD59-A6C34878D82A}">
-                    <a16:rowId xmlns:a16="http://schemas.microsoft.com/office/drawing/2014/main" val="1888353733"/>
-                  </a:ext>
-                </a:extLst>
-              </a:tr>
-            </a:tbl>
-          </a:graphicData>
-        </a:graphic>
-      </p:graphicFrame>
-      <p:graphicFrame>
-        <p:nvGraphicFramePr>
-          <p:cNvPr id="8" name="Table 7">
-            <a:extLst>
-              <a:ext uri="{FF2B5EF4-FFF2-40B4-BE49-F238E27FC236}">
-                <a16:creationId xmlns:a16="http://schemas.microsoft.com/office/drawing/2014/main" id="{1E497186-8625-300D-D5E1-9ECE594B46F4}"/>
-              </a:ext>
-            </a:extLst>
-          </p:cNvPr>
-          <p:cNvGraphicFramePr>
-            <a:graphicFrameLocks noGrp="1"/>
-          </p:cNvGraphicFramePr>
-          <p:nvPr>
-            <p:extLst>
-              <p:ext uri="{D42A27DB-BD31-4B8C-83A1-F6EECF244321}">
-                <p14:modId xmlns:p14="http://schemas.microsoft.com/office/powerpoint/2010/main" val="834131420"/>
-              </p:ext>
-            </p:extLst>
-          </p:nvPr>
-        </p:nvGraphicFramePr>
-        <p:xfrm>
-          <a:off x="1524000" y="1997053"/>
-          <a:ext cx="6400800" cy="370840"/>
-        </p:xfrm>
-        <a:graphic>
-          <a:graphicData uri="http://schemas.openxmlformats.org/drawingml/2006/table">
-            <a:tbl>
-              <a:tblPr firstRow="1" bandRow="1">
-                <a:tableStyleId>{5C22544A-7EE6-4342-B048-85BDC9FD1C3A}</a:tableStyleId>
-              </a:tblPr>
-              <a:tblGrid>
-                <a:gridCol w="1280160">
-                  <a:extLst>
-                    <a:ext uri="{9D8B030D-6E8A-4147-A177-3AD203B41FA5}">
-                      <a16:colId xmlns:a16="http://schemas.microsoft.com/office/drawing/2014/main" val="1930388377"/>
-                    </a:ext>
-                  </a:extLst>
-                </a:gridCol>
-                <a:gridCol w="1280160">
-                  <a:extLst>
-                    <a:ext uri="{9D8B030D-6E8A-4147-A177-3AD203B41FA5}">
-                      <a16:colId xmlns:a16="http://schemas.microsoft.com/office/drawing/2014/main" val="177161263"/>
-                    </a:ext>
-                  </a:extLst>
-                </a:gridCol>
-                <a:gridCol w="1280160">
-                  <a:extLst>
-                    <a:ext uri="{9D8B030D-6E8A-4147-A177-3AD203B41FA5}">
-                      <a16:colId xmlns:a16="http://schemas.microsoft.com/office/drawing/2014/main" val="1111425671"/>
-                    </a:ext>
-                  </a:extLst>
-                </a:gridCol>
-                <a:gridCol w="1280160">
-                  <a:extLst>
-                    <a:ext uri="{9D8B030D-6E8A-4147-A177-3AD203B41FA5}">
-                      <a16:colId xmlns:a16="http://schemas.microsoft.com/office/drawing/2014/main" val="2793085994"/>
-                    </a:ext>
-                  </a:extLst>
-                </a:gridCol>
-                <a:gridCol w="1280160">
-                  <a:extLst>
-                    <a:ext uri="{9D8B030D-6E8A-4147-A177-3AD203B41FA5}">
-                      <a16:colId xmlns:a16="http://schemas.microsoft.com/office/drawing/2014/main" val="117050268"/>
-                    </a:ext>
-                  </a:extLst>
-                </a:gridCol>
-              </a:tblGrid>
-              <a:tr h="370840">
-                <a:tc>
-                  <a:txBody>
-                    <a:bodyPr/>
-                    <a:lstStyle/>
-                    <a:p>
-                      <a:pPr algn="ctr"/>
-                      <a:r>
-                        <a:rPr lang="en-US" dirty="0"/>
-                        <a:t>Fold 1</a:t>
-                      </a:r>
-                    </a:p>
-                  </a:txBody>
-                  <a:tcPr>
-                    <a:solidFill>
-                      <a:schemeClr val="accent5"/>
-                    </a:solidFill>
-                  </a:tcPr>
-                </a:tc>
-                <a:tc>
-                  <a:txBody>
-                    <a:bodyPr/>
-                    <a:lstStyle/>
-                    <a:p>
-                      <a:pPr algn="ctr"/>
-                      <a:r>
-                        <a:rPr lang="en-US" dirty="0"/>
-                        <a:t>Fold 2</a:t>
-                      </a:r>
-                    </a:p>
-                  </a:txBody>
-                  <a:tcPr>
-                    <a:solidFill>
-                      <a:schemeClr val="accent4"/>
-                    </a:solidFill>
-                  </a:tcPr>
-                </a:tc>
-                <a:tc>
-                  <a:txBody>
-                    <a:bodyPr/>
-                    <a:lstStyle/>
-                    <a:p>
-                      <a:pPr algn="ctr"/>
-                      <a:r>
-                        <a:rPr lang="en-US" dirty="0"/>
-                        <a:t>Fold 3</a:t>
-                      </a:r>
-                    </a:p>
-                  </a:txBody>
-                  <a:tcPr>
-                    <a:solidFill>
-                      <a:schemeClr val="accent4"/>
-                    </a:solidFill>
-                  </a:tcPr>
-                </a:tc>
-                <a:tc>
-                  <a:txBody>
-                    <a:bodyPr/>
-                    <a:lstStyle/>
-                    <a:p>
-                      <a:pPr algn="ctr"/>
-                      <a:r>
-                        <a:rPr lang="en-US" dirty="0"/>
-                        <a:t>Fold 4</a:t>
-                      </a:r>
-                    </a:p>
-                  </a:txBody>
-                  <a:tcPr>
-                    <a:solidFill>
-                      <a:schemeClr val="accent4"/>
-                    </a:solidFill>
-                  </a:tcPr>
-                </a:tc>
-                <a:tc>
-                  <a:txBody>
-                    <a:bodyPr/>
-                    <a:lstStyle/>
-                    <a:p>
-                      <a:pPr algn="ctr"/>
-                      <a:r>
-                        <a:rPr lang="en-US" dirty="0"/>
-                        <a:t>Fold 5</a:t>
-                      </a:r>
-                    </a:p>
-                  </a:txBody>
-                  <a:tcPr>
-                    <a:solidFill>
-                      <a:schemeClr val="accent4"/>
-                    </a:solidFill>
-                  </a:tcPr>
-                </a:tc>
-                <a:extLst>
-                  <a:ext uri="{0D108BD9-81ED-4DB2-BD59-A6C34878D82A}">
-                    <a16:rowId xmlns:a16="http://schemas.microsoft.com/office/drawing/2014/main" val="644706429"/>
-                  </a:ext>
-                </a:extLst>
-              </a:tr>
-            </a:tbl>
-          </a:graphicData>
-        </a:graphic>
-      </p:graphicFrame>
-      <p:graphicFrame>
-        <p:nvGraphicFramePr>
-          <p:cNvPr id="18" name="Table 17">
-            <a:extLst>
-              <a:ext uri="{FF2B5EF4-FFF2-40B4-BE49-F238E27FC236}">
-                <a16:creationId xmlns:a16="http://schemas.microsoft.com/office/drawing/2014/main" id="{07C9613C-946E-A33E-27E3-FA1A77F609A6}"/>
-              </a:ext>
-            </a:extLst>
-          </p:cNvPr>
-          <p:cNvGraphicFramePr>
-            <a:graphicFrameLocks noGrp="1"/>
-          </p:cNvGraphicFramePr>
-          <p:nvPr>
-            <p:extLst>
-              <p:ext uri="{D42A27DB-BD31-4B8C-83A1-F6EECF244321}">
-                <p14:modId xmlns:p14="http://schemas.microsoft.com/office/powerpoint/2010/main" val="1532203078"/>
-              </p:ext>
-            </p:extLst>
-          </p:nvPr>
-        </p:nvGraphicFramePr>
-        <p:xfrm>
-          <a:off x="1524000" y="2512440"/>
-          <a:ext cx="6400800" cy="370840"/>
-        </p:xfrm>
-        <a:graphic>
-          <a:graphicData uri="http://schemas.openxmlformats.org/drawingml/2006/table">
-            <a:tbl>
-              <a:tblPr firstRow="1" bandRow="1">
-                <a:tableStyleId>{5C22544A-7EE6-4342-B048-85BDC9FD1C3A}</a:tableStyleId>
-              </a:tblPr>
-              <a:tblGrid>
-                <a:gridCol w="1280160">
-                  <a:extLst>
-                    <a:ext uri="{9D8B030D-6E8A-4147-A177-3AD203B41FA5}">
-                      <a16:colId xmlns:a16="http://schemas.microsoft.com/office/drawing/2014/main" val="1930388377"/>
-                    </a:ext>
-                  </a:extLst>
-                </a:gridCol>
-                <a:gridCol w="1280160">
-                  <a:extLst>
-                    <a:ext uri="{9D8B030D-6E8A-4147-A177-3AD203B41FA5}">
-                      <a16:colId xmlns:a16="http://schemas.microsoft.com/office/drawing/2014/main" val="177161263"/>
-                    </a:ext>
-                  </a:extLst>
-                </a:gridCol>
-                <a:gridCol w="1280160">
-                  <a:extLst>
-                    <a:ext uri="{9D8B030D-6E8A-4147-A177-3AD203B41FA5}">
-                      <a16:colId xmlns:a16="http://schemas.microsoft.com/office/drawing/2014/main" val="1111425671"/>
-                    </a:ext>
-                  </a:extLst>
-                </a:gridCol>
-                <a:gridCol w="1280160">
-                  <a:extLst>
-                    <a:ext uri="{9D8B030D-6E8A-4147-A177-3AD203B41FA5}">
-                      <a16:colId xmlns:a16="http://schemas.microsoft.com/office/drawing/2014/main" val="2793085994"/>
-                    </a:ext>
-                  </a:extLst>
-                </a:gridCol>
-                <a:gridCol w="1280160">
-                  <a:extLst>
-                    <a:ext uri="{9D8B030D-6E8A-4147-A177-3AD203B41FA5}">
-                      <a16:colId xmlns:a16="http://schemas.microsoft.com/office/drawing/2014/main" val="117050268"/>
-                    </a:ext>
-                  </a:extLst>
-                </a:gridCol>
-              </a:tblGrid>
-              <a:tr h="370840">
-                <a:tc>
-                  <a:txBody>
-                    <a:bodyPr/>
-                    <a:lstStyle/>
-                    <a:p>
-                      <a:pPr algn="ctr"/>
-                      <a:r>
-                        <a:rPr lang="en-US" dirty="0"/>
-                        <a:t>Fold 1</a:t>
-                      </a:r>
-                    </a:p>
-                  </a:txBody>
-                  <a:tcPr>
-                    <a:solidFill>
-                      <a:schemeClr val="accent4"/>
-                    </a:solidFill>
-                  </a:tcPr>
-                </a:tc>
-                <a:tc>
-                  <a:txBody>
-                    <a:bodyPr/>
-                    <a:lstStyle/>
-                    <a:p>
-                      <a:pPr algn="ctr"/>
-                      <a:r>
-                        <a:rPr lang="en-US" dirty="0"/>
-                        <a:t>Fold 2</a:t>
-                      </a:r>
-                    </a:p>
-                  </a:txBody>
-                  <a:tcPr>
-                    <a:solidFill>
-                      <a:schemeClr val="accent5"/>
-                    </a:solidFill>
-                  </a:tcPr>
-                </a:tc>
-                <a:tc>
-                  <a:txBody>
-                    <a:bodyPr/>
-                    <a:lstStyle/>
-                    <a:p>
-                      <a:pPr algn="ctr"/>
-                      <a:r>
-                        <a:rPr lang="en-US" dirty="0"/>
-                        <a:t>Fold 3</a:t>
-                      </a:r>
-                    </a:p>
-                  </a:txBody>
-                  <a:tcPr>
-                    <a:solidFill>
-                      <a:schemeClr val="accent4"/>
-                    </a:solidFill>
-                  </a:tcPr>
-                </a:tc>
-                <a:tc>
-                  <a:txBody>
-                    <a:bodyPr/>
-                    <a:lstStyle/>
-                    <a:p>
-                      <a:pPr algn="ctr"/>
-                      <a:r>
-                        <a:rPr lang="en-US" dirty="0"/>
-                        <a:t>Fold 4</a:t>
-                      </a:r>
-                    </a:p>
-                  </a:txBody>
-                  <a:tcPr>
-                    <a:solidFill>
-                      <a:schemeClr val="accent4"/>
-                    </a:solidFill>
-                  </a:tcPr>
-                </a:tc>
-                <a:tc>
-                  <a:txBody>
-                    <a:bodyPr/>
-                    <a:lstStyle/>
-                    <a:p>
-                      <a:pPr algn="ctr"/>
-                      <a:r>
-                        <a:rPr lang="en-US" dirty="0"/>
-                        <a:t>Fold 5</a:t>
-                      </a:r>
-                    </a:p>
-                  </a:txBody>
-                  <a:tcPr>
-                    <a:solidFill>
-                      <a:schemeClr val="accent4"/>
-                    </a:solidFill>
-                  </a:tcPr>
-                </a:tc>
-                <a:extLst>
-                  <a:ext uri="{0D108BD9-81ED-4DB2-BD59-A6C34878D82A}">
-                    <a16:rowId xmlns:a16="http://schemas.microsoft.com/office/drawing/2014/main" val="644706429"/>
-                  </a:ext>
-                </a:extLst>
-              </a:tr>
-            </a:tbl>
-          </a:graphicData>
-        </a:graphic>
-      </p:graphicFrame>
-      <p:graphicFrame>
-        <p:nvGraphicFramePr>
-          <p:cNvPr id="19" name="Table 18">
-            <a:extLst>
-              <a:ext uri="{FF2B5EF4-FFF2-40B4-BE49-F238E27FC236}">
-                <a16:creationId xmlns:a16="http://schemas.microsoft.com/office/drawing/2014/main" id="{13E76DBF-75EB-31BB-CCED-27B877374546}"/>
-              </a:ext>
-            </a:extLst>
-          </p:cNvPr>
-          <p:cNvGraphicFramePr>
-            <a:graphicFrameLocks noGrp="1"/>
-          </p:cNvGraphicFramePr>
-          <p:nvPr>
-            <p:extLst>
-              <p:ext uri="{D42A27DB-BD31-4B8C-83A1-F6EECF244321}">
-                <p14:modId xmlns:p14="http://schemas.microsoft.com/office/powerpoint/2010/main" val="406666372"/>
-              </p:ext>
-            </p:extLst>
-          </p:nvPr>
-        </p:nvGraphicFramePr>
-        <p:xfrm>
-          <a:off x="1524000" y="3027827"/>
-          <a:ext cx="6400800" cy="370840"/>
-        </p:xfrm>
-        <a:graphic>
-          <a:graphicData uri="http://schemas.openxmlformats.org/drawingml/2006/table">
-            <a:tbl>
-              <a:tblPr firstRow="1" bandRow="1">
-                <a:tableStyleId>{5C22544A-7EE6-4342-B048-85BDC9FD1C3A}</a:tableStyleId>
-              </a:tblPr>
-              <a:tblGrid>
-                <a:gridCol w="1280160">
-                  <a:extLst>
-                    <a:ext uri="{9D8B030D-6E8A-4147-A177-3AD203B41FA5}">
-                      <a16:colId xmlns:a16="http://schemas.microsoft.com/office/drawing/2014/main" val="1930388377"/>
-                    </a:ext>
-                  </a:extLst>
-                </a:gridCol>
-                <a:gridCol w="1280160">
-                  <a:extLst>
-                    <a:ext uri="{9D8B030D-6E8A-4147-A177-3AD203B41FA5}">
-                      <a16:colId xmlns:a16="http://schemas.microsoft.com/office/drawing/2014/main" val="177161263"/>
-                    </a:ext>
-                  </a:extLst>
-                </a:gridCol>
-                <a:gridCol w="1280160">
-                  <a:extLst>
-                    <a:ext uri="{9D8B030D-6E8A-4147-A177-3AD203B41FA5}">
-                      <a16:colId xmlns:a16="http://schemas.microsoft.com/office/drawing/2014/main" val="1111425671"/>
-                    </a:ext>
-                  </a:extLst>
-                </a:gridCol>
-                <a:gridCol w="1280160">
-                  <a:extLst>
-                    <a:ext uri="{9D8B030D-6E8A-4147-A177-3AD203B41FA5}">
-                      <a16:colId xmlns:a16="http://schemas.microsoft.com/office/drawing/2014/main" val="2793085994"/>
-                    </a:ext>
-                  </a:extLst>
-                </a:gridCol>
-                <a:gridCol w="1280160">
-                  <a:extLst>
-                    <a:ext uri="{9D8B030D-6E8A-4147-A177-3AD203B41FA5}">
-                      <a16:colId xmlns:a16="http://schemas.microsoft.com/office/drawing/2014/main" val="117050268"/>
-                    </a:ext>
-                  </a:extLst>
-                </a:gridCol>
-              </a:tblGrid>
-              <a:tr h="370840">
-                <a:tc>
-                  <a:txBody>
-                    <a:bodyPr/>
-                    <a:lstStyle/>
-                    <a:p>
-                      <a:pPr algn="ctr"/>
-                      <a:r>
-                        <a:rPr lang="en-US" dirty="0"/>
-                        <a:t>Fold 1</a:t>
-                      </a:r>
-                    </a:p>
-                  </a:txBody>
-                  <a:tcPr>
-                    <a:solidFill>
-                      <a:schemeClr val="accent4"/>
-                    </a:solidFill>
-                  </a:tcPr>
-                </a:tc>
-                <a:tc>
-                  <a:txBody>
-                    <a:bodyPr/>
-                    <a:lstStyle/>
-                    <a:p>
-                      <a:pPr algn="ctr"/>
-                      <a:r>
-                        <a:rPr lang="en-US" dirty="0"/>
-                        <a:t>Fold 2</a:t>
-                      </a:r>
-                    </a:p>
-                  </a:txBody>
-                  <a:tcPr>
-                    <a:solidFill>
-                      <a:schemeClr val="accent4"/>
-                    </a:solidFill>
-                  </a:tcPr>
-                </a:tc>
-                <a:tc>
-                  <a:txBody>
-                    <a:bodyPr/>
-                    <a:lstStyle/>
-                    <a:p>
-                      <a:pPr algn="ctr"/>
-                      <a:r>
-                        <a:rPr lang="en-US" dirty="0"/>
-                        <a:t>Fold 3</a:t>
-                      </a:r>
-                    </a:p>
-                  </a:txBody>
-                  <a:tcPr>
-                    <a:solidFill>
-                      <a:schemeClr val="accent5"/>
-                    </a:solidFill>
-                  </a:tcPr>
-                </a:tc>
-                <a:tc>
-                  <a:txBody>
-                    <a:bodyPr/>
-                    <a:lstStyle/>
-                    <a:p>
-                      <a:pPr algn="ctr"/>
-                      <a:r>
-                        <a:rPr lang="en-US" dirty="0"/>
-                        <a:t>Fold 4</a:t>
-                      </a:r>
-                    </a:p>
-                  </a:txBody>
-                  <a:tcPr>
-                    <a:solidFill>
-                      <a:schemeClr val="accent4"/>
-                    </a:solidFill>
-                  </a:tcPr>
-                </a:tc>
-                <a:tc>
-                  <a:txBody>
-                    <a:bodyPr/>
-                    <a:lstStyle/>
-                    <a:p>
-                      <a:pPr algn="ctr"/>
-                      <a:r>
-                        <a:rPr lang="en-US" dirty="0"/>
-                        <a:t>Fold 5</a:t>
-                      </a:r>
-                    </a:p>
-                  </a:txBody>
-                  <a:tcPr>
-                    <a:solidFill>
-                      <a:schemeClr val="accent4"/>
-                    </a:solidFill>
-                  </a:tcPr>
-                </a:tc>
-                <a:extLst>
-                  <a:ext uri="{0D108BD9-81ED-4DB2-BD59-A6C34878D82A}">
-                    <a16:rowId xmlns:a16="http://schemas.microsoft.com/office/drawing/2014/main" val="644706429"/>
-                  </a:ext>
-                </a:extLst>
-              </a:tr>
-            </a:tbl>
-          </a:graphicData>
-        </a:graphic>
-      </p:graphicFrame>
-      <p:graphicFrame>
-        <p:nvGraphicFramePr>
-          <p:cNvPr id="22" name="Table 21">
-            <a:extLst>
-              <a:ext uri="{FF2B5EF4-FFF2-40B4-BE49-F238E27FC236}">
-                <a16:creationId xmlns:a16="http://schemas.microsoft.com/office/drawing/2014/main" id="{4D922A2A-DA57-AB09-685C-AC2A02DE660F}"/>
-              </a:ext>
-            </a:extLst>
-          </p:cNvPr>
-          <p:cNvGraphicFramePr>
-            <a:graphicFrameLocks noGrp="1"/>
-          </p:cNvGraphicFramePr>
-          <p:nvPr>
-            <p:extLst>
-              <p:ext uri="{D42A27DB-BD31-4B8C-83A1-F6EECF244321}">
-                <p14:modId xmlns:p14="http://schemas.microsoft.com/office/powerpoint/2010/main" val="4101108075"/>
-              </p:ext>
-            </p:extLst>
-          </p:nvPr>
-        </p:nvGraphicFramePr>
-        <p:xfrm>
-          <a:off x="1524000" y="3543214"/>
-          <a:ext cx="6400800" cy="370840"/>
-        </p:xfrm>
-        <a:graphic>
-          <a:graphicData uri="http://schemas.openxmlformats.org/drawingml/2006/table">
-            <a:tbl>
-              <a:tblPr firstRow="1" bandRow="1">
-                <a:tableStyleId>{5C22544A-7EE6-4342-B048-85BDC9FD1C3A}</a:tableStyleId>
-              </a:tblPr>
-              <a:tblGrid>
-                <a:gridCol w="1280160">
-                  <a:extLst>
-                    <a:ext uri="{9D8B030D-6E8A-4147-A177-3AD203B41FA5}">
-                      <a16:colId xmlns:a16="http://schemas.microsoft.com/office/drawing/2014/main" val="1930388377"/>
-                    </a:ext>
-                  </a:extLst>
-                </a:gridCol>
-                <a:gridCol w="1280160">
-                  <a:extLst>
-                    <a:ext uri="{9D8B030D-6E8A-4147-A177-3AD203B41FA5}">
-                      <a16:colId xmlns:a16="http://schemas.microsoft.com/office/drawing/2014/main" val="177161263"/>
-                    </a:ext>
-                  </a:extLst>
-                </a:gridCol>
-                <a:gridCol w="1280160">
-                  <a:extLst>
-                    <a:ext uri="{9D8B030D-6E8A-4147-A177-3AD203B41FA5}">
-                      <a16:colId xmlns:a16="http://schemas.microsoft.com/office/drawing/2014/main" val="1111425671"/>
-                    </a:ext>
-                  </a:extLst>
-                </a:gridCol>
-                <a:gridCol w="1280160">
-                  <a:extLst>
-                    <a:ext uri="{9D8B030D-6E8A-4147-A177-3AD203B41FA5}">
-                      <a16:colId xmlns:a16="http://schemas.microsoft.com/office/drawing/2014/main" val="2793085994"/>
-                    </a:ext>
-                  </a:extLst>
-                </a:gridCol>
-                <a:gridCol w="1280160">
-                  <a:extLst>
-                    <a:ext uri="{9D8B030D-6E8A-4147-A177-3AD203B41FA5}">
-                      <a16:colId xmlns:a16="http://schemas.microsoft.com/office/drawing/2014/main" val="117050268"/>
-                    </a:ext>
-                  </a:extLst>
-                </a:gridCol>
-              </a:tblGrid>
-              <a:tr h="370840">
-                <a:tc>
-                  <a:txBody>
-                    <a:bodyPr/>
-                    <a:lstStyle/>
-                    <a:p>
-                      <a:pPr algn="ctr"/>
-                      <a:r>
-                        <a:rPr lang="en-US" dirty="0"/>
-                        <a:t>Fold 1</a:t>
-                      </a:r>
-                    </a:p>
-                  </a:txBody>
-                  <a:tcPr>
-                    <a:solidFill>
-                      <a:schemeClr val="accent4"/>
-                    </a:solidFill>
-                  </a:tcPr>
-                </a:tc>
-                <a:tc>
-                  <a:txBody>
-                    <a:bodyPr/>
-                    <a:lstStyle/>
-                    <a:p>
-                      <a:pPr algn="ctr"/>
-                      <a:r>
-                        <a:rPr lang="en-US" dirty="0"/>
-                        <a:t>Fold 2</a:t>
-                      </a:r>
-                    </a:p>
-                  </a:txBody>
-                  <a:tcPr>
-                    <a:solidFill>
-                      <a:schemeClr val="accent4"/>
-                    </a:solidFill>
-                  </a:tcPr>
-                </a:tc>
-                <a:tc>
-                  <a:txBody>
-                    <a:bodyPr/>
-                    <a:lstStyle/>
-                    <a:p>
-                      <a:pPr algn="ctr"/>
-                      <a:r>
-                        <a:rPr lang="en-US" dirty="0"/>
-                        <a:t>Fold 3</a:t>
-                      </a:r>
-                    </a:p>
-                  </a:txBody>
-                  <a:tcPr>
-                    <a:solidFill>
-                      <a:schemeClr val="accent4"/>
-                    </a:solidFill>
-                  </a:tcPr>
-                </a:tc>
-                <a:tc>
-                  <a:txBody>
-                    <a:bodyPr/>
-                    <a:lstStyle/>
-                    <a:p>
-                      <a:pPr algn="ctr"/>
-                      <a:r>
-                        <a:rPr lang="en-US" dirty="0"/>
-                        <a:t>Fold 4</a:t>
-                      </a:r>
-                    </a:p>
-                  </a:txBody>
-                  <a:tcPr>
-                    <a:solidFill>
-                      <a:schemeClr val="accent5"/>
-                    </a:solidFill>
-                  </a:tcPr>
-                </a:tc>
-                <a:tc>
-                  <a:txBody>
-                    <a:bodyPr/>
-                    <a:lstStyle/>
-                    <a:p>
-                      <a:pPr algn="ctr"/>
-                      <a:r>
-                        <a:rPr lang="en-US" dirty="0"/>
-                        <a:t>Fold 5</a:t>
-                      </a:r>
-                    </a:p>
-                  </a:txBody>
-                  <a:tcPr>
-                    <a:solidFill>
-                      <a:schemeClr val="accent4"/>
-                    </a:solidFill>
-                  </a:tcPr>
-                </a:tc>
-                <a:extLst>
-                  <a:ext uri="{0D108BD9-81ED-4DB2-BD59-A6C34878D82A}">
-                    <a16:rowId xmlns:a16="http://schemas.microsoft.com/office/drawing/2014/main" val="644706429"/>
-                  </a:ext>
-                </a:extLst>
-              </a:tr>
-            </a:tbl>
-          </a:graphicData>
-        </a:graphic>
-      </p:graphicFrame>
-      <p:graphicFrame>
-        <p:nvGraphicFramePr>
-          <p:cNvPr id="23" name="Table 22">
-            <a:extLst>
-              <a:ext uri="{FF2B5EF4-FFF2-40B4-BE49-F238E27FC236}">
-                <a16:creationId xmlns:a16="http://schemas.microsoft.com/office/drawing/2014/main" id="{0A8E217C-47ED-C5F7-790B-1DE2C655009E}"/>
-              </a:ext>
-            </a:extLst>
-          </p:cNvPr>
-          <p:cNvGraphicFramePr>
-            <a:graphicFrameLocks noGrp="1"/>
-          </p:cNvGraphicFramePr>
-          <p:nvPr>
-            <p:extLst>
-              <p:ext uri="{D42A27DB-BD31-4B8C-83A1-F6EECF244321}">
-                <p14:modId xmlns:p14="http://schemas.microsoft.com/office/powerpoint/2010/main" val="3262273258"/>
-              </p:ext>
-            </p:extLst>
-          </p:nvPr>
-        </p:nvGraphicFramePr>
-        <p:xfrm>
-          <a:off x="1524000" y="4058601"/>
-          <a:ext cx="6400800" cy="370840"/>
-        </p:xfrm>
-        <a:graphic>
-          <a:graphicData uri="http://schemas.openxmlformats.org/drawingml/2006/table">
-            <a:tbl>
-              <a:tblPr firstRow="1" bandRow="1">
-                <a:tableStyleId>{5C22544A-7EE6-4342-B048-85BDC9FD1C3A}</a:tableStyleId>
-              </a:tblPr>
-              <a:tblGrid>
-                <a:gridCol w="1280160">
-                  <a:extLst>
-                    <a:ext uri="{9D8B030D-6E8A-4147-A177-3AD203B41FA5}">
-                      <a16:colId xmlns:a16="http://schemas.microsoft.com/office/drawing/2014/main" val="1930388377"/>
-                    </a:ext>
-                  </a:extLst>
-                </a:gridCol>
-                <a:gridCol w="1280160">
-                  <a:extLst>
-                    <a:ext uri="{9D8B030D-6E8A-4147-A177-3AD203B41FA5}">
-                      <a16:colId xmlns:a16="http://schemas.microsoft.com/office/drawing/2014/main" val="177161263"/>
-                    </a:ext>
-                  </a:extLst>
-                </a:gridCol>
-                <a:gridCol w="1280160">
-                  <a:extLst>
-                    <a:ext uri="{9D8B030D-6E8A-4147-A177-3AD203B41FA5}">
-                      <a16:colId xmlns:a16="http://schemas.microsoft.com/office/drawing/2014/main" val="1111425671"/>
-                    </a:ext>
-                  </a:extLst>
-                </a:gridCol>
-                <a:gridCol w="1280160">
-                  <a:extLst>
-                    <a:ext uri="{9D8B030D-6E8A-4147-A177-3AD203B41FA5}">
-                      <a16:colId xmlns:a16="http://schemas.microsoft.com/office/drawing/2014/main" val="2793085994"/>
-                    </a:ext>
-                  </a:extLst>
-                </a:gridCol>
-                <a:gridCol w="1280160">
-                  <a:extLst>
-                    <a:ext uri="{9D8B030D-6E8A-4147-A177-3AD203B41FA5}">
-                      <a16:colId xmlns:a16="http://schemas.microsoft.com/office/drawing/2014/main" val="117050268"/>
-                    </a:ext>
-                  </a:extLst>
-                </a:gridCol>
-              </a:tblGrid>
-              <a:tr h="370840">
-                <a:tc>
-                  <a:txBody>
-                    <a:bodyPr/>
-                    <a:lstStyle/>
-                    <a:p>
-                      <a:pPr algn="ctr"/>
-                      <a:r>
-                        <a:rPr lang="en-US" dirty="0"/>
-                        <a:t>Fold 1</a:t>
-                      </a:r>
-                    </a:p>
-                  </a:txBody>
-                  <a:tcPr>
-                    <a:solidFill>
-                      <a:schemeClr val="accent4"/>
-                    </a:solidFill>
-                  </a:tcPr>
-                </a:tc>
-                <a:tc>
-                  <a:txBody>
-                    <a:bodyPr/>
-                    <a:lstStyle/>
-                    <a:p>
-                      <a:pPr algn="ctr"/>
-                      <a:r>
-                        <a:rPr lang="en-US" dirty="0"/>
-                        <a:t>Fold 2</a:t>
-                      </a:r>
-                    </a:p>
-                  </a:txBody>
-                  <a:tcPr>
-                    <a:solidFill>
-                      <a:schemeClr val="accent4"/>
-                    </a:solidFill>
-                  </a:tcPr>
-                </a:tc>
-                <a:tc>
-                  <a:txBody>
-                    <a:bodyPr/>
-                    <a:lstStyle/>
-                    <a:p>
-                      <a:pPr algn="ctr"/>
-                      <a:r>
-                        <a:rPr lang="en-US" dirty="0"/>
-                        <a:t>Fold 3</a:t>
-                      </a:r>
-                    </a:p>
-                  </a:txBody>
-                  <a:tcPr>
-                    <a:solidFill>
-                      <a:schemeClr val="accent4"/>
-                    </a:solidFill>
-                  </a:tcPr>
-                </a:tc>
-                <a:tc>
-                  <a:txBody>
-                    <a:bodyPr/>
-                    <a:lstStyle/>
-                    <a:p>
-                      <a:pPr algn="ctr"/>
-                      <a:r>
-                        <a:rPr lang="en-US" dirty="0"/>
-                        <a:t>Fold 4</a:t>
-                      </a:r>
-                    </a:p>
-                  </a:txBody>
-                  <a:tcPr>
-                    <a:solidFill>
-                      <a:schemeClr val="accent4"/>
-                    </a:solidFill>
-                  </a:tcPr>
-                </a:tc>
-                <a:tc>
-                  <a:txBody>
-                    <a:bodyPr/>
-                    <a:lstStyle/>
-                    <a:p>
-                      <a:pPr algn="ctr"/>
-                      <a:r>
-                        <a:rPr lang="en-US" dirty="0"/>
-                        <a:t>Fold 5</a:t>
-                      </a:r>
-                    </a:p>
-                  </a:txBody>
-                  <a:tcPr>
-                    <a:solidFill>
-                      <a:schemeClr val="accent5"/>
-                    </a:solidFill>
-                  </a:tcPr>
-                </a:tc>
-                <a:extLst>
-                  <a:ext uri="{0D108BD9-81ED-4DB2-BD59-A6C34878D82A}">
-                    <a16:rowId xmlns:a16="http://schemas.microsoft.com/office/drawing/2014/main" val="644706429"/>
-                  </a:ext>
-                </a:extLst>
-              </a:tr>
-            </a:tbl>
-          </a:graphicData>
-        </a:graphic>
-      </p:graphicFrame>
-    </p:spTree>
-    <p:extLst>
-      <p:ext uri="{BB962C8B-B14F-4D97-AF65-F5344CB8AC3E}">
-        <p14:creationId xmlns:p14="http://schemas.microsoft.com/office/powerpoint/2010/main" val="427039751"/>
-      </p:ext>
-    </p:extLst>
-  </p:cSld>
-  <p:clrMapOvr>
-    <a:masterClrMapping/>
-  </p:clrMapOvr>
-</p:sld>
-</file>
-
-<file path=ppt/slides/slide5.xml><?xml version="1.0" encoding="utf-8"?>
-<p:sld xmlns:a="http://schemas.openxmlformats.org/drawingml/2006/main" xmlns:r="http://schemas.openxmlformats.org/officeDocument/2006/relationships" xmlns:p="http://schemas.openxmlformats.org/presentationml/2006/main">
-  <p:cSld>
-    <p:spTree>
-      <p:nvGrpSpPr>
-        <p:cNvPr id="1" name=""/>
-        <p:cNvGrpSpPr/>
-        <p:nvPr/>
-      </p:nvGrpSpPr>
-      <p:grpSpPr>
-        <a:xfrm>
-          <a:off x="0" y="0"/>
-          <a:ext cx="0" cy="0"/>
-          <a:chOff x="0" y="0"/>
-          <a:chExt cx="0" cy="0"/>
-        </a:xfrm>
-      </p:grpSpPr>
-      <p:sp>
-        <p:nvSpPr>
-          <p:cNvPr id="4" name="TextBox 3">
-            <a:extLst>
-              <a:ext uri="{FF2B5EF4-FFF2-40B4-BE49-F238E27FC236}">
-                <a16:creationId xmlns:a16="http://schemas.microsoft.com/office/drawing/2014/main" id="{4C61ACD8-C096-29CB-FCF1-9323A76A3BE6}"/>
-              </a:ext>
-            </a:extLst>
-          </p:cNvPr>
-          <p:cNvSpPr txBox="1"/>
-          <p:nvPr/>
-        </p:nvSpPr>
-        <p:spPr>
-          <a:xfrm>
             <a:off x="4345124" y="274320"/>
             <a:ext cx="3501752" cy="461665"/>
           </a:xfrm>
@@ -12654,6 +10398,7 @@
               </a:bodyPr>
               <a:lstStyle/>
               <a:p>
+                <a:pPr/>
                 <a14:m>
                   <m:oMathPara xmlns:m="http://schemas.openxmlformats.org/officeDocument/2006/math">
                     <m:oMathParaPr>
@@ -12765,6 +10510,7 @@
               </a:bodyPr>
               <a:lstStyle/>
               <a:p>
+                <a:pPr/>
                 <a14:m>
                   <m:oMathPara xmlns:m="http://schemas.openxmlformats.org/officeDocument/2006/math">
                     <m:oMathParaPr>
@@ -12860,6 +10606,7 @@
               </a:bodyPr>
               <a:lstStyle/>
               <a:p>
+                <a:pPr/>
                 <a14:m>
                   <m:oMathPara xmlns:m="http://schemas.openxmlformats.org/officeDocument/2006/math">
                     <m:oMathParaPr>
@@ -13141,6 +10888,7 @@
               </a:bodyPr>
               <a:lstStyle/>
               <a:p>
+                <a:pPr/>
                 <a14:m>
                   <m:oMathPara xmlns:m="http://schemas.openxmlformats.org/officeDocument/2006/math">
                     <m:oMathParaPr>
@@ -13255,6 +11003,7 @@
               </a:bodyPr>
               <a:lstStyle/>
               <a:p>
+                <a:pPr/>
                 <a14:m>
                   <m:oMathPara xmlns:m="http://schemas.openxmlformats.org/officeDocument/2006/math">
                     <m:oMathParaPr>
@@ -13369,6 +11118,7 @@
               </a:bodyPr>
               <a:lstStyle/>
               <a:p>
+                <a:pPr/>
                 <a14:m>
                   <m:oMathPara xmlns:m="http://schemas.openxmlformats.org/officeDocument/2006/math">
                     <m:oMathParaPr>
@@ -13483,6 +11233,7 @@
               </a:bodyPr>
               <a:lstStyle/>
               <a:p>
+                <a:pPr/>
                 <a14:m>
                   <m:oMathPara xmlns:m="http://schemas.openxmlformats.org/officeDocument/2006/math">
                     <m:oMathParaPr>
@@ -13597,6 +11348,7 @@
               </a:bodyPr>
               <a:lstStyle/>
               <a:p>
+                <a:pPr/>
                 <a14:m>
                   <m:oMathPara xmlns:m="http://schemas.openxmlformats.org/officeDocument/2006/math">
                     <m:oMathParaPr>
@@ -13711,6 +11463,7 @@
               </a:bodyPr>
               <a:lstStyle/>
               <a:p>
+                <a:pPr/>
                 <a14:m>
                   <m:oMathPara xmlns:m="http://schemas.openxmlformats.org/officeDocument/2006/math">
                     <m:oMathParaPr>
@@ -13805,6 +11558,7 @@
             </a:extLst>
           </p:cNvPr>
           <p:cNvCxnSpPr>
+            <a:cxnSpLocks/>
             <a:stCxn id="71" idx="2"/>
             <a:endCxn id="73" idx="1"/>
           </p:cNvCxnSpPr>
@@ -13996,6 +11750,4523 @@
     <p:extLst>
       <p:ext uri="{BB962C8B-B14F-4D97-AF65-F5344CB8AC3E}">
         <p14:creationId xmlns:p14="http://schemas.microsoft.com/office/powerpoint/2010/main" val="3116644637"/>
+      </p:ext>
+    </p:extLst>
+  </p:cSld>
+  <p:clrMapOvr>
+    <a:masterClrMapping/>
+  </p:clrMapOvr>
+</p:sld>
+</file>
+
+<file path=ppt/slides/slide4.xml><?xml version="1.0" encoding="utf-8"?>
+<p:sld xmlns:a="http://schemas.openxmlformats.org/drawingml/2006/main" xmlns:r="http://schemas.openxmlformats.org/officeDocument/2006/relationships" xmlns:p="http://schemas.openxmlformats.org/presentationml/2006/main">
+  <p:cSld>
+    <p:spTree>
+      <p:nvGrpSpPr>
+        <p:cNvPr id="1" name=""/>
+        <p:cNvGrpSpPr/>
+        <p:nvPr/>
+      </p:nvGrpSpPr>
+      <p:grpSpPr>
+        <a:xfrm>
+          <a:off x="0" y="0"/>
+          <a:ext cx="0" cy="0"/>
+          <a:chOff x="0" y="0"/>
+          <a:chExt cx="0" cy="0"/>
+        </a:xfrm>
+      </p:grpSpPr>
+      <p:sp>
+        <p:nvSpPr>
+          <p:cNvPr id="4" name="TextBox 3">
+            <a:extLst>
+              <a:ext uri="{FF2B5EF4-FFF2-40B4-BE49-F238E27FC236}">
+                <a16:creationId xmlns:a16="http://schemas.microsoft.com/office/drawing/2014/main" id="{4C61ACD8-C096-29CB-FCF1-9323A76A3BE6}"/>
+              </a:ext>
+            </a:extLst>
+          </p:cNvPr>
+          <p:cNvSpPr txBox="1"/>
+          <p:nvPr/>
+        </p:nvSpPr>
+        <p:spPr>
+          <a:xfrm>
+            <a:off x="4345124" y="274320"/>
+            <a:ext cx="3501752" cy="461665"/>
+          </a:xfrm>
+          <a:prstGeom prst="rect">
+            <a:avLst/>
+          </a:prstGeom>
+          <a:noFill/>
+        </p:spPr>
+        <p:txBody>
+          <a:bodyPr wrap="square" rtlCol="0">
+            <a:spAutoFit/>
+          </a:bodyPr>
+          <a:lstStyle/>
+          <a:p>
+            <a:pPr algn="ctr"/>
+            <a:r>
+              <a:rPr lang="en-US" sz="2400" b="1" dirty="0"/>
+              <a:t>Backward Propagation</a:t>
+            </a:r>
+          </a:p>
+        </p:txBody>
+      </p:sp>
+      <p:sp>
+        <p:nvSpPr>
+          <p:cNvPr id="5" name="Oval 4">
+            <a:extLst>
+              <a:ext uri="{FF2B5EF4-FFF2-40B4-BE49-F238E27FC236}">
+                <a16:creationId xmlns:a16="http://schemas.microsoft.com/office/drawing/2014/main" id="{94F89502-B657-52A1-CB4B-8E7CAC4F9442}"/>
+              </a:ext>
+            </a:extLst>
+          </p:cNvPr>
+          <p:cNvSpPr/>
+          <p:nvPr/>
+        </p:nvSpPr>
+        <p:spPr>
+          <a:xfrm>
+            <a:off x="2770174" y="2243844"/>
+            <a:ext cx="960398" cy="960398"/>
+          </a:xfrm>
+          <a:prstGeom prst="ellipse">
+            <a:avLst/>
+          </a:prstGeom>
+        </p:spPr>
+        <p:style>
+          <a:lnRef idx="2">
+            <a:schemeClr val="dk1"/>
+          </a:lnRef>
+          <a:fillRef idx="1">
+            <a:schemeClr val="lt1"/>
+          </a:fillRef>
+          <a:effectRef idx="0">
+            <a:schemeClr val="dk1"/>
+          </a:effectRef>
+          <a:fontRef idx="minor">
+            <a:schemeClr val="dk1"/>
+          </a:fontRef>
+        </p:style>
+        <p:txBody>
+          <a:bodyPr rtlCol="0" anchor="ctr"/>
+          <a:lstStyle/>
+          <a:p>
+            <a:pPr algn="ctr"/>
+            <a:endParaRPr lang="en-US" dirty="0"/>
+          </a:p>
+        </p:txBody>
+      </p:sp>
+      <p:sp>
+        <p:nvSpPr>
+          <p:cNvPr id="10" name="Oval 9">
+            <a:extLst>
+              <a:ext uri="{FF2B5EF4-FFF2-40B4-BE49-F238E27FC236}">
+                <a16:creationId xmlns:a16="http://schemas.microsoft.com/office/drawing/2014/main" id="{CD4FD399-AF36-EA80-8770-C86BD87AB272}"/>
+              </a:ext>
+            </a:extLst>
+          </p:cNvPr>
+          <p:cNvSpPr/>
+          <p:nvPr/>
+        </p:nvSpPr>
+        <p:spPr>
+          <a:xfrm>
+            <a:off x="5462574" y="1052723"/>
+            <a:ext cx="960398" cy="960398"/>
+          </a:xfrm>
+          <a:prstGeom prst="ellipse">
+            <a:avLst/>
+          </a:prstGeom>
+        </p:spPr>
+        <p:style>
+          <a:lnRef idx="2">
+            <a:schemeClr val="dk1"/>
+          </a:lnRef>
+          <a:fillRef idx="1">
+            <a:schemeClr val="lt1"/>
+          </a:fillRef>
+          <a:effectRef idx="0">
+            <a:schemeClr val="dk1"/>
+          </a:effectRef>
+          <a:fontRef idx="minor">
+            <a:schemeClr val="dk1"/>
+          </a:fontRef>
+        </p:style>
+        <p:txBody>
+          <a:bodyPr rtlCol="0" anchor="ctr"/>
+          <a:lstStyle/>
+          <a:p>
+            <a:pPr algn="ctr"/>
+            <a:endParaRPr lang="en-US" dirty="0"/>
+          </a:p>
+        </p:txBody>
+      </p:sp>
+      <p:sp>
+        <p:nvSpPr>
+          <p:cNvPr id="11" name="Oval 10">
+            <a:extLst>
+              <a:ext uri="{FF2B5EF4-FFF2-40B4-BE49-F238E27FC236}">
+                <a16:creationId xmlns:a16="http://schemas.microsoft.com/office/drawing/2014/main" id="{42F4374F-0CD4-8265-E19F-277FEC66D97F}"/>
+              </a:ext>
+            </a:extLst>
+          </p:cNvPr>
+          <p:cNvSpPr/>
+          <p:nvPr/>
+        </p:nvSpPr>
+        <p:spPr>
+          <a:xfrm>
+            <a:off x="5462574" y="2243844"/>
+            <a:ext cx="960398" cy="960398"/>
+          </a:xfrm>
+          <a:prstGeom prst="ellipse">
+            <a:avLst/>
+          </a:prstGeom>
+        </p:spPr>
+        <p:style>
+          <a:lnRef idx="2">
+            <a:schemeClr val="dk1"/>
+          </a:lnRef>
+          <a:fillRef idx="1">
+            <a:schemeClr val="lt1"/>
+          </a:fillRef>
+          <a:effectRef idx="0">
+            <a:schemeClr val="dk1"/>
+          </a:effectRef>
+          <a:fontRef idx="minor">
+            <a:schemeClr val="dk1"/>
+          </a:fontRef>
+        </p:style>
+        <p:txBody>
+          <a:bodyPr rtlCol="0" anchor="ctr"/>
+          <a:lstStyle/>
+          <a:p>
+            <a:pPr algn="ctr"/>
+            <a:endParaRPr lang="en-US" dirty="0"/>
+          </a:p>
+        </p:txBody>
+      </p:sp>
+      <p:sp>
+        <p:nvSpPr>
+          <p:cNvPr id="12" name="Oval 11">
+            <a:extLst>
+              <a:ext uri="{FF2B5EF4-FFF2-40B4-BE49-F238E27FC236}">
+                <a16:creationId xmlns:a16="http://schemas.microsoft.com/office/drawing/2014/main" id="{F4CAE413-7D67-4357-90CE-139DAF2DC8DD}"/>
+              </a:ext>
+            </a:extLst>
+          </p:cNvPr>
+          <p:cNvSpPr/>
+          <p:nvPr/>
+        </p:nvSpPr>
+        <p:spPr>
+          <a:xfrm>
+            <a:off x="5462574" y="3434965"/>
+            <a:ext cx="960398" cy="960398"/>
+          </a:xfrm>
+          <a:prstGeom prst="ellipse">
+            <a:avLst/>
+          </a:prstGeom>
+        </p:spPr>
+        <p:style>
+          <a:lnRef idx="2">
+            <a:schemeClr val="dk1"/>
+          </a:lnRef>
+          <a:fillRef idx="1">
+            <a:schemeClr val="lt1"/>
+          </a:fillRef>
+          <a:effectRef idx="0">
+            <a:schemeClr val="dk1"/>
+          </a:effectRef>
+          <a:fontRef idx="minor">
+            <a:schemeClr val="dk1"/>
+          </a:fontRef>
+        </p:style>
+        <p:txBody>
+          <a:bodyPr rtlCol="0" anchor="ctr"/>
+          <a:lstStyle/>
+          <a:p>
+            <a:pPr algn="ctr"/>
+            <a:endParaRPr lang="en-US" dirty="0"/>
+          </a:p>
+        </p:txBody>
+      </p:sp>
+      <p:cxnSp>
+        <p:nvCxnSpPr>
+          <p:cNvPr id="20" name="Straight Connector 19">
+            <a:extLst>
+              <a:ext uri="{FF2B5EF4-FFF2-40B4-BE49-F238E27FC236}">
+                <a16:creationId xmlns:a16="http://schemas.microsoft.com/office/drawing/2014/main" id="{8B57B23F-6271-6F93-AD11-D9D831175692}"/>
+              </a:ext>
+            </a:extLst>
+          </p:cNvPr>
+          <p:cNvCxnSpPr>
+            <a:cxnSpLocks/>
+            <a:stCxn id="5" idx="6"/>
+            <a:endCxn id="10" idx="2"/>
+          </p:cNvCxnSpPr>
+          <p:nvPr/>
+        </p:nvCxnSpPr>
+        <p:spPr>
+          <a:xfrm flipV="1">
+            <a:off x="3730572" y="1532922"/>
+            <a:ext cx="1732002" cy="1191121"/>
+          </a:xfrm>
+          <a:prstGeom prst="line">
+            <a:avLst/>
+          </a:prstGeom>
+        </p:spPr>
+        <p:style>
+          <a:lnRef idx="2">
+            <a:schemeClr val="dk1"/>
+          </a:lnRef>
+          <a:fillRef idx="0">
+            <a:schemeClr val="dk1"/>
+          </a:fillRef>
+          <a:effectRef idx="1">
+            <a:schemeClr val="dk1"/>
+          </a:effectRef>
+          <a:fontRef idx="minor">
+            <a:schemeClr val="tx1"/>
+          </a:fontRef>
+        </p:style>
+      </p:cxnSp>
+      <p:cxnSp>
+        <p:nvCxnSpPr>
+          <p:cNvPr id="21" name="Straight Connector 20">
+            <a:extLst>
+              <a:ext uri="{FF2B5EF4-FFF2-40B4-BE49-F238E27FC236}">
+                <a16:creationId xmlns:a16="http://schemas.microsoft.com/office/drawing/2014/main" id="{E280FC32-4765-163C-A60C-09C1F057CBF9}"/>
+              </a:ext>
+            </a:extLst>
+          </p:cNvPr>
+          <p:cNvCxnSpPr>
+            <a:cxnSpLocks/>
+            <a:stCxn id="5" idx="6"/>
+            <a:endCxn id="11" idx="2"/>
+          </p:cNvCxnSpPr>
+          <p:nvPr/>
+        </p:nvCxnSpPr>
+        <p:spPr>
+          <a:xfrm>
+            <a:off x="3730572" y="2724043"/>
+            <a:ext cx="1732002" cy="0"/>
+          </a:xfrm>
+          <a:prstGeom prst="line">
+            <a:avLst/>
+          </a:prstGeom>
+        </p:spPr>
+        <p:style>
+          <a:lnRef idx="2">
+            <a:schemeClr val="dk1"/>
+          </a:lnRef>
+          <a:fillRef idx="0">
+            <a:schemeClr val="dk1"/>
+          </a:fillRef>
+          <a:effectRef idx="1">
+            <a:schemeClr val="dk1"/>
+          </a:effectRef>
+          <a:fontRef idx="minor">
+            <a:schemeClr val="tx1"/>
+          </a:fontRef>
+        </p:style>
+      </p:cxnSp>
+      <p:cxnSp>
+        <p:nvCxnSpPr>
+          <p:cNvPr id="24" name="Straight Connector 23">
+            <a:extLst>
+              <a:ext uri="{FF2B5EF4-FFF2-40B4-BE49-F238E27FC236}">
+                <a16:creationId xmlns:a16="http://schemas.microsoft.com/office/drawing/2014/main" id="{1A2E169E-5D16-09F6-815B-217CDAC7B7C3}"/>
+              </a:ext>
+            </a:extLst>
+          </p:cNvPr>
+          <p:cNvCxnSpPr>
+            <a:cxnSpLocks/>
+            <a:stCxn id="5" idx="6"/>
+            <a:endCxn id="12" idx="2"/>
+          </p:cNvCxnSpPr>
+          <p:nvPr/>
+        </p:nvCxnSpPr>
+        <p:spPr>
+          <a:xfrm>
+            <a:off x="3730572" y="2724043"/>
+            <a:ext cx="1732002" cy="1191121"/>
+          </a:xfrm>
+          <a:prstGeom prst="line">
+            <a:avLst/>
+          </a:prstGeom>
+        </p:spPr>
+        <p:style>
+          <a:lnRef idx="2">
+            <a:schemeClr val="dk1"/>
+          </a:lnRef>
+          <a:fillRef idx="0">
+            <a:schemeClr val="dk1"/>
+          </a:fillRef>
+          <a:effectRef idx="1">
+            <a:schemeClr val="dk1"/>
+          </a:effectRef>
+          <a:fontRef idx="minor">
+            <a:schemeClr val="tx1"/>
+          </a:fontRef>
+        </p:style>
+      </p:cxnSp>
+      <p:sp>
+        <p:nvSpPr>
+          <p:cNvPr id="25" name="Oval 24">
+            <a:extLst>
+              <a:ext uri="{FF2B5EF4-FFF2-40B4-BE49-F238E27FC236}">
+                <a16:creationId xmlns:a16="http://schemas.microsoft.com/office/drawing/2014/main" id="{750FC94A-D2F5-7F1F-A0B9-E8DC1E10F283}"/>
+              </a:ext>
+            </a:extLst>
+          </p:cNvPr>
+          <p:cNvSpPr/>
+          <p:nvPr/>
+        </p:nvSpPr>
+        <p:spPr>
+          <a:xfrm>
+            <a:off x="8154974" y="2243844"/>
+            <a:ext cx="960398" cy="960398"/>
+          </a:xfrm>
+          <a:prstGeom prst="ellipse">
+            <a:avLst/>
+          </a:prstGeom>
+        </p:spPr>
+        <p:style>
+          <a:lnRef idx="2">
+            <a:schemeClr val="dk1"/>
+          </a:lnRef>
+          <a:fillRef idx="1">
+            <a:schemeClr val="lt1"/>
+          </a:fillRef>
+          <a:effectRef idx="0">
+            <a:schemeClr val="dk1"/>
+          </a:effectRef>
+          <a:fontRef idx="minor">
+            <a:schemeClr val="dk1"/>
+          </a:fontRef>
+        </p:style>
+        <p:txBody>
+          <a:bodyPr rtlCol="0" anchor="ctr"/>
+          <a:lstStyle/>
+          <a:p>
+            <a:pPr algn="ctr"/>
+            <a:endParaRPr lang="en-US" dirty="0"/>
+          </a:p>
+        </p:txBody>
+      </p:sp>
+      <p:cxnSp>
+        <p:nvCxnSpPr>
+          <p:cNvPr id="38" name="Straight Connector 37">
+            <a:extLst>
+              <a:ext uri="{FF2B5EF4-FFF2-40B4-BE49-F238E27FC236}">
+                <a16:creationId xmlns:a16="http://schemas.microsoft.com/office/drawing/2014/main" id="{7A8C5AF3-831F-C513-3F06-3F4114F50E7C}"/>
+              </a:ext>
+            </a:extLst>
+          </p:cNvPr>
+          <p:cNvCxnSpPr>
+            <a:cxnSpLocks/>
+            <a:stCxn id="10" idx="6"/>
+            <a:endCxn id="25" idx="2"/>
+          </p:cNvCxnSpPr>
+          <p:nvPr/>
+        </p:nvCxnSpPr>
+        <p:spPr>
+          <a:xfrm>
+            <a:off x="6422972" y="1532922"/>
+            <a:ext cx="1732002" cy="1191121"/>
+          </a:xfrm>
+          <a:prstGeom prst="line">
+            <a:avLst/>
+          </a:prstGeom>
+        </p:spPr>
+        <p:style>
+          <a:lnRef idx="2">
+            <a:schemeClr val="dk1"/>
+          </a:lnRef>
+          <a:fillRef idx="0">
+            <a:schemeClr val="dk1"/>
+          </a:fillRef>
+          <a:effectRef idx="1">
+            <a:schemeClr val="dk1"/>
+          </a:effectRef>
+          <a:fontRef idx="minor">
+            <a:schemeClr val="tx1"/>
+          </a:fontRef>
+        </p:style>
+      </p:cxnSp>
+      <p:cxnSp>
+        <p:nvCxnSpPr>
+          <p:cNvPr id="41" name="Straight Connector 40">
+            <a:extLst>
+              <a:ext uri="{FF2B5EF4-FFF2-40B4-BE49-F238E27FC236}">
+                <a16:creationId xmlns:a16="http://schemas.microsoft.com/office/drawing/2014/main" id="{74615F56-F21F-FB7B-B340-3A84504003A5}"/>
+              </a:ext>
+            </a:extLst>
+          </p:cNvPr>
+          <p:cNvCxnSpPr>
+            <a:cxnSpLocks/>
+            <a:stCxn id="11" idx="6"/>
+            <a:endCxn id="25" idx="2"/>
+          </p:cNvCxnSpPr>
+          <p:nvPr/>
+        </p:nvCxnSpPr>
+        <p:spPr>
+          <a:xfrm>
+            <a:off x="6422972" y="2724043"/>
+            <a:ext cx="1732002" cy="0"/>
+          </a:xfrm>
+          <a:prstGeom prst="line">
+            <a:avLst/>
+          </a:prstGeom>
+        </p:spPr>
+        <p:style>
+          <a:lnRef idx="2">
+            <a:schemeClr val="dk1"/>
+          </a:lnRef>
+          <a:fillRef idx="0">
+            <a:schemeClr val="dk1"/>
+          </a:fillRef>
+          <a:effectRef idx="1">
+            <a:schemeClr val="dk1"/>
+          </a:effectRef>
+          <a:fontRef idx="minor">
+            <a:schemeClr val="tx1"/>
+          </a:fontRef>
+        </p:style>
+      </p:cxnSp>
+      <p:cxnSp>
+        <p:nvCxnSpPr>
+          <p:cNvPr id="44" name="Straight Connector 43">
+            <a:extLst>
+              <a:ext uri="{FF2B5EF4-FFF2-40B4-BE49-F238E27FC236}">
+                <a16:creationId xmlns:a16="http://schemas.microsoft.com/office/drawing/2014/main" id="{A04EFBE7-5C6A-3CA6-6278-738B38B1D609}"/>
+              </a:ext>
+            </a:extLst>
+          </p:cNvPr>
+          <p:cNvCxnSpPr>
+            <a:cxnSpLocks/>
+            <a:stCxn id="12" idx="6"/>
+            <a:endCxn id="25" idx="2"/>
+          </p:cNvCxnSpPr>
+          <p:nvPr/>
+        </p:nvCxnSpPr>
+        <p:spPr>
+          <a:xfrm flipV="1">
+            <a:off x="6422972" y="2724043"/>
+            <a:ext cx="1732002" cy="1191121"/>
+          </a:xfrm>
+          <a:prstGeom prst="line">
+            <a:avLst/>
+          </a:prstGeom>
+        </p:spPr>
+        <p:style>
+          <a:lnRef idx="2">
+            <a:schemeClr val="dk1"/>
+          </a:lnRef>
+          <a:fillRef idx="0">
+            <a:schemeClr val="dk1"/>
+          </a:fillRef>
+          <a:effectRef idx="1">
+            <a:schemeClr val="dk1"/>
+          </a:effectRef>
+          <a:fontRef idx="minor">
+            <a:schemeClr val="tx1"/>
+          </a:fontRef>
+        </p:style>
+      </p:cxnSp>
+      <p:cxnSp>
+        <p:nvCxnSpPr>
+          <p:cNvPr id="68" name="Straight Arrow Connector 67">
+            <a:extLst>
+              <a:ext uri="{FF2B5EF4-FFF2-40B4-BE49-F238E27FC236}">
+                <a16:creationId xmlns:a16="http://schemas.microsoft.com/office/drawing/2014/main" id="{963D103B-206A-C3DB-2767-4A2A2A7B9072}"/>
+              </a:ext>
+            </a:extLst>
+          </p:cNvPr>
+          <p:cNvCxnSpPr>
+            <a:cxnSpLocks/>
+            <a:stCxn id="25" idx="6"/>
+            <a:endCxn id="87" idx="1"/>
+          </p:cNvCxnSpPr>
+          <p:nvPr/>
+        </p:nvCxnSpPr>
+        <p:spPr>
+          <a:xfrm flipV="1">
+            <a:off x="9115372" y="2724042"/>
+            <a:ext cx="691198" cy="1"/>
+          </a:xfrm>
+          <a:prstGeom prst="straightConnector1">
+            <a:avLst/>
+          </a:prstGeom>
+          <a:ln>
+            <a:tailEnd type="triangle"/>
+          </a:ln>
+        </p:spPr>
+        <p:style>
+          <a:lnRef idx="2">
+            <a:schemeClr val="dk1"/>
+          </a:lnRef>
+          <a:fillRef idx="0">
+            <a:schemeClr val="dk1"/>
+          </a:fillRef>
+          <a:effectRef idx="1">
+            <a:schemeClr val="dk1"/>
+          </a:effectRef>
+          <a:fontRef idx="minor">
+            <a:schemeClr val="tx1"/>
+          </a:fontRef>
+        </p:style>
+      </p:cxnSp>
+      <p:cxnSp>
+        <p:nvCxnSpPr>
+          <p:cNvPr id="70" name="Straight Connector 69">
+            <a:extLst>
+              <a:ext uri="{FF2B5EF4-FFF2-40B4-BE49-F238E27FC236}">
+                <a16:creationId xmlns:a16="http://schemas.microsoft.com/office/drawing/2014/main" id="{11E661D6-3EDD-ABDE-E1AF-DC7EB1E0A799}"/>
+              </a:ext>
+            </a:extLst>
+          </p:cNvPr>
+          <p:cNvCxnSpPr>
+            <a:stCxn id="25" idx="0"/>
+            <a:endCxn id="25" idx="4"/>
+          </p:cNvCxnSpPr>
+          <p:nvPr/>
+        </p:nvCxnSpPr>
+        <p:spPr>
+          <a:xfrm>
+            <a:off x="8635173" y="2243844"/>
+            <a:ext cx="0" cy="960398"/>
+          </a:xfrm>
+          <a:prstGeom prst="line">
+            <a:avLst/>
+          </a:prstGeom>
+        </p:spPr>
+        <p:style>
+          <a:lnRef idx="2">
+            <a:schemeClr val="dk1"/>
+          </a:lnRef>
+          <a:fillRef idx="0">
+            <a:schemeClr val="dk1"/>
+          </a:fillRef>
+          <a:effectRef idx="1">
+            <a:schemeClr val="dk1"/>
+          </a:effectRef>
+          <a:fontRef idx="minor">
+            <a:schemeClr val="tx1"/>
+          </a:fontRef>
+        </p:style>
+      </p:cxnSp>
+      <mc:AlternateContent xmlns:mc="http://schemas.openxmlformats.org/markup-compatibility/2006">
+        <mc:Choice xmlns:a14="http://schemas.microsoft.com/office/drawing/2010/main" Requires="a14">
+          <p:sp>
+            <p:nvSpPr>
+              <p:cNvPr id="71" name="TextBox 70">
+                <a:extLst>
+                  <a:ext uri="{FF2B5EF4-FFF2-40B4-BE49-F238E27FC236}">
+                    <a16:creationId xmlns:a16="http://schemas.microsoft.com/office/drawing/2014/main" id="{4C7BD90F-4CA3-F66F-5B53-D3690196F7FA}"/>
+                  </a:ext>
+                </a:extLst>
+              </p:cNvPr>
+              <p:cNvSpPr txBox="1"/>
+              <p:nvPr/>
+            </p:nvSpPr>
+            <p:spPr>
+              <a:xfrm>
+                <a:off x="8241540" y="2410423"/>
+                <a:ext cx="442236" cy="670761"/>
+              </a:xfrm>
+              <a:prstGeom prst="rect">
+                <a:avLst/>
+              </a:prstGeom>
+              <a:noFill/>
+            </p:spPr>
+            <p:txBody>
+              <a:bodyPr wrap="none" lIns="0" tIns="0" rIns="0" bIns="0" rtlCol="0">
+                <a:spAutoFit/>
+              </a:bodyPr>
+              <a:lstStyle/>
+              <a:p>
+                <a:pPr/>
+                <a14:m>
+                  <m:oMathPara xmlns:m="http://schemas.openxmlformats.org/officeDocument/2006/math">
+                    <m:oMathParaPr>
+                      <m:jc m:val="centerGroup"/>
+                    </m:oMathParaPr>
+                    <m:oMath xmlns:m="http://schemas.openxmlformats.org/officeDocument/2006/math">
+                      <m:nary>
+                        <m:naryPr>
+                          <m:chr m:val="∑"/>
+                          <m:subHide m:val="on"/>
+                          <m:supHide m:val="on"/>
+                          <m:ctrlPr>
+                            <a:rPr lang="en-US" i="1" smtClean="0">
+                              <a:latin typeface="Cambria Math" panose="02040503050406030204" pitchFamily="18" charset="0"/>
+                            </a:rPr>
+                          </m:ctrlPr>
+                        </m:naryPr>
+                        <m:sub/>
+                        <m:sup/>
+                        <m:e>
+                          <m:r>
+                            <a:rPr lang="en-US" b="0" i="1" smtClean="0">
+                              <a:latin typeface="Cambria Math" panose="02040503050406030204" pitchFamily="18" charset="0"/>
+                            </a:rPr>
+                            <m:t> </m:t>
+                          </m:r>
+                        </m:e>
+                      </m:nary>
+                    </m:oMath>
+                  </m:oMathPara>
+                </a14:m>
+                <a:endParaRPr lang="en-US" dirty="0"/>
+              </a:p>
+            </p:txBody>
+          </p:sp>
+        </mc:Choice>
+        <mc:Fallback>
+          <p:sp>
+            <p:nvSpPr>
+              <p:cNvPr id="71" name="TextBox 70">
+                <a:extLst>
+                  <a:ext uri="{FF2B5EF4-FFF2-40B4-BE49-F238E27FC236}">
+                    <a16:creationId xmlns:a16="http://schemas.microsoft.com/office/drawing/2014/main" id="{4C7BD90F-4CA3-F66F-5B53-D3690196F7FA}"/>
+                  </a:ext>
+                </a:extLst>
+              </p:cNvPr>
+              <p:cNvSpPr txBox="1">
+                <a:spLocks noRot="1" noChangeAspect="1" noMove="1" noResize="1" noEditPoints="1" noAdjustHandles="1" noChangeArrowheads="1" noChangeShapeType="1" noTextEdit="1"/>
+              </p:cNvSpPr>
+              <p:nvPr/>
+            </p:nvSpPr>
+            <p:spPr>
+              <a:xfrm>
+                <a:off x="8241540" y="2410423"/>
+                <a:ext cx="442236" cy="670761"/>
+              </a:xfrm>
+              <a:prstGeom prst="rect">
+                <a:avLst/>
+              </a:prstGeom>
+              <a:blipFill>
+                <a:blip r:embed="rId2"/>
+                <a:stretch>
+                  <a:fillRect/>
+                </a:stretch>
+              </a:blipFill>
+            </p:spPr>
+            <p:txBody>
+              <a:bodyPr/>
+              <a:lstStyle/>
+              <a:p>
+                <a:r>
+                  <a:rPr lang="en-US">
+                    <a:noFill/>
+                  </a:rPr>
+                  <a:t> </a:t>
+                </a:r>
+              </a:p>
+            </p:txBody>
+          </p:sp>
+        </mc:Fallback>
+      </mc:AlternateContent>
+      <mc:AlternateContent xmlns:mc="http://schemas.openxmlformats.org/markup-compatibility/2006">
+        <mc:Choice xmlns:a14="http://schemas.microsoft.com/office/drawing/2010/main" Requires="a14">
+          <p:sp>
+            <p:nvSpPr>
+              <p:cNvPr id="72" name="TextBox 71">
+                <a:extLst>
+                  <a:ext uri="{FF2B5EF4-FFF2-40B4-BE49-F238E27FC236}">
+                    <a16:creationId xmlns:a16="http://schemas.microsoft.com/office/drawing/2014/main" id="{27C34916-1519-810A-AD6B-4AB8A994CE03}"/>
+                  </a:ext>
+                </a:extLst>
+              </p:cNvPr>
+              <p:cNvSpPr txBox="1"/>
+              <p:nvPr/>
+            </p:nvSpPr>
+            <p:spPr>
+              <a:xfrm>
+                <a:off x="8770342" y="2585543"/>
+                <a:ext cx="191527" cy="276999"/>
+              </a:xfrm>
+              <a:prstGeom prst="rect">
+                <a:avLst/>
+              </a:prstGeom>
+              <a:noFill/>
+            </p:spPr>
+            <p:txBody>
+              <a:bodyPr wrap="none" lIns="0" tIns="0" rIns="0" bIns="0" rtlCol="0">
+                <a:spAutoFit/>
+              </a:bodyPr>
+              <a:lstStyle/>
+              <a:p>
+                <a:pPr/>
+                <a14:m>
+                  <m:oMathPara xmlns:m="http://schemas.openxmlformats.org/officeDocument/2006/math">
+                    <m:oMathParaPr>
+                      <m:jc m:val="centerGroup"/>
+                    </m:oMathParaPr>
+                    <m:oMath xmlns:m="http://schemas.openxmlformats.org/officeDocument/2006/math">
+                      <m:r>
+                        <a:rPr lang="en-US" b="0" i="1" smtClean="0">
+                          <a:latin typeface="Cambria Math" panose="02040503050406030204" pitchFamily="18" charset="0"/>
+                        </a:rPr>
+                        <m:t>𝑔</m:t>
+                      </m:r>
+                    </m:oMath>
+                  </m:oMathPara>
+                </a14:m>
+                <a:endParaRPr lang="en-US" dirty="0"/>
+              </a:p>
+            </p:txBody>
+          </p:sp>
+        </mc:Choice>
+        <mc:Fallback>
+          <p:sp>
+            <p:nvSpPr>
+              <p:cNvPr id="72" name="TextBox 71">
+                <a:extLst>
+                  <a:ext uri="{FF2B5EF4-FFF2-40B4-BE49-F238E27FC236}">
+                    <a16:creationId xmlns:a16="http://schemas.microsoft.com/office/drawing/2014/main" id="{27C34916-1519-810A-AD6B-4AB8A994CE03}"/>
+                  </a:ext>
+                </a:extLst>
+              </p:cNvPr>
+              <p:cNvSpPr txBox="1">
+                <a:spLocks noRot="1" noChangeAspect="1" noMove="1" noResize="1" noEditPoints="1" noAdjustHandles="1" noChangeArrowheads="1" noChangeShapeType="1" noTextEdit="1"/>
+              </p:cNvSpPr>
+              <p:nvPr/>
+            </p:nvSpPr>
+            <p:spPr>
+              <a:xfrm>
+                <a:off x="8770342" y="2585543"/>
+                <a:ext cx="191527" cy="276999"/>
+              </a:xfrm>
+              <a:prstGeom prst="rect">
+                <a:avLst/>
+              </a:prstGeom>
+              <a:blipFill>
+                <a:blip r:embed="rId3"/>
+                <a:stretch>
+                  <a:fillRect l="-32258" r="-32258" b="-23913"/>
+                </a:stretch>
+              </a:blipFill>
+            </p:spPr>
+            <p:txBody>
+              <a:bodyPr/>
+              <a:lstStyle/>
+              <a:p>
+                <a:r>
+                  <a:rPr lang="en-US">
+                    <a:noFill/>
+                  </a:rPr>
+                  <a:t> </a:t>
+                </a:r>
+              </a:p>
+            </p:txBody>
+          </p:sp>
+        </mc:Fallback>
+      </mc:AlternateContent>
+      <mc:AlternateContent xmlns:mc="http://schemas.openxmlformats.org/markup-compatibility/2006">
+        <mc:Choice xmlns:a14="http://schemas.microsoft.com/office/drawing/2010/main" Requires="a14">
+          <p:sp>
+            <p:nvSpPr>
+              <p:cNvPr id="74" name="TextBox 73">
+                <a:extLst>
+                  <a:ext uri="{FF2B5EF4-FFF2-40B4-BE49-F238E27FC236}">
+                    <a16:creationId xmlns:a16="http://schemas.microsoft.com/office/drawing/2014/main" id="{BCBE8B45-97AD-A6CA-71E1-D12A702B915D}"/>
+                  </a:ext>
+                </a:extLst>
+              </p:cNvPr>
+              <p:cNvSpPr txBox="1"/>
+              <p:nvPr/>
+            </p:nvSpPr>
+            <p:spPr>
+              <a:xfrm>
+                <a:off x="7133609" y="1851483"/>
+                <a:ext cx="310726" cy="276999"/>
+              </a:xfrm>
+              <a:prstGeom prst="rect">
+                <a:avLst/>
+              </a:prstGeom>
+              <a:noFill/>
+            </p:spPr>
+            <p:txBody>
+              <a:bodyPr wrap="none" lIns="0" tIns="0" rIns="0" bIns="0" rtlCol="0">
+                <a:spAutoFit/>
+              </a:bodyPr>
+              <a:lstStyle/>
+              <a:p>
+                <a:pPr/>
+                <a14:m>
+                  <m:oMathPara xmlns:m="http://schemas.openxmlformats.org/officeDocument/2006/math">
+                    <m:oMathParaPr>
+                      <m:jc m:val="centerGroup"/>
+                    </m:oMathParaPr>
+                    <m:oMath xmlns:m="http://schemas.openxmlformats.org/officeDocument/2006/math">
+                      <m:sSub>
+                        <m:sSubPr>
+                          <m:ctrlPr>
+                            <a:rPr lang="en-US" b="0" i="1" smtClean="0">
+                              <a:latin typeface="Cambria Math" panose="02040503050406030204" pitchFamily="18" charset="0"/>
+                            </a:rPr>
+                          </m:ctrlPr>
+                        </m:sSubPr>
+                        <m:e>
+                          <m:r>
+                            <a:rPr lang="en-US" b="0" i="1" smtClean="0">
+                              <a:latin typeface="Cambria Math" panose="02040503050406030204" pitchFamily="18" charset="0"/>
+                            </a:rPr>
+                            <m:t>𝑤</m:t>
+                          </m:r>
+                        </m:e>
+                        <m:sub>
+                          <m:r>
+                            <a:rPr lang="en-US" b="0" i="1" smtClean="0">
+                              <a:latin typeface="Cambria Math" panose="02040503050406030204" pitchFamily="18" charset="0"/>
+                            </a:rPr>
+                            <m:t>1</m:t>
+                          </m:r>
+                        </m:sub>
+                      </m:sSub>
+                    </m:oMath>
+                  </m:oMathPara>
+                </a14:m>
+                <a:endParaRPr lang="en-US" dirty="0"/>
+              </a:p>
+            </p:txBody>
+          </p:sp>
+        </mc:Choice>
+        <mc:Fallback>
+          <p:sp>
+            <p:nvSpPr>
+              <p:cNvPr id="74" name="TextBox 73">
+                <a:extLst>
+                  <a:ext uri="{FF2B5EF4-FFF2-40B4-BE49-F238E27FC236}">
+                    <a16:creationId xmlns:a16="http://schemas.microsoft.com/office/drawing/2014/main" id="{BCBE8B45-97AD-A6CA-71E1-D12A702B915D}"/>
+                  </a:ext>
+                </a:extLst>
+              </p:cNvPr>
+              <p:cNvSpPr txBox="1">
+                <a:spLocks noRot="1" noChangeAspect="1" noMove="1" noResize="1" noEditPoints="1" noAdjustHandles="1" noChangeArrowheads="1" noChangeShapeType="1" noTextEdit="1"/>
+              </p:cNvSpPr>
+              <p:nvPr/>
+            </p:nvSpPr>
+            <p:spPr>
+              <a:xfrm>
+                <a:off x="7133609" y="1851483"/>
+                <a:ext cx="310726" cy="276999"/>
+              </a:xfrm>
+              <a:prstGeom prst="rect">
+                <a:avLst/>
+              </a:prstGeom>
+              <a:blipFill>
+                <a:blip r:embed="rId4"/>
+                <a:stretch>
+                  <a:fillRect l="-11765" r="-9804" b="-15556"/>
+                </a:stretch>
+              </a:blipFill>
+            </p:spPr>
+            <p:txBody>
+              <a:bodyPr/>
+              <a:lstStyle/>
+              <a:p>
+                <a:r>
+                  <a:rPr lang="en-US">
+                    <a:noFill/>
+                  </a:rPr>
+                  <a:t> </a:t>
+                </a:r>
+              </a:p>
+            </p:txBody>
+          </p:sp>
+        </mc:Fallback>
+      </mc:AlternateContent>
+      <mc:AlternateContent xmlns:mc="http://schemas.openxmlformats.org/markup-compatibility/2006">
+        <mc:Choice xmlns:a14="http://schemas.microsoft.com/office/drawing/2010/main" Requires="a14">
+          <p:sp>
+            <p:nvSpPr>
+              <p:cNvPr id="75" name="TextBox 74">
+                <a:extLst>
+                  <a:ext uri="{FF2B5EF4-FFF2-40B4-BE49-F238E27FC236}">
+                    <a16:creationId xmlns:a16="http://schemas.microsoft.com/office/drawing/2014/main" id="{CC54F4CF-9CFF-C64A-C1D4-85F3A7BA9903}"/>
+                  </a:ext>
+                </a:extLst>
+              </p:cNvPr>
+              <p:cNvSpPr txBox="1"/>
+              <p:nvPr/>
+            </p:nvSpPr>
+            <p:spPr>
+              <a:xfrm>
+                <a:off x="7133610" y="2447043"/>
+                <a:ext cx="316049" cy="276999"/>
+              </a:xfrm>
+              <a:prstGeom prst="rect">
+                <a:avLst/>
+              </a:prstGeom>
+              <a:noFill/>
+            </p:spPr>
+            <p:txBody>
+              <a:bodyPr wrap="none" lIns="0" tIns="0" rIns="0" bIns="0" rtlCol="0">
+                <a:spAutoFit/>
+              </a:bodyPr>
+              <a:lstStyle/>
+              <a:p>
+                <a:pPr/>
+                <a14:m>
+                  <m:oMathPara xmlns:m="http://schemas.openxmlformats.org/officeDocument/2006/math">
+                    <m:oMathParaPr>
+                      <m:jc m:val="centerGroup"/>
+                    </m:oMathParaPr>
+                    <m:oMath xmlns:m="http://schemas.openxmlformats.org/officeDocument/2006/math">
+                      <m:sSub>
+                        <m:sSubPr>
+                          <m:ctrlPr>
+                            <a:rPr lang="en-US" b="0" i="1" smtClean="0">
+                              <a:latin typeface="Cambria Math" panose="02040503050406030204" pitchFamily="18" charset="0"/>
+                            </a:rPr>
+                          </m:ctrlPr>
+                        </m:sSubPr>
+                        <m:e>
+                          <m:r>
+                            <a:rPr lang="en-US" b="0" i="1" smtClean="0">
+                              <a:latin typeface="Cambria Math" panose="02040503050406030204" pitchFamily="18" charset="0"/>
+                            </a:rPr>
+                            <m:t>𝑤</m:t>
+                          </m:r>
+                        </m:e>
+                        <m:sub>
+                          <m:r>
+                            <a:rPr lang="en-US" b="0" i="1" smtClean="0">
+                              <a:latin typeface="Cambria Math" panose="02040503050406030204" pitchFamily="18" charset="0"/>
+                            </a:rPr>
+                            <m:t>2</m:t>
+                          </m:r>
+                        </m:sub>
+                      </m:sSub>
+                    </m:oMath>
+                  </m:oMathPara>
+                </a14:m>
+                <a:endParaRPr lang="en-US" dirty="0"/>
+              </a:p>
+            </p:txBody>
+          </p:sp>
+        </mc:Choice>
+        <mc:Fallback>
+          <p:sp>
+            <p:nvSpPr>
+              <p:cNvPr id="75" name="TextBox 74">
+                <a:extLst>
+                  <a:ext uri="{FF2B5EF4-FFF2-40B4-BE49-F238E27FC236}">
+                    <a16:creationId xmlns:a16="http://schemas.microsoft.com/office/drawing/2014/main" id="{CC54F4CF-9CFF-C64A-C1D4-85F3A7BA9903}"/>
+                  </a:ext>
+                </a:extLst>
+              </p:cNvPr>
+              <p:cNvSpPr txBox="1">
+                <a:spLocks noRot="1" noChangeAspect="1" noMove="1" noResize="1" noEditPoints="1" noAdjustHandles="1" noChangeArrowheads="1" noChangeShapeType="1" noTextEdit="1"/>
+              </p:cNvSpPr>
+              <p:nvPr/>
+            </p:nvSpPr>
+            <p:spPr>
+              <a:xfrm>
+                <a:off x="7133610" y="2447043"/>
+                <a:ext cx="316049" cy="276999"/>
+              </a:xfrm>
+              <a:prstGeom prst="rect">
+                <a:avLst/>
+              </a:prstGeom>
+              <a:blipFill>
+                <a:blip r:embed="rId5"/>
+                <a:stretch>
+                  <a:fillRect l="-11538" r="-9615" b="-15217"/>
+                </a:stretch>
+              </a:blipFill>
+            </p:spPr>
+            <p:txBody>
+              <a:bodyPr/>
+              <a:lstStyle/>
+              <a:p>
+                <a:r>
+                  <a:rPr lang="en-US">
+                    <a:noFill/>
+                  </a:rPr>
+                  <a:t> </a:t>
+                </a:r>
+              </a:p>
+            </p:txBody>
+          </p:sp>
+        </mc:Fallback>
+      </mc:AlternateContent>
+      <mc:AlternateContent xmlns:mc="http://schemas.openxmlformats.org/markup-compatibility/2006">
+        <mc:Choice xmlns:a14="http://schemas.microsoft.com/office/drawing/2010/main" Requires="a14">
+          <p:sp>
+            <p:nvSpPr>
+              <p:cNvPr id="76" name="TextBox 75">
+                <a:extLst>
+                  <a:ext uri="{FF2B5EF4-FFF2-40B4-BE49-F238E27FC236}">
+                    <a16:creationId xmlns:a16="http://schemas.microsoft.com/office/drawing/2014/main" id="{3385A531-9878-E626-B299-8094296A19E0}"/>
+                  </a:ext>
+                </a:extLst>
+              </p:cNvPr>
+              <p:cNvSpPr txBox="1"/>
+              <p:nvPr/>
+            </p:nvSpPr>
+            <p:spPr>
+              <a:xfrm>
+                <a:off x="7128286" y="2942684"/>
+                <a:ext cx="316049" cy="276999"/>
+              </a:xfrm>
+              <a:prstGeom prst="rect">
+                <a:avLst/>
+              </a:prstGeom>
+              <a:noFill/>
+            </p:spPr>
+            <p:txBody>
+              <a:bodyPr wrap="none" lIns="0" tIns="0" rIns="0" bIns="0" rtlCol="0">
+                <a:spAutoFit/>
+              </a:bodyPr>
+              <a:lstStyle/>
+              <a:p>
+                <a:pPr/>
+                <a14:m>
+                  <m:oMathPara xmlns:m="http://schemas.openxmlformats.org/officeDocument/2006/math">
+                    <m:oMathParaPr>
+                      <m:jc m:val="centerGroup"/>
+                    </m:oMathParaPr>
+                    <m:oMath xmlns:m="http://schemas.openxmlformats.org/officeDocument/2006/math">
+                      <m:sSub>
+                        <m:sSubPr>
+                          <m:ctrlPr>
+                            <a:rPr lang="en-US" b="0" i="1" smtClean="0">
+                              <a:latin typeface="Cambria Math" panose="02040503050406030204" pitchFamily="18" charset="0"/>
+                            </a:rPr>
+                          </m:ctrlPr>
+                        </m:sSubPr>
+                        <m:e>
+                          <m:r>
+                            <a:rPr lang="en-US" b="0" i="1" smtClean="0">
+                              <a:latin typeface="Cambria Math" panose="02040503050406030204" pitchFamily="18" charset="0"/>
+                            </a:rPr>
+                            <m:t>𝑤</m:t>
+                          </m:r>
+                        </m:e>
+                        <m:sub>
+                          <m:r>
+                            <a:rPr lang="en-US" b="0" i="1" smtClean="0">
+                              <a:latin typeface="Cambria Math" panose="02040503050406030204" pitchFamily="18" charset="0"/>
+                            </a:rPr>
+                            <m:t>3</m:t>
+                          </m:r>
+                        </m:sub>
+                      </m:sSub>
+                    </m:oMath>
+                  </m:oMathPara>
+                </a14:m>
+                <a:endParaRPr lang="en-US" dirty="0"/>
+              </a:p>
+            </p:txBody>
+          </p:sp>
+        </mc:Choice>
+        <mc:Fallback>
+          <p:sp>
+            <p:nvSpPr>
+              <p:cNvPr id="76" name="TextBox 75">
+                <a:extLst>
+                  <a:ext uri="{FF2B5EF4-FFF2-40B4-BE49-F238E27FC236}">
+                    <a16:creationId xmlns:a16="http://schemas.microsoft.com/office/drawing/2014/main" id="{3385A531-9878-E626-B299-8094296A19E0}"/>
+                  </a:ext>
+                </a:extLst>
+              </p:cNvPr>
+              <p:cNvSpPr txBox="1">
+                <a:spLocks noRot="1" noChangeAspect="1" noMove="1" noResize="1" noEditPoints="1" noAdjustHandles="1" noChangeArrowheads="1" noChangeShapeType="1" noTextEdit="1"/>
+              </p:cNvSpPr>
+              <p:nvPr/>
+            </p:nvSpPr>
+            <p:spPr>
+              <a:xfrm>
+                <a:off x="7128286" y="2942684"/>
+                <a:ext cx="316049" cy="276999"/>
+              </a:xfrm>
+              <a:prstGeom prst="rect">
+                <a:avLst/>
+              </a:prstGeom>
+              <a:blipFill>
+                <a:blip r:embed="rId6"/>
+                <a:stretch>
+                  <a:fillRect l="-11538" r="-9615" b="-15556"/>
+                </a:stretch>
+              </a:blipFill>
+            </p:spPr>
+            <p:txBody>
+              <a:bodyPr/>
+              <a:lstStyle/>
+              <a:p>
+                <a:r>
+                  <a:rPr lang="en-US">
+                    <a:noFill/>
+                  </a:rPr>
+                  <a:t> </a:t>
+                </a:r>
+              </a:p>
+            </p:txBody>
+          </p:sp>
+        </mc:Fallback>
+      </mc:AlternateContent>
+      <mc:AlternateContent xmlns:mc="http://schemas.openxmlformats.org/markup-compatibility/2006">
+        <mc:Choice xmlns:a14="http://schemas.microsoft.com/office/drawing/2010/main" Requires="a14">
+          <p:sp>
+            <p:nvSpPr>
+              <p:cNvPr id="77" name="TextBox 76">
+                <a:extLst>
+                  <a:ext uri="{FF2B5EF4-FFF2-40B4-BE49-F238E27FC236}">
+                    <a16:creationId xmlns:a16="http://schemas.microsoft.com/office/drawing/2014/main" id="{54EA68C3-7309-AED0-697D-E9F602BC894C}"/>
+                  </a:ext>
+                </a:extLst>
+              </p:cNvPr>
+              <p:cNvSpPr txBox="1"/>
+              <p:nvPr/>
+            </p:nvSpPr>
+            <p:spPr>
+              <a:xfrm>
+                <a:off x="5799048" y="1394422"/>
+                <a:ext cx="287450" cy="276999"/>
+              </a:xfrm>
+              <a:prstGeom prst="rect">
+                <a:avLst/>
+              </a:prstGeom>
+              <a:noFill/>
+            </p:spPr>
+            <p:txBody>
+              <a:bodyPr wrap="none" lIns="0" tIns="0" rIns="0" bIns="0" rtlCol="0">
+                <a:spAutoFit/>
+              </a:bodyPr>
+              <a:lstStyle/>
+              <a:p>
+                <a:pPr/>
+                <a14:m>
+                  <m:oMathPara xmlns:m="http://schemas.openxmlformats.org/officeDocument/2006/math">
+                    <m:oMathParaPr>
+                      <m:jc m:val="centerGroup"/>
+                    </m:oMathParaPr>
+                    <m:oMath xmlns:m="http://schemas.openxmlformats.org/officeDocument/2006/math">
+                      <m:sSub>
+                        <m:sSubPr>
+                          <m:ctrlPr>
+                            <a:rPr lang="en-US" b="0" i="1" smtClean="0">
+                              <a:latin typeface="Cambria Math" panose="02040503050406030204" pitchFamily="18" charset="0"/>
+                            </a:rPr>
+                          </m:ctrlPr>
+                        </m:sSubPr>
+                        <m:e>
+                          <m:r>
+                            <a:rPr lang="en-US" b="0" i="1" smtClean="0">
+                              <a:latin typeface="Cambria Math" panose="02040503050406030204" pitchFamily="18" charset="0"/>
+                            </a:rPr>
+                            <m:t>𝑋</m:t>
+                          </m:r>
+                        </m:e>
+                        <m:sub>
+                          <m:r>
+                            <a:rPr lang="en-US" b="0" i="1" smtClean="0">
+                              <a:latin typeface="Cambria Math" panose="02040503050406030204" pitchFamily="18" charset="0"/>
+                            </a:rPr>
+                            <m:t>1</m:t>
+                          </m:r>
+                        </m:sub>
+                      </m:sSub>
+                    </m:oMath>
+                  </m:oMathPara>
+                </a14:m>
+                <a:endParaRPr lang="en-US" dirty="0"/>
+              </a:p>
+            </p:txBody>
+          </p:sp>
+        </mc:Choice>
+        <mc:Fallback>
+          <p:sp>
+            <p:nvSpPr>
+              <p:cNvPr id="77" name="TextBox 76">
+                <a:extLst>
+                  <a:ext uri="{FF2B5EF4-FFF2-40B4-BE49-F238E27FC236}">
+                    <a16:creationId xmlns:a16="http://schemas.microsoft.com/office/drawing/2014/main" id="{54EA68C3-7309-AED0-697D-E9F602BC894C}"/>
+                  </a:ext>
+                </a:extLst>
+              </p:cNvPr>
+              <p:cNvSpPr txBox="1">
+                <a:spLocks noRot="1" noChangeAspect="1" noMove="1" noResize="1" noEditPoints="1" noAdjustHandles="1" noChangeArrowheads="1" noChangeShapeType="1" noTextEdit="1"/>
+              </p:cNvSpPr>
+              <p:nvPr/>
+            </p:nvSpPr>
+            <p:spPr>
+              <a:xfrm>
+                <a:off x="5799048" y="1394422"/>
+                <a:ext cx="287450" cy="276999"/>
+              </a:xfrm>
+              <a:prstGeom prst="rect">
+                <a:avLst/>
+              </a:prstGeom>
+              <a:blipFill>
+                <a:blip r:embed="rId7"/>
+                <a:stretch>
+                  <a:fillRect l="-19149" r="-10638" b="-15556"/>
+                </a:stretch>
+              </a:blipFill>
+            </p:spPr>
+            <p:txBody>
+              <a:bodyPr/>
+              <a:lstStyle/>
+              <a:p>
+                <a:r>
+                  <a:rPr lang="en-US">
+                    <a:noFill/>
+                  </a:rPr>
+                  <a:t> </a:t>
+                </a:r>
+              </a:p>
+            </p:txBody>
+          </p:sp>
+        </mc:Fallback>
+      </mc:AlternateContent>
+      <mc:AlternateContent xmlns:mc="http://schemas.openxmlformats.org/markup-compatibility/2006">
+        <mc:Choice xmlns:a14="http://schemas.microsoft.com/office/drawing/2010/main" Requires="a14">
+          <p:sp>
+            <p:nvSpPr>
+              <p:cNvPr id="78" name="TextBox 77">
+                <a:extLst>
+                  <a:ext uri="{FF2B5EF4-FFF2-40B4-BE49-F238E27FC236}">
+                    <a16:creationId xmlns:a16="http://schemas.microsoft.com/office/drawing/2014/main" id="{FA8A279C-AA14-A7A0-6460-94B9C4AD910B}"/>
+                  </a:ext>
+                </a:extLst>
+              </p:cNvPr>
+              <p:cNvSpPr txBox="1"/>
+              <p:nvPr/>
+            </p:nvSpPr>
+            <p:spPr>
+              <a:xfrm>
+                <a:off x="5799048" y="2607303"/>
+                <a:ext cx="292772" cy="276999"/>
+              </a:xfrm>
+              <a:prstGeom prst="rect">
+                <a:avLst/>
+              </a:prstGeom>
+              <a:noFill/>
+            </p:spPr>
+            <p:txBody>
+              <a:bodyPr wrap="none" lIns="0" tIns="0" rIns="0" bIns="0" rtlCol="0">
+                <a:spAutoFit/>
+              </a:bodyPr>
+              <a:lstStyle/>
+              <a:p>
+                <a:pPr/>
+                <a14:m>
+                  <m:oMathPara xmlns:m="http://schemas.openxmlformats.org/officeDocument/2006/math">
+                    <m:oMathParaPr>
+                      <m:jc m:val="centerGroup"/>
+                    </m:oMathParaPr>
+                    <m:oMath xmlns:m="http://schemas.openxmlformats.org/officeDocument/2006/math">
+                      <m:sSub>
+                        <m:sSubPr>
+                          <m:ctrlPr>
+                            <a:rPr lang="en-US" b="0" i="1" smtClean="0">
+                              <a:latin typeface="Cambria Math" panose="02040503050406030204" pitchFamily="18" charset="0"/>
+                            </a:rPr>
+                          </m:ctrlPr>
+                        </m:sSubPr>
+                        <m:e>
+                          <m:r>
+                            <a:rPr lang="en-US" b="0" i="1" smtClean="0">
+                              <a:latin typeface="Cambria Math" panose="02040503050406030204" pitchFamily="18" charset="0"/>
+                            </a:rPr>
+                            <m:t>𝑋</m:t>
+                          </m:r>
+                        </m:e>
+                        <m:sub>
+                          <m:r>
+                            <a:rPr lang="en-US" b="0" i="1" smtClean="0">
+                              <a:latin typeface="Cambria Math" panose="02040503050406030204" pitchFamily="18" charset="0"/>
+                            </a:rPr>
+                            <m:t>2</m:t>
+                          </m:r>
+                        </m:sub>
+                      </m:sSub>
+                    </m:oMath>
+                  </m:oMathPara>
+                </a14:m>
+                <a:endParaRPr lang="en-US" dirty="0"/>
+              </a:p>
+            </p:txBody>
+          </p:sp>
+        </mc:Choice>
+        <mc:Fallback>
+          <p:sp>
+            <p:nvSpPr>
+              <p:cNvPr id="78" name="TextBox 77">
+                <a:extLst>
+                  <a:ext uri="{FF2B5EF4-FFF2-40B4-BE49-F238E27FC236}">
+                    <a16:creationId xmlns:a16="http://schemas.microsoft.com/office/drawing/2014/main" id="{FA8A279C-AA14-A7A0-6460-94B9C4AD910B}"/>
+                  </a:ext>
+                </a:extLst>
+              </p:cNvPr>
+              <p:cNvSpPr txBox="1">
+                <a:spLocks noRot="1" noChangeAspect="1" noMove="1" noResize="1" noEditPoints="1" noAdjustHandles="1" noChangeArrowheads="1" noChangeShapeType="1" noTextEdit="1"/>
+              </p:cNvSpPr>
+              <p:nvPr/>
+            </p:nvSpPr>
+            <p:spPr>
+              <a:xfrm>
+                <a:off x="5799048" y="2607303"/>
+                <a:ext cx="292772" cy="276999"/>
+              </a:xfrm>
+              <a:prstGeom prst="rect">
+                <a:avLst/>
+              </a:prstGeom>
+              <a:blipFill>
+                <a:blip r:embed="rId8"/>
+                <a:stretch>
+                  <a:fillRect l="-18750" r="-10417" b="-15556"/>
+                </a:stretch>
+              </a:blipFill>
+            </p:spPr>
+            <p:txBody>
+              <a:bodyPr/>
+              <a:lstStyle/>
+              <a:p>
+                <a:r>
+                  <a:rPr lang="en-US">
+                    <a:noFill/>
+                  </a:rPr>
+                  <a:t> </a:t>
+                </a:r>
+              </a:p>
+            </p:txBody>
+          </p:sp>
+        </mc:Fallback>
+      </mc:AlternateContent>
+      <mc:AlternateContent xmlns:mc="http://schemas.openxmlformats.org/markup-compatibility/2006">
+        <mc:Choice xmlns:a14="http://schemas.microsoft.com/office/drawing/2010/main" Requires="a14">
+          <p:sp>
+            <p:nvSpPr>
+              <p:cNvPr id="79" name="TextBox 78">
+                <a:extLst>
+                  <a:ext uri="{FF2B5EF4-FFF2-40B4-BE49-F238E27FC236}">
+                    <a16:creationId xmlns:a16="http://schemas.microsoft.com/office/drawing/2014/main" id="{E7E05F87-5CA7-424D-0884-9892A8E922D0}"/>
+                  </a:ext>
+                </a:extLst>
+              </p:cNvPr>
+              <p:cNvSpPr txBox="1"/>
+              <p:nvPr/>
+            </p:nvSpPr>
+            <p:spPr>
+              <a:xfrm>
+                <a:off x="5799048" y="3820184"/>
+                <a:ext cx="292772" cy="276999"/>
+              </a:xfrm>
+              <a:prstGeom prst="rect">
+                <a:avLst/>
+              </a:prstGeom>
+              <a:noFill/>
+            </p:spPr>
+            <p:txBody>
+              <a:bodyPr wrap="none" lIns="0" tIns="0" rIns="0" bIns="0" rtlCol="0">
+                <a:spAutoFit/>
+              </a:bodyPr>
+              <a:lstStyle/>
+              <a:p>
+                <a:pPr/>
+                <a14:m>
+                  <m:oMathPara xmlns:m="http://schemas.openxmlformats.org/officeDocument/2006/math">
+                    <m:oMathParaPr>
+                      <m:jc m:val="centerGroup"/>
+                    </m:oMathParaPr>
+                    <m:oMath xmlns:m="http://schemas.openxmlformats.org/officeDocument/2006/math">
+                      <m:sSub>
+                        <m:sSubPr>
+                          <m:ctrlPr>
+                            <a:rPr lang="en-US" b="0" i="1" smtClean="0">
+                              <a:latin typeface="Cambria Math" panose="02040503050406030204" pitchFamily="18" charset="0"/>
+                            </a:rPr>
+                          </m:ctrlPr>
+                        </m:sSubPr>
+                        <m:e>
+                          <m:r>
+                            <a:rPr lang="en-US" b="0" i="1" smtClean="0">
+                              <a:latin typeface="Cambria Math" panose="02040503050406030204" pitchFamily="18" charset="0"/>
+                            </a:rPr>
+                            <m:t>𝑋</m:t>
+                          </m:r>
+                        </m:e>
+                        <m:sub>
+                          <m:r>
+                            <a:rPr lang="en-US" b="0" i="1" smtClean="0">
+                              <a:latin typeface="Cambria Math" panose="02040503050406030204" pitchFamily="18" charset="0"/>
+                            </a:rPr>
+                            <m:t>3</m:t>
+                          </m:r>
+                        </m:sub>
+                      </m:sSub>
+                    </m:oMath>
+                  </m:oMathPara>
+                </a14:m>
+                <a:endParaRPr lang="en-US" dirty="0"/>
+              </a:p>
+            </p:txBody>
+          </p:sp>
+        </mc:Choice>
+        <mc:Fallback>
+          <p:sp>
+            <p:nvSpPr>
+              <p:cNvPr id="79" name="TextBox 78">
+                <a:extLst>
+                  <a:ext uri="{FF2B5EF4-FFF2-40B4-BE49-F238E27FC236}">
+                    <a16:creationId xmlns:a16="http://schemas.microsoft.com/office/drawing/2014/main" id="{E7E05F87-5CA7-424D-0884-9892A8E922D0}"/>
+                  </a:ext>
+                </a:extLst>
+              </p:cNvPr>
+              <p:cNvSpPr txBox="1">
+                <a:spLocks noRot="1" noChangeAspect="1" noMove="1" noResize="1" noEditPoints="1" noAdjustHandles="1" noChangeArrowheads="1" noChangeShapeType="1" noTextEdit="1"/>
+              </p:cNvSpPr>
+              <p:nvPr/>
+            </p:nvSpPr>
+            <p:spPr>
+              <a:xfrm>
+                <a:off x="5799048" y="3820184"/>
+                <a:ext cx="292772" cy="276999"/>
+              </a:xfrm>
+              <a:prstGeom prst="rect">
+                <a:avLst/>
+              </a:prstGeom>
+              <a:blipFill>
+                <a:blip r:embed="rId9"/>
+                <a:stretch>
+                  <a:fillRect l="-18750" r="-10417" b="-15556"/>
+                </a:stretch>
+              </a:blipFill>
+            </p:spPr>
+            <p:txBody>
+              <a:bodyPr/>
+              <a:lstStyle/>
+              <a:p>
+                <a:r>
+                  <a:rPr lang="en-US">
+                    <a:noFill/>
+                  </a:rPr>
+                  <a:t> </a:t>
+                </a:r>
+              </a:p>
+            </p:txBody>
+          </p:sp>
+        </mc:Fallback>
+      </mc:AlternateContent>
+      <mc:AlternateContent xmlns:mc="http://schemas.openxmlformats.org/markup-compatibility/2006">
+        <mc:Choice xmlns:a14="http://schemas.microsoft.com/office/drawing/2010/main" Requires="a14">
+          <p:sp>
+            <p:nvSpPr>
+              <p:cNvPr id="87" name="TextBox 86">
+                <a:extLst>
+                  <a:ext uri="{FF2B5EF4-FFF2-40B4-BE49-F238E27FC236}">
+                    <a16:creationId xmlns:a16="http://schemas.microsoft.com/office/drawing/2014/main" id="{328A8575-D48B-380F-BCC4-59546C39E792}"/>
+                  </a:ext>
+                </a:extLst>
+              </p:cNvPr>
+              <p:cNvSpPr txBox="1"/>
+              <p:nvPr/>
+            </p:nvSpPr>
+            <p:spPr>
+              <a:xfrm>
+                <a:off x="9806570" y="2585542"/>
+                <a:ext cx="446469" cy="276999"/>
+              </a:xfrm>
+              <a:prstGeom prst="rect">
+                <a:avLst/>
+              </a:prstGeom>
+              <a:noFill/>
+            </p:spPr>
+            <p:txBody>
+              <a:bodyPr wrap="none" lIns="0" tIns="0" rIns="0" bIns="0" rtlCol="0">
+                <a:spAutoFit/>
+              </a:bodyPr>
+              <a:lstStyle/>
+              <a:p>
+                <a:r>
+                  <a:rPr lang="en-US" b="0" dirty="0"/>
+                  <a:t>g</a:t>
+                </a:r>
+                <a14:m>
+                  <m:oMath xmlns:m="http://schemas.openxmlformats.org/officeDocument/2006/math">
+                    <m:r>
+                      <a:rPr lang="en-US" b="0" i="1" smtClean="0">
+                        <a:latin typeface="Cambria Math" panose="02040503050406030204" pitchFamily="18" charset="0"/>
+                      </a:rPr>
+                      <m:t>(</m:t>
+                    </m:r>
+                    <m:r>
+                      <a:rPr lang="en-US" b="0" i="1" smtClean="0">
+                        <a:latin typeface="Cambria Math" panose="02040503050406030204" pitchFamily="18" charset="0"/>
+                      </a:rPr>
+                      <m:t>𝑍</m:t>
+                    </m:r>
+                    <m:r>
+                      <a:rPr lang="en-US" b="0" i="1" smtClean="0">
+                        <a:latin typeface="Cambria Math" panose="02040503050406030204" pitchFamily="18" charset="0"/>
+                      </a:rPr>
+                      <m:t>)</m:t>
+                    </m:r>
+                  </m:oMath>
+                </a14:m>
+                <a:endParaRPr lang="en-US" dirty="0"/>
+              </a:p>
+            </p:txBody>
+          </p:sp>
+        </mc:Choice>
+        <mc:Fallback>
+          <p:sp>
+            <p:nvSpPr>
+              <p:cNvPr id="87" name="TextBox 86">
+                <a:extLst>
+                  <a:ext uri="{FF2B5EF4-FFF2-40B4-BE49-F238E27FC236}">
+                    <a16:creationId xmlns:a16="http://schemas.microsoft.com/office/drawing/2014/main" id="{328A8575-D48B-380F-BCC4-59546C39E792}"/>
+                  </a:ext>
+                </a:extLst>
+              </p:cNvPr>
+              <p:cNvSpPr txBox="1">
+                <a:spLocks noRot="1" noChangeAspect="1" noMove="1" noResize="1" noEditPoints="1" noAdjustHandles="1" noChangeArrowheads="1" noChangeShapeType="1" noTextEdit="1"/>
+              </p:cNvSpPr>
+              <p:nvPr/>
+            </p:nvSpPr>
+            <p:spPr>
+              <a:xfrm>
+                <a:off x="9806570" y="2585542"/>
+                <a:ext cx="446469" cy="276999"/>
+              </a:xfrm>
+              <a:prstGeom prst="rect">
+                <a:avLst/>
+              </a:prstGeom>
+              <a:blipFill>
+                <a:blip r:embed="rId10"/>
+                <a:stretch>
+                  <a:fillRect l="-32877" t="-26087" r="-24658" b="-52174"/>
+                </a:stretch>
+              </a:blipFill>
+            </p:spPr>
+            <p:txBody>
+              <a:bodyPr/>
+              <a:lstStyle/>
+              <a:p>
+                <a:r>
+                  <a:rPr lang="en-US">
+                    <a:noFill/>
+                  </a:rPr>
+                  <a:t> </a:t>
+                </a:r>
+              </a:p>
+            </p:txBody>
+          </p:sp>
+        </mc:Fallback>
+      </mc:AlternateContent>
+      <p:cxnSp>
+        <p:nvCxnSpPr>
+          <p:cNvPr id="3" name="Connector: Elbow 2">
+            <a:extLst>
+              <a:ext uri="{FF2B5EF4-FFF2-40B4-BE49-F238E27FC236}">
+                <a16:creationId xmlns:a16="http://schemas.microsoft.com/office/drawing/2014/main" id="{CFED6706-D67C-25D5-BCDD-92F0713BCB00}"/>
+              </a:ext>
+            </a:extLst>
+          </p:cNvPr>
+          <p:cNvCxnSpPr>
+            <a:cxnSpLocks/>
+            <a:stCxn id="87" idx="2"/>
+          </p:cNvCxnSpPr>
+          <p:nvPr/>
+        </p:nvCxnSpPr>
+        <p:spPr>
+          <a:xfrm rot="5400000">
+            <a:off x="5594021" y="347001"/>
+            <a:ext cx="1920245" cy="6951325"/>
+          </a:xfrm>
+          <a:prstGeom prst="bentConnector2">
+            <a:avLst/>
+          </a:prstGeom>
+          <a:ln>
+            <a:tailEnd type="triangle"/>
+          </a:ln>
+        </p:spPr>
+        <p:style>
+          <a:lnRef idx="2">
+            <a:schemeClr val="dk1"/>
+          </a:lnRef>
+          <a:fillRef idx="0">
+            <a:schemeClr val="dk1"/>
+          </a:fillRef>
+          <a:effectRef idx="1">
+            <a:schemeClr val="dk1"/>
+          </a:effectRef>
+          <a:fontRef idx="minor">
+            <a:schemeClr val="tx1"/>
+          </a:fontRef>
+        </p:style>
+      </p:cxnSp>
+      <mc:AlternateContent xmlns:mc="http://schemas.openxmlformats.org/markup-compatibility/2006">
+        <mc:Choice xmlns:a14="http://schemas.microsoft.com/office/drawing/2010/main" Requires="a14">
+          <p:sp>
+            <p:nvSpPr>
+              <p:cNvPr id="7" name="TextBox 6">
+                <a:extLst>
+                  <a:ext uri="{FF2B5EF4-FFF2-40B4-BE49-F238E27FC236}">
+                    <a16:creationId xmlns:a16="http://schemas.microsoft.com/office/drawing/2014/main" id="{90A12DC9-94B2-8B2D-F307-FCE9982BF943}"/>
+                  </a:ext>
+                </a:extLst>
+              </p:cNvPr>
+              <p:cNvSpPr txBox="1"/>
+              <p:nvPr/>
+            </p:nvSpPr>
+            <p:spPr>
+              <a:xfrm>
+                <a:off x="4913548" y="4862930"/>
+                <a:ext cx="2338589" cy="525913"/>
+              </a:xfrm>
+              <a:prstGeom prst="rect">
+                <a:avLst/>
+              </a:prstGeom>
+              <a:noFill/>
+            </p:spPr>
+            <p:txBody>
+              <a:bodyPr wrap="none" lIns="0" tIns="0" rIns="0" bIns="0" rtlCol="0">
+                <a:spAutoFit/>
+              </a:bodyPr>
+              <a:lstStyle/>
+              <a:p>
+                <a14:m>
+                  <m:oMathPara xmlns:m="http://schemas.openxmlformats.org/officeDocument/2006/math">
+                    <m:oMathParaPr>
+                      <m:jc m:val="centerGroup"/>
+                    </m:oMathParaPr>
+                    <m:oMath xmlns:m="http://schemas.openxmlformats.org/officeDocument/2006/math">
+                      <m:sSub>
+                        <m:sSubPr>
+                          <m:ctrlPr>
+                            <a:rPr lang="en-US" b="0" i="1" smtClean="0">
+                              <a:latin typeface="Cambria Math" panose="02040503050406030204" pitchFamily="18" charset="0"/>
+                            </a:rPr>
+                          </m:ctrlPr>
+                        </m:sSubPr>
+                        <m:e>
+                          <m:r>
+                            <a:rPr lang="en-US" b="0" i="1" smtClean="0">
+                              <a:latin typeface="Cambria Math" panose="02040503050406030204" pitchFamily="18" charset="0"/>
+                            </a:rPr>
+                            <m:t>𝑊</m:t>
+                          </m:r>
+                        </m:e>
+                        <m:sub>
+                          <m:r>
+                            <a:rPr lang="en-US" b="0" i="1" smtClean="0">
+                              <a:latin typeface="Cambria Math" panose="02040503050406030204" pitchFamily="18" charset="0"/>
+                            </a:rPr>
+                            <m:t>𝑛𝑒𝑤</m:t>
+                          </m:r>
+                        </m:sub>
+                      </m:sSub>
+                      <m:r>
+                        <a:rPr lang="en-US" b="0" i="1" smtClean="0">
+                          <a:latin typeface="Cambria Math" panose="02040503050406030204" pitchFamily="18" charset="0"/>
+                        </a:rPr>
+                        <m:t>=</m:t>
+                      </m:r>
+                      <m:sSub>
+                        <m:sSubPr>
+                          <m:ctrlPr>
+                            <a:rPr lang="en-US" b="0" i="1" smtClean="0">
+                              <a:latin typeface="Cambria Math" panose="02040503050406030204" pitchFamily="18" charset="0"/>
+                            </a:rPr>
+                          </m:ctrlPr>
+                        </m:sSubPr>
+                        <m:e>
+                          <m:r>
+                            <a:rPr lang="en-US" b="0" i="1" smtClean="0">
+                              <a:latin typeface="Cambria Math" panose="02040503050406030204" pitchFamily="18" charset="0"/>
+                            </a:rPr>
+                            <m:t>𝑊</m:t>
+                          </m:r>
+                        </m:e>
+                        <m:sub>
+                          <m:r>
+                            <a:rPr lang="en-US" b="0" i="1" smtClean="0">
+                              <a:latin typeface="Cambria Math" panose="02040503050406030204" pitchFamily="18" charset="0"/>
+                            </a:rPr>
+                            <m:t>𝑜𝑙𝑑</m:t>
+                          </m:r>
+                        </m:sub>
+                      </m:sSub>
+                      <m:r>
+                        <a:rPr lang="en-US" b="0" i="1" smtClean="0">
+                          <a:latin typeface="Cambria Math" panose="02040503050406030204" pitchFamily="18" charset="0"/>
+                        </a:rPr>
+                        <m:t>−</m:t>
+                      </m:r>
+                      <m:r>
+                        <a:rPr lang="en-US" b="0" i="1" smtClean="0">
+                          <a:latin typeface="Cambria Math" panose="02040503050406030204" pitchFamily="18" charset="0"/>
+                          <a:ea typeface="Cambria Math" panose="02040503050406030204" pitchFamily="18" charset="0"/>
+                        </a:rPr>
+                        <m:t>𝛽</m:t>
+                      </m:r>
+                      <m:r>
+                        <a:rPr lang="en-US" b="0" i="1" smtClean="0">
+                          <a:latin typeface="Cambria Math" panose="02040503050406030204" pitchFamily="18" charset="0"/>
+                          <a:ea typeface="Cambria Math" panose="02040503050406030204" pitchFamily="18" charset="0"/>
+                        </a:rPr>
+                        <m:t>∗</m:t>
+                      </m:r>
+                      <m:f>
+                        <m:fPr>
+                          <m:ctrlPr>
+                            <a:rPr lang="en-US" b="0" i="1" smtClean="0">
+                              <a:latin typeface="Cambria Math" panose="02040503050406030204" pitchFamily="18" charset="0"/>
+                              <a:ea typeface="Cambria Math" panose="02040503050406030204" pitchFamily="18" charset="0"/>
+                            </a:rPr>
+                          </m:ctrlPr>
+                        </m:fPr>
+                        <m:num>
+                          <m:r>
+                            <a:rPr lang="en-US" b="0" i="1" smtClean="0">
+                              <a:latin typeface="Cambria Math" panose="02040503050406030204" pitchFamily="18" charset="0"/>
+                              <a:ea typeface="Cambria Math" panose="02040503050406030204" pitchFamily="18" charset="0"/>
+                            </a:rPr>
+                            <m:t>ⅆ</m:t>
+                          </m:r>
+                          <m:r>
+                            <a:rPr lang="en-US" b="0" i="1" smtClean="0">
+                              <a:latin typeface="Cambria Math" panose="02040503050406030204" pitchFamily="18" charset="0"/>
+                              <a:ea typeface="Cambria Math" panose="02040503050406030204" pitchFamily="18" charset="0"/>
+                            </a:rPr>
+                            <m:t>𝐿</m:t>
+                          </m:r>
+                        </m:num>
+                        <m:den>
+                          <m:r>
+                            <a:rPr lang="en-US" b="0" i="1" smtClean="0">
+                              <a:latin typeface="Cambria Math" panose="02040503050406030204" pitchFamily="18" charset="0"/>
+                              <a:ea typeface="Cambria Math" panose="02040503050406030204" pitchFamily="18" charset="0"/>
+                            </a:rPr>
+                            <m:t>𝑑𝑊</m:t>
+                          </m:r>
+                        </m:den>
+                      </m:f>
+                    </m:oMath>
+                  </m:oMathPara>
+                </a14:m>
+                <a:endParaRPr lang="en-US" dirty="0"/>
+              </a:p>
+            </p:txBody>
+          </p:sp>
+        </mc:Choice>
+        <mc:Fallback>
+          <p:sp>
+            <p:nvSpPr>
+              <p:cNvPr id="7" name="TextBox 6">
+                <a:extLst>
+                  <a:ext uri="{FF2B5EF4-FFF2-40B4-BE49-F238E27FC236}">
+                    <a16:creationId xmlns:a16="http://schemas.microsoft.com/office/drawing/2014/main" id="{90A12DC9-94B2-8B2D-F307-FCE9982BF943}"/>
+                  </a:ext>
+                </a:extLst>
+              </p:cNvPr>
+              <p:cNvSpPr txBox="1">
+                <a:spLocks noRot="1" noChangeAspect="1" noMove="1" noResize="1" noEditPoints="1" noAdjustHandles="1" noChangeArrowheads="1" noChangeShapeType="1" noTextEdit="1"/>
+              </p:cNvSpPr>
+              <p:nvPr/>
+            </p:nvSpPr>
+            <p:spPr>
+              <a:xfrm>
+                <a:off x="4913548" y="4862930"/>
+                <a:ext cx="2338589" cy="525913"/>
+              </a:xfrm>
+              <a:prstGeom prst="rect">
+                <a:avLst/>
+              </a:prstGeom>
+              <a:blipFill>
+                <a:blip r:embed="rId11"/>
+                <a:stretch>
+                  <a:fillRect/>
+                </a:stretch>
+              </a:blipFill>
+            </p:spPr>
+            <p:txBody>
+              <a:bodyPr/>
+              <a:lstStyle/>
+              <a:p>
+                <a:r>
+                  <a:rPr lang="en-US">
+                    <a:noFill/>
+                  </a:rPr>
+                  <a:t> </a:t>
+                </a:r>
+              </a:p>
+            </p:txBody>
+          </p:sp>
+        </mc:Fallback>
+      </mc:AlternateContent>
+      <mc:AlternateContent xmlns:mc="http://schemas.openxmlformats.org/markup-compatibility/2006">
+        <mc:Choice xmlns:a14="http://schemas.microsoft.com/office/drawing/2010/main" Requires="a14">
+          <p:sp>
+            <p:nvSpPr>
+              <p:cNvPr id="8" name="TextBox 7">
+                <a:extLst>
+                  <a:ext uri="{FF2B5EF4-FFF2-40B4-BE49-F238E27FC236}">
+                    <a16:creationId xmlns:a16="http://schemas.microsoft.com/office/drawing/2014/main" id="{EA664FE7-315F-2814-FC5A-4A332AA7434C}"/>
+                  </a:ext>
+                </a:extLst>
+              </p:cNvPr>
+              <p:cNvSpPr txBox="1"/>
+              <p:nvPr/>
+            </p:nvSpPr>
+            <p:spPr>
+              <a:xfrm>
+                <a:off x="7846876" y="4921286"/>
+                <a:ext cx="3971344" cy="276999"/>
+              </a:xfrm>
+              <a:prstGeom prst="rect">
+                <a:avLst/>
+              </a:prstGeom>
+              <a:noFill/>
+            </p:spPr>
+            <p:txBody>
+              <a:bodyPr wrap="none" lIns="0" tIns="0" rIns="0" bIns="0" rtlCol="0">
+                <a:spAutoFit/>
+              </a:bodyPr>
+              <a:lstStyle/>
+              <a:p>
+                <a14:m>
+                  <m:oMathPara xmlns:m="http://schemas.openxmlformats.org/officeDocument/2006/math">
+                    <m:oMathParaPr>
+                      <m:jc m:val="centerGroup"/>
+                    </m:oMathParaPr>
+                    <m:oMath xmlns:m="http://schemas.openxmlformats.org/officeDocument/2006/math">
+                      <m:r>
+                        <a:rPr lang="en-US" b="0" i="1" smtClean="0">
+                          <a:latin typeface="Cambria Math" panose="02040503050406030204" pitchFamily="18" charset="0"/>
+                        </a:rPr>
+                        <m:t>𝐿</m:t>
+                      </m:r>
+                      <m:r>
+                        <a:rPr lang="en-US" b="0" i="1" smtClean="0">
+                          <a:latin typeface="Cambria Math" panose="02040503050406030204" pitchFamily="18" charset="0"/>
+                        </a:rPr>
+                        <m:t>=−</m:t>
+                      </m:r>
+                      <m:r>
+                        <a:rPr lang="en-US" b="0" i="1" smtClean="0">
+                          <a:latin typeface="Cambria Math" panose="02040503050406030204" pitchFamily="18" charset="0"/>
+                        </a:rPr>
+                        <m:t>𝑦</m:t>
+                      </m:r>
+                      <m:func>
+                        <m:funcPr>
+                          <m:ctrlPr>
+                            <a:rPr lang="en-US" b="0" i="1" smtClean="0">
+                              <a:latin typeface="Cambria Math" panose="02040503050406030204" pitchFamily="18" charset="0"/>
+                            </a:rPr>
+                          </m:ctrlPr>
+                        </m:funcPr>
+                        <m:fName>
+                          <m:r>
+                            <m:rPr>
+                              <m:sty m:val="p"/>
+                            </m:rPr>
+                            <a:rPr lang="en-US" b="0" i="0" smtClean="0">
+                              <a:latin typeface="Cambria Math" panose="02040503050406030204" pitchFamily="18" charset="0"/>
+                            </a:rPr>
+                            <m:t>log</m:t>
+                          </m:r>
+                        </m:fName>
+                        <m:e>
+                          <m:r>
+                            <a:rPr lang="en-US" b="0" i="1" smtClean="0">
+                              <a:latin typeface="Cambria Math" panose="02040503050406030204" pitchFamily="18" charset="0"/>
+                            </a:rPr>
+                            <m:t>(</m:t>
+                          </m:r>
+                          <m:r>
+                            <a:rPr lang="en-US" b="0" i="1" smtClean="0">
+                              <a:latin typeface="Cambria Math" panose="02040503050406030204" pitchFamily="18" charset="0"/>
+                            </a:rPr>
+                            <m:t>𝑝</m:t>
+                          </m:r>
+                          <m:d>
+                            <m:dPr>
+                              <m:ctrlPr>
+                                <a:rPr lang="en-US" b="0" i="1" smtClean="0">
+                                  <a:latin typeface="Cambria Math" panose="02040503050406030204" pitchFamily="18" charset="0"/>
+                                </a:rPr>
+                              </m:ctrlPr>
+                            </m:dPr>
+                            <m:e>
+                              <m:acc>
+                                <m:accPr>
+                                  <m:chr m:val="̂"/>
+                                  <m:ctrlPr>
+                                    <a:rPr lang="en-US" b="0" i="1" smtClean="0">
+                                      <a:latin typeface="Cambria Math" panose="02040503050406030204" pitchFamily="18" charset="0"/>
+                                    </a:rPr>
+                                  </m:ctrlPr>
+                                </m:accPr>
+                                <m:e>
+                                  <m:r>
+                                    <a:rPr lang="en-US" b="0" i="1" smtClean="0">
+                                      <a:latin typeface="Cambria Math" panose="02040503050406030204" pitchFamily="18" charset="0"/>
+                                    </a:rPr>
+                                    <m:t>𝑦</m:t>
+                                  </m:r>
+                                </m:e>
+                              </m:acc>
+                            </m:e>
+                          </m:d>
+                        </m:e>
+                      </m:func>
+                      <m:r>
+                        <a:rPr lang="en-US" b="0" i="1" smtClean="0">
+                          <a:latin typeface="Cambria Math" panose="02040503050406030204" pitchFamily="18" charset="0"/>
+                        </a:rPr>
+                        <m:t>−</m:t>
+                      </m:r>
+                      <m:d>
+                        <m:dPr>
+                          <m:ctrlPr>
+                            <a:rPr lang="en-US" b="0" i="1" smtClean="0">
+                              <a:latin typeface="Cambria Math" panose="02040503050406030204" pitchFamily="18" charset="0"/>
+                            </a:rPr>
+                          </m:ctrlPr>
+                        </m:dPr>
+                        <m:e>
+                          <m:r>
+                            <a:rPr lang="en-US" b="0" i="1" smtClean="0">
+                              <a:latin typeface="Cambria Math" panose="02040503050406030204" pitchFamily="18" charset="0"/>
+                            </a:rPr>
+                            <m:t>1−</m:t>
+                          </m:r>
+                          <m:r>
+                            <a:rPr lang="en-US" b="0" i="1" smtClean="0">
+                              <a:latin typeface="Cambria Math" panose="02040503050406030204" pitchFamily="18" charset="0"/>
+                            </a:rPr>
+                            <m:t>𝑦</m:t>
+                          </m:r>
+                        </m:e>
+                      </m:d>
+                      <m:func>
+                        <m:funcPr>
+                          <m:ctrlPr>
+                            <a:rPr lang="en-US" b="0" i="1" smtClean="0">
+                              <a:latin typeface="Cambria Math" panose="02040503050406030204" pitchFamily="18" charset="0"/>
+                            </a:rPr>
+                          </m:ctrlPr>
+                        </m:funcPr>
+                        <m:fName>
+                          <m:r>
+                            <m:rPr>
+                              <m:sty m:val="p"/>
+                            </m:rPr>
+                            <a:rPr lang="en-US" b="0" i="0" smtClean="0">
+                              <a:latin typeface="Cambria Math" panose="02040503050406030204" pitchFamily="18" charset="0"/>
+                            </a:rPr>
+                            <m:t>log</m:t>
+                          </m:r>
+                        </m:fName>
+                        <m:e>
+                          <m:r>
+                            <a:rPr lang="en-US" b="0" i="1" smtClean="0">
+                              <a:latin typeface="Cambria Math" panose="02040503050406030204" pitchFamily="18" charset="0"/>
+                            </a:rPr>
+                            <m:t>(</m:t>
+                          </m:r>
+                          <m:r>
+                            <a:rPr lang="en-US" b="0" i="1" smtClean="0">
+                              <a:latin typeface="Cambria Math" panose="02040503050406030204" pitchFamily="18" charset="0"/>
+                            </a:rPr>
+                            <m:t>𝑝</m:t>
+                          </m:r>
+                          <m:r>
+                            <a:rPr lang="en-US" b="0" i="1" smtClean="0">
+                              <a:latin typeface="Cambria Math" panose="02040503050406030204" pitchFamily="18" charset="0"/>
+                            </a:rPr>
+                            <m:t>(1−</m:t>
+                          </m:r>
+                          <m:acc>
+                            <m:accPr>
+                              <m:chr m:val="̂"/>
+                              <m:ctrlPr>
+                                <a:rPr lang="en-US" b="0" i="1" smtClean="0">
+                                  <a:latin typeface="Cambria Math" panose="02040503050406030204" pitchFamily="18" charset="0"/>
+                                </a:rPr>
+                              </m:ctrlPr>
+                            </m:accPr>
+                            <m:e>
+                              <m:r>
+                                <a:rPr lang="en-US" b="0" i="1" smtClean="0">
+                                  <a:latin typeface="Cambria Math" panose="02040503050406030204" pitchFamily="18" charset="0"/>
+                                </a:rPr>
+                                <m:t>𝑦</m:t>
+                              </m:r>
+                            </m:e>
+                          </m:acc>
+                          <m:r>
+                            <a:rPr lang="en-US" b="0" i="1" smtClean="0">
+                              <a:latin typeface="Cambria Math" panose="02040503050406030204" pitchFamily="18" charset="0"/>
+                            </a:rPr>
+                            <m:t>)</m:t>
+                          </m:r>
+                        </m:e>
+                      </m:func>
+                    </m:oMath>
+                  </m:oMathPara>
+                </a14:m>
+                <a:endParaRPr lang="en-US" dirty="0"/>
+              </a:p>
+            </p:txBody>
+          </p:sp>
+        </mc:Choice>
+        <mc:Fallback>
+          <p:sp>
+            <p:nvSpPr>
+              <p:cNvPr id="8" name="TextBox 7">
+                <a:extLst>
+                  <a:ext uri="{FF2B5EF4-FFF2-40B4-BE49-F238E27FC236}">
+                    <a16:creationId xmlns:a16="http://schemas.microsoft.com/office/drawing/2014/main" id="{EA664FE7-315F-2814-FC5A-4A332AA7434C}"/>
+                  </a:ext>
+                </a:extLst>
+              </p:cNvPr>
+              <p:cNvSpPr txBox="1">
+                <a:spLocks noRot="1" noChangeAspect="1" noMove="1" noResize="1" noEditPoints="1" noAdjustHandles="1" noChangeArrowheads="1" noChangeShapeType="1" noTextEdit="1"/>
+              </p:cNvSpPr>
+              <p:nvPr/>
+            </p:nvSpPr>
+            <p:spPr>
+              <a:xfrm>
+                <a:off x="7846876" y="4921286"/>
+                <a:ext cx="3971344" cy="276999"/>
+              </a:xfrm>
+              <a:prstGeom prst="rect">
+                <a:avLst/>
+              </a:prstGeom>
+              <a:blipFill>
+                <a:blip r:embed="rId12"/>
+                <a:stretch>
+                  <a:fillRect l="-920" t="-23913" r="-5521" b="-32609"/>
+                </a:stretch>
+              </a:blipFill>
+            </p:spPr>
+            <p:txBody>
+              <a:bodyPr/>
+              <a:lstStyle/>
+              <a:p>
+                <a:r>
+                  <a:rPr lang="en-US">
+                    <a:noFill/>
+                  </a:rPr>
+                  <a:t> </a:t>
+                </a:r>
+              </a:p>
+            </p:txBody>
+          </p:sp>
+        </mc:Fallback>
+      </mc:AlternateContent>
+      <mc:AlternateContent xmlns:mc="http://schemas.openxmlformats.org/markup-compatibility/2006">
+        <mc:Choice xmlns:a14="http://schemas.microsoft.com/office/drawing/2010/main" Requires="a14">
+          <p:sp>
+            <p:nvSpPr>
+              <p:cNvPr id="9" name="TextBox 8">
+                <a:extLst>
+                  <a:ext uri="{FF2B5EF4-FFF2-40B4-BE49-F238E27FC236}">
+                    <a16:creationId xmlns:a16="http://schemas.microsoft.com/office/drawing/2014/main" id="{ED02C262-7DEE-3967-40D5-30E57ECF0138}"/>
+                  </a:ext>
+                </a:extLst>
+              </p:cNvPr>
+              <p:cNvSpPr txBox="1"/>
+              <p:nvPr/>
+            </p:nvSpPr>
+            <p:spPr>
+              <a:xfrm>
+                <a:off x="7846876" y="5222526"/>
+                <a:ext cx="1514069" cy="276999"/>
+              </a:xfrm>
+              <a:prstGeom prst="rect">
+                <a:avLst/>
+              </a:prstGeom>
+              <a:noFill/>
+            </p:spPr>
+            <p:txBody>
+              <a:bodyPr wrap="none" lIns="0" tIns="0" rIns="0" bIns="0" rtlCol="0">
+                <a:spAutoFit/>
+              </a:bodyPr>
+              <a:lstStyle/>
+              <a:p>
+                <a14:m>
+                  <m:oMathPara xmlns:m="http://schemas.openxmlformats.org/officeDocument/2006/math">
+                    <m:oMathParaPr>
+                      <m:jc m:val="centerGroup"/>
+                    </m:oMathParaPr>
+                    <m:oMath xmlns:m="http://schemas.openxmlformats.org/officeDocument/2006/math">
+                      <m:acc>
+                        <m:accPr>
+                          <m:chr m:val="̂"/>
+                          <m:ctrlPr>
+                            <a:rPr lang="en-US" b="0" i="1" smtClean="0">
+                              <a:latin typeface="Cambria Math" panose="02040503050406030204" pitchFamily="18" charset="0"/>
+                            </a:rPr>
+                          </m:ctrlPr>
+                        </m:accPr>
+                        <m:e>
+                          <m:r>
+                            <a:rPr lang="en-US" b="0" i="1" smtClean="0">
+                              <a:latin typeface="Cambria Math" panose="02040503050406030204" pitchFamily="18" charset="0"/>
+                            </a:rPr>
+                            <m:t>𝑦</m:t>
+                          </m:r>
+                        </m:e>
+                      </m:acc>
+                      <m:r>
+                        <a:rPr lang="en-US" b="0" i="1" smtClean="0">
+                          <a:latin typeface="Cambria Math" panose="02040503050406030204" pitchFamily="18" charset="0"/>
+                        </a:rPr>
+                        <m:t>=</m:t>
+                      </m:r>
+                      <m:r>
+                        <a:rPr lang="en-US" b="0" i="1" smtClean="0">
+                          <a:latin typeface="Cambria Math" panose="02040503050406030204" pitchFamily="18" charset="0"/>
+                        </a:rPr>
+                        <m:t>𝑊</m:t>
+                      </m:r>
+                      <m:r>
+                        <a:rPr lang="en-US" b="0" i="1" smtClean="0">
+                          <a:latin typeface="Cambria Math" panose="02040503050406030204" pitchFamily="18" charset="0"/>
+                        </a:rPr>
+                        <m:t>∗</m:t>
+                      </m:r>
+                      <m:r>
+                        <a:rPr lang="en-US" b="0" i="1" smtClean="0">
+                          <a:latin typeface="Cambria Math" panose="02040503050406030204" pitchFamily="18" charset="0"/>
+                        </a:rPr>
+                        <m:t>𝑋</m:t>
+                      </m:r>
+                      <m:r>
+                        <a:rPr lang="en-US" b="0" i="1" smtClean="0">
+                          <a:latin typeface="Cambria Math" panose="02040503050406030204" pitchFamily="18" charset="0"/>
+                        </a:rPr>
+                        <m:t>+</m:t>
+                      </m:r>
+                      <m:r>
+                        <a:rPr lang="en-US" b="0" i="1" smtClean="0">
+                          <a:latin typeface="Cambria Math" panose="02040503050406030204" pitchFamily="18" charset="0"/>
+                        </a:rPr>
+                        <m:t>𝐵</m:t>
+                      </m:r>
+                    </m:oMath>
+                  </m:oMathPara>
+                </a14:m>
+                <a:endParaRPr lang="en-US" dirty="0"/>
+              </a:p>
+            </p:txBody>
+          </p:sp>
+        </mc:Choice>
+        <mc:Fallback>
+          <p:sp>
+            <p:nvSpPr>
+              <p:cNvPr id="9" name="TextBox 8">
+                <a:extLst>
+                  <a:ext uri="{FF2B5EF4-FFF2-40B4-BE49-F238E27FC236}">
+                    <a16:creationId xmlns:a16="http://schemas.microsoft.com/office/drawing/2014/main" id="{ED02C262-7DEE-3967-40D5-30E57ECF0138}"/>
+                  </a:ext>
+                </a:extLst>
+              </p:cNvPr>
+              <p:cNvSpPr txBox="1">
+                <a:spLocks noRot="1" noChangeAspect="1" noMove="1" noResize="1" noEditPoints="1" noAdjustHandles="1" noChangeArrowheads="1" noChangeShapeType="1" noTextEdit="1"/>
+              </p:cNvSpPr>
+              <p:nvPr/>
+            </p:nvSpPr>
+            <p:spPr>
+              <a:xfrm>
+                <a:off x="7846876" y="5222526"/>
+                <a:ext cx="1514069" cy="276999"/>
+              </a:xfrm>
+              <a:prstGeom prst="rect">
+                <a:avLst/>
+              </a:prstGeom>
+              <a:blipFill>
+                <a:blip r:embed="rId13"/>
+                <a:stretch>
+                  <a:fillRect l="-3614" t="-26667" r="-3213" b="-26667"/>
+                </a:stretch>
+              </a:blipFill>
+            </p:spPr>
+            <p:txBody>
+              <a:bodyPr/>
+              <a:lstStyle/>
+              <a:p>
+                <a:r>
+                  <a:rPr lang="en-US">
+                    <a:noFill/>
+                  </a:rPr>
+                  <a:t> </a:t>
+                </a:r>
+              </a:p>
+            </p:txBody>
+          </p:sp>
+        </mc:Fallback>
+      </mc:AlternateContent>
+    </p:spTree>
+    <p:extLst>
+      <p:ext uri="{BB962C8B-B14F-4D97-AF65-F5344CB8AC3E}">
+        <p14:creationId xmlns:p14="http://schemas.microsoft.com/office/powerpoint/2010/main" val="3538182598"/>
+      </p:ext>
+    </p:extLst>
+  </p:cSld>
+  <p:clrMapOvr>
+    <a:masterClrMapping/>
+  </p:clrMapOvr>
+</p:sld>
+</file>
+
+<file path=ppt/slides/slide5.xml><?xml version="1.0" encoding="utf-8"?>
+<p:sld xmlns:a="http://schemas.openxmlformats.org/drawingml/2006/main" xmlns:r="http://schemas.openxmlformats.org/officeDocument/2006/relationships" xmlns:p="http://schemas.openxmlformats.org/presentationml/2006/main">
+  <p:cSld>
+    <p:spTree>
+      <p:nvGrpSpPr>
+        <p:cNvPr id="1" name=""/>
+        <p:cNvGrpSpPr/>
+        <p:nvPr/>
+      </p:nvGrpSpPr>
+      <p:grpSpPr>
+        <a:xfrm>
+          <a:off x="0" y="0"/>
+          <a:ext cx="0" cy="0"/>
+          <a:chOff x="0" y="0"/>
+          <a:chExt cx="0" cy="0"/>
+        </a:xfrm>
+      </p:grpSpPr>
+      <p:sp>
+        <p:nvSpPr>
+          <p:cNvPr id="4" name="TextBox 3">
+            <a:extLst>
+              <a:ext uri="{FF2B5EF4-FFF2-40B4-BE49-F238E27FC236}">
+                <a16:creationId xmlns:a16="http://schemas.microsoft.com/office/drawing/2014/main" id="{4C61ACD8-C096-29CB-FCF1-9323A76A3BE6}"/>
+              </a:ext>
+            </a:extLst>
+          </p:cNvPr>
+          <p:cNvSpPr txBox="1"/>
+          <p:nvPr/>
+        </p:nvSpPr>
+        <p:spPr>
+          <a:xfrm>
+            <a:off x="4849769" y="274320"/>
+            <a:ext cx="2492478" cy="461665"/>
+          </a:xfrm>
+          <a:prstGeom prst="rect">
+            <a:avLst/>
+          </a:prstGeom>
+          <a:noFill/>
+        </p:spPr>
+        <p:txBody>
+          <a:bodyPr wrap="square" rtlCol="0">
+            <a:spAutoFit/>
+          </a:bodyPr>
+          <a:lstStyle/>
+          <a:p>
+            <a:pPr algn="ctr"/>
+            <a:r>
+              <a:rPr lang="en-US" sz="2400" b="1" dirty="0"/>
+              <a:t>K-fold Validation</a:t>
+            </a:r>
+          </a:p>
+        </p:txBody>
+      </p:sp>
+      <p:graphicFrame>
+        <p:nvGraphicFramePr>
+          <p:cNvPr id="6" name="Table 5">
+            <a:extLst>
+              <a:ext uri="{FF2B5EF4-FFF2-40B4-BE49-F238E27FC236}">
+                <a16:creationId xmlns:a16="http://schemas.microsoft.com/office/drawing/2014/main" id="{0F407E3A-3170-95AD-E14C-FB6F5068F69E}"/>
+              </a:ext>
+            </a:extLst>
+          </p:cNvPr>
+          <p:cNvGraphicFramePr>
+            <a:graphicFrameLocks noGrp="1"/>
+          </p:cNvGraphicFramePr>
+          <p:nvPr>
+            <p:extLst>
+              <p:ext uri="{D42A27DB-BD31-4B8C-83A1-F6EECF244321}">
+                <p14:modId xmlns:p14="http://schemas.microsoft.com/office/powerpoint/2010/main" val="986577746"/>
+              </p:ext>
+            </p:extLst>
+          </p:nvPr>
+        </p:nvGraphicFramePr>
+        <p:xfrm>
+          <a:off x="1524000" y="963506"/>
+          <a:ext cx="9144000" cy="370840"/>
+        </p:xfrm>
+        <a:graphic>
+          <a:graphicData uri="http://schemas.openxmlformats.org/drawingml/2006/table">
+            <a:tbl>
+              <a:tblPr firstRow="1" bandRow="1">
+                <a:tableStyleId>{21E4AEA4-8DFA-4A89-87EB-49C32662AFE0}</a:tableStyleId>
+              </a:tblPr>
+              <a:tblGrid>
+                <a:gridCol w="9144000">
+                  <a:extLst>
+                    <a:ext uri="{9D8B030D-6E8A-4147-A177-3AD203B41FA5}">
+                      <a16:colId xmlns:a16="http://schemas.microsoft.com/office/drawing/2014/main" val="1656385218"/>
+                    </a:ext>
+                  </a:extLst>
+                </a:gridCol>
+              </a:tblGrid>
+              <a:tr h="370840">
+                <a:tc>
+                  <a:txBody>
+                    <a:bodyPr/>
+                    <a:lstStyle/>
+                    <a:p>
+                      <a:pPr algn="ctr"/>
+                      <a:r>
+                        <a:rPr lang="en-US" dirty="0"/>
+                        <a:t>Dataset</a:t>
+                      </a:r>
+                    </a:p>
+                  </a:txBody>
+                  <a:tcPr>
+                    <a:solidFill>
+                      <a:schemeClr val="accent6"/>
+                    </a:solidFill>
+                  </a:tcPr>
+                </a:tc>
+                <a:extLst>
+                  <a:ext uri="{0D108BD9-81ED-4DB2-BD59-A6C34878D82A}">
+                    <a16:rowId xmlns:a16="http://schemas.microsoft.com/office/drawing/2014/main" val="2851541762"/>
+                  </a:ext>
+                </a:extLst>
+              </a:tr>
+            </a:tbl>
+          </a:graphicData>
+        </a:graphic>
+      </p:graphicFrame>
+      <p:graphicFrame>
+        <p:nvGraphicFramePr>
+          <p:cNvPr id="7" name="Table 6">
+            <a:extLst>
+              <a:ext uri="{FF2B5EF4-FFF2-40B4-BE49-F238E27FC236}">
+                <a16:creationId xmlns:a16="http://schemas.microsoft.com/office/drawing/2014/main" id="{F4240051-A354-7D4C-A8E5-8F298AB01940}"/>
+              </a:ext>
+            </a:extLst>
+          </p:cNvPr>
+          <p:cNvGraphicFramePr>
+            <a:graphicFrameLocks noGrp="1"/>
+          </p:cNvGraphicFramePr>
+          <p:nvPr>
+            <p:extLst>
+              <p:ext uri="{D42A27DB-BD31-4B8C-83A1-F6EECF244321}">
+                <p14:modId xmlns:p14="http://schemas.microsoft.com/office/powerpoint/2010/main" val="2405606569"/>
+              </p:ext>
+            </p:extLst>
+          </p:nvPr>
+        </p:nvGraphicFramePr>
+        <p:xfrm>
+          <a:off x="1524000" y="1481666"/>
+          <a:ext cx="9144000" cy="370840"/>
+        </p:xfrm>
+        <a:graphic>
+          <a:graphicData uri="http://schemas.openxmlformats.org/drawingml/2006/table">
+            <a:tbl>
+              <a:tblPr firstRow="1" bandRow="1">
+                <a:tableStyleId>{93296810-A885-4BE3-A3E7-6D5BEEA58F35}</a:tableStyleId>
+              </a:tblPr>
+              <a:tblGrid>
+                <a:gridCol w="6400800">
+                  <a:extLst>
+                    <a:ext uri="{9D8B030D-6E8A-4147-A177-3AD203B41FA5}">
+                      <a16:colId xmlns:a16="http://schemas.microsoft.com/office/drawing/2014/main" val="3845504298"/>
+                    </a:ext>
+                  </a:extLst>
+                </a:gridCol>
+                <a:gridCol w="2743200">
+                  <a:extLst>
+                    <a:ext uri="{9D8B030D-6E8A-4147-A177-3AD203B41FA5}">
+                      <a16:colId xmlns:a16="http://schemas.microsoft.com/office/drawing/2014/main" val="145955788"/>
+                    </a:ext>
+                  </a:extLst>
+                </a:gridCol>
+              </a:tblGrid>
+              <a:tr h="370840">
+                <a:tc>
+                  <a:txBody>
+                    <a:bodyPr/>
+                    <a:lstStyle/>
+                    <a:p>
+                      <a:pPr algn="ctr"/>
+                      <a:r>
+                        <a:rPr lang="en-US" dirty="0"/>
+                        <a:t>Training Set</a:t>
+                      </a:r>
+                    </a:p>
+                  </a:txBody>
+                  <a:tcPr>
+                    <a:solidFill>
+                      <a:schemeClr val="accent4"/>
+                    </a:solidFill>
+                  </a:tcPr>
+                </a:tc>
+                <a:tc>
+                  <a:txBody>
+                    <a:bodyPr/>
+                    <a:lstStyle/>
+                    <a:p>
+                      <a:pPr algn="ctr"/>
+                      <a:r>
+                        <a:rPr lang="en-US" dirty="0"/>
+                        <a:t>Testing Set</a:t>
+                      </a:r>
+                    </a:p>
+                  </a:txBody>
+                  <a:tcPr>
+                    <a:solidFill>
+                      <a:schemeClr val="accent5"/>
+                    </a:solidFill>
+                  </a:tcPr>
+                </a:tc>
+                <a:extLst>
+                  <a:ext uri="{0D108BD9-81ED-4DB2-BD59-A6C34878D82A}">
+                    <a16:rowId xmlns:a16="http://schemas.microsoft.com/office/drawing/2014/main" val="1888353733"/>
+                  </a:ext>
+                </a:extLst>
+              </a:tr>
+            </a:tbl>
+          </a:graphicData>
+        </a:graphic>
+      </p:graphicFrame>
+      <p:graphicFrame>
+        <p:nvGraphicFramePr>
+          <p:cNvPr id="8" name="Table 7">
+            <a:extLst>
+              <a:ext uri="{FF2B5EF4-FFF2-40B4-BE49-F238E27FC236}">
+                <a16:creationId xmlns:a16="http://schemas.microsoft.com/office/drawing/2014/main" id="{1E497186-8625-300D-D5E1-9ECE594B46F4}"/>
+              </a:ext>
+            </a:extLst>
+          </p:cNvPr>
+          <p:cNvGraphicFramePr>
+            <a:graphicFrameLocks noGrp="1"/>
+          </p:cNvGraphicFramePr>
+          <p:nvPr>
+            <p:extLst>
+              <p:ext uri="{D42A27DB-BD31-4B8C-83A1-F6EECF244321}">
+                <p14:modId xmlns:p14="http://schemas.microsoft.com/office/powerpoint/2010/main" val="834131420"/>
+              </p:ext>
+            </p:extLst>
+          </p:nvPr>
+        </p:nvGraphicFramePr>
+        <p:xfrm>
+          <a:off x="1524000" y="1997053"/>
+          <a:ext cx="6400800" cy="370840"/>
+        </p:xfrm>
+        <a:graphic>
+          <a:graphicData uri="http://schemas.openxmlformats.org/drawingml/2006/table">
+            <a:tbl>
+              <a:tblPr firstRow="1" bandRow="1">
+                <a:tableStyleId>{5C22544A-7EE6-4342-B048-85BDC9FD1C3A}</a:tableStyleId>
+              </a:tblPr>
+              <a:tblGrid>
+                <a:gridCol w="1280160">
+                  <a:extLst>
+                    <a:ext uri="{9D8B030D-6E8A-4147-A177-3AD203B41FA5}">
+                      <a16:colId xmlns:a16="http://schemas.microsoft.com/office/drawing/2014/main" val="1930388377"/>
+                    </a:ext>
+                  </a:extLst>
+                </a:gridCol>
+                <a:gridCol w="1280160">
+                  <a:extLst>
+                    <a:ext uri="{9D8B030D-6E8A-4147-A177-3AD203B41FA5}">
+                      <a16:colId xmlns:a16="http://schemas.microsoft.com/office/drawing/2014/main" val="177161263"/>
+                    </a:ext>
+                  </a:extLst>
+                </a:gridCol>
+                <a:gridCol w="1280160">
+                  <a:extLst>
+                    <a:ext uri="{9D8B030D-6E8A-4147-A177-3AD203B41FA5}">
+                      <a16:colId xmlns:a16="http://schemas.microsoft.com/office/drawing/2014/main" val="1111425671"/>
+                    </a:ext>
+                  </a:extLst>
+                </a:gridCol>
+                <a:gridCol w="1280160">
+                  <a:extLst>
+                    <a:ext uri="{9D8B030D-6E8A-4147-A177-3AD203B41FA5}">
+                      <a16:colId xmlns:a16="http://schemas.microsoft.com/office/drawing/2014/main" val="2793085994"/>
+                    </a:ext>
+                  </a:extLst>
+                </a:gridCol>
+                <a:gridCol w="1280160">
+                  <a:extLst>
+                    <a:ext uri="{9D8B030D-6E8A-4147-A177-3AD203B41FA5}">
+                      <a16:colId xmlns:a16="http://schemas.microsoft.com/office/drawing/2014/main" val="117050268"/>
+                    </a:ext>
+                  </a:extLst>
+                </a:gridCol>
+              </a:tblGrid>
+              <a:tr h="370840">
+                <a:tc>
+                  <a:txBody>
+                    <a:bodyPr/>
+                    <a:lstStyle/>
+                    <a:p>
+                      <a:pPr algn="ctr"/>
+                      <a:r>
+                        <a:rPr lang="en-US" dirty="0"/>
+                        <a:t>Fold 1</a:t>
+                      </a:r>
+                    </a:p>
+                  </a:txBody>
+                  <a:tcPr>
+                    <a:solidFill>
+                      <a:schemeClr val="accent5"/>
+                    </a:solidFill>
+                  </a:tcPr>
+                </a:tc>
+                <a:tc>
+                  <a:txBody>
+                    <a:bodyPr/>
+                    <a:lstStyle/>
+                    <a:p>
+                      <a:pPr algn="ctr"/>
+                      <a:r>
+                        <a:rPr lang="en-US" dirty="0"/>
+                        <a:t>Fold 2</a:t>
+                      </a:r>
+                    </a:p>
+                  </a:txBody>
+                  <a:tcPr>
+                    <a:solidFill>
+                      <a:schemeClr val="accent4"/>
+                    </a:solidFill>
+                  </a:tcPr>
+                </a:tc>
+                <a:tc>
+                  <a:txBody>
+                    <a:bodyPr/>
+                    <a:lstStyle/>
+                    <a:p>
+                      <a:pPr algn="ctr"/>
+                      <a:r>
+                        <a:rPr lang="en-US" dirty="0"/>
+                        <a:t>Fold 3</a:t>
+                      </a:r>
+                    </a:p>
+                  </a:txBody>
+                  <a:tcPr>
+                    <a:solidFill>
+                      <a:schemeClr val="accent4"/>
+                    </a:solidFill>
+                  </a:tcPr>
+                </a:tc>
+                <a:tc>
+                  <a:txBody>
+                    <a:bodyPr/>
+                    <a:lstStyle/>
+                    <a:p>
+                      <a:pPr algn="ctr"/>
+                      <a:r>
+                        <a:rPr lang="en-US" dirty="0"/>
+                        <a:t>Fold 4</a:t>
+                      </a:r>
+                    </a:p>
+                  </a:txBody>
+                  <a:tcPr>
+                    <a:solidFill>
+                      <a:schemeClr val="accent4"/>
+                    </a:solidFill>
+                  </a:tcPr>
+                </a:tc>
+                <a:tc>
+                  <a:txBody>
+                    <a:bodyPr/>
+                    <a:lstStyle/>
+                    <a:p>
+                      <a:pPr algn="ctr"/>
+                      <a:r>
+                        <a:rPr lang="en-US" dirty="0"/>
+                        <a:t>Fold 5</a:t>
+                      </a:r>
+                    </a:p>
+                  </a:txBody>
+                  <a:tcPr>
+                    <a:solidFill>
+                      <a:schemeClr val="accent4"/>
+                    </a:solidFill>
+                  </a:tcPr>
+                </a:tc>
+                <a:extLst>
+                  <a:ext uri="{0D108BD9-81ED-4DB2-BD59-A6C34878D82A}">
+                    <a16:rowId xmlns:a16="http://schemas.microsoft.com/office/drawing/2014/main" val="644706429"/>
+                  </a:ext>
+                </a:extLst>
+              </a:tr>
+            </a:tbl>
+          </a:graphicData>
+        </a:graphic>
+      </p:graphicFrame>
+      <p:graphicFrame>
+        <p:nvGraphicFramePr>
+          <p:cNvPr id="18" name="Table 17">
+            <a:extLst>
+              <a:ext uri="{FF2B5EF4-FFF2-40B4-BE49-F238E27FC236}">
+                <a16:creationId xmlns:a16="http://schemas.microsoft.com/office/drawing/2014/main" id="{07C9613C-946E-A33E-27E3-FA1A77F609A6}"/>
+              </a:ext>
+            </a:extLst>
+          </p:cNvPr>
+          <p:cNvGraphicFramePr>
+            <a:graphicFrameLocks noGrp="1"/>
+          </p:cNvGraphicFramePr>
+          <p:nvPr>
+            <p:extLst>
+              <p:ext uri="{D42A27DB-BD31-4B8C-83A1-F6EECF244321}">
+                <p14:modId xmlns:p14="http://schemas.microsoft.com/office/powerpoint/2010/main" val="1532203078"/>
+              </p:ext>
+            </p:extLst>
+          </p:nvPr>
+        </p:nvGraphicFramePr>
+        <p:xfrm>
+          <a:off x="1524000" y="2512440"/>
+          <a:ext cx="6400800" cy="370840"/>
+        </p:xfrm>
+        <a:graphic>
+          <a:graphicData uri="http://schemas.openxmlformats.org/drawingml/2006/table">
+            <a:tbl>
+              <a:tblPr firstRow="1" bandRow="1">
+                <a:tableStyleId>{5C22544A-7EE6-4342-B048-85BDC9FD1C3A}</a:tableStyleId>
+              </a:tblPr>
+              <a:tblGrid>
+                <a:gridCol w="1280160">
+                  <a:extLst>
+                    <a:ext uri="{9D8B030D-6E8A-4147-A177-3AD203B41FA5}">
+                      <a16:colId xmlns:a16="http://schemas.microsoft.com/office/drawing/2014/main" val="1930388377"/>
+                    </a:ext>
+                  </a:extLst>
+                </a:gridCol>
+                <a:gridCol w="1280160">
+                  <a:extLst>
+                    <a:ext uri="{9D8B030D-6E8A-4147-A177-3AD203B41FA5}">
+                      <a16:colId xmlns:a16="http://schemas.microsoft.com/office/drawing/2014/main" val="177161263"/>
+                    </a:ext>
+                  </a:extLst>
+                </a:gridCol>
+                <a:gridCol w="1280160">
+                  <a:extLst>
+                    <a:ext uri="{9D8B030D-6E8A-4147-A177-3AD203B41FA5}">
+                      <a16:colId xmlns:a16="http://schemas.microsoft.com/office/drawing/2014/main" val="1111425671"/>
+                    </a:ext>
+                  </a:extLst>
+                </a:gridCol>
+                <a:gridCol w="1280160">
+                  <a:extLst>
+                    <a:ext uri="{9D8B030D-6E8A-4147-A177-3AD203B41FA5}">
+                      <a16:colId xmlns:a16="http://schemas.microsoft.com/office/drawing/2014/main" val="2793085994"/>
+                    </a:ext>
+                  </a:extLst>
+                </a:gridCol>
+                <a:gridCol w="1280160">
+                  <a:extLst>
+                    <a:ext uri="{9D8B030D-6E8A-4147-A177-3AD203B41FA5}">
+                      <a16:colId xmlns:a16="http://schemas.microsoft.com/office/drawing/2014/main" val="117050268"/>
+                    </a:ext>
+                  </a:extLst>
+                </a:gridCol>
+              </a:tblGrid>
+              <a:tr h="370840">
+                <a:tc>
+                  <a:txBody>
+                    <a:bodyPr/>
+                    <a:lstStyle/>
+                    <a:p>
+                      <a:pPr algn="ctr"/>
+                      <a:r>
+                        <a:rPr lang="en-US" dirty="0"/>
+                        <a:t>Fold 1</a:t>
+                      </a:r>
+                    </a:p>
+                  </a:txBody>
+                  <a:tcPr>
+                    <a:solidFill>
+                      <a:schemeClr val="accent4"/>
+                    </a:solidFill>
+                  </a:tcPr>
+                </a:tc>
+                <a:tc>
+                  <a:txBody>
+                    <a:bodyPr/>
+                    <a:lstStyle/>
+                    <a:p>
+                      <a:pPr algn="ctr"/>
+                      <a:r>
+                        <a:rPr lang="en-US" dirty="0"/>
+                        <a:t>Fold 2</a:t>
+                      </a:r>
+                    </a:p>
+                  </a:txBody>
+                  <a:tcPr>
+                    <a:solidFill>
+                      <a:schemeClr val="accent5"/>
+                    </a:solidFill>
+                  </a:tcPr>
+                </a:tc>
+                <a:tc>
+                  <a:txBody>
+                    <a:bodyPr/>
+                    <a:lstStyle/>
+                    <a:p>
+                      <a:pPr algn="ctr"/>
+                      <a:r>
+                        <a:rPr lang="en-US" dirty="0"/>
+                        <a:t>Fold 3</a:t>
+                      </a:r>
+                    </a:p>
+                  </a:txBody>
+                  <a:tcPr>
+                    <a:solidFill>
+                      <a:schemeClr val="accent4"/>
+                    </a:solidFill>
+                  </a:tcPr>
+                </a:tc>
+                <a:tc>
+                  <a:txBody>
+                    <a:bodyPr/>
+                    <a:lstStyle/>
+                    <a:p>
+                      <a:pPr algn="ctr"/>
+                      <a:r>
+                        <a:rPr lang="en-US" dirty="0"/>
+                        <a:t>Fold 4</a:t>
+                      </a:r>
+                    </a:p>
+                  </a:txBody>
+                  <a:tcPr>
+                    <a:solidFill>
+                      <a:schemeClr val="accent4"/>
+                    </a:solidFill>
+                  </a:tcPr>
+                </a:tc>
+                <a:tc>
+                  <a:txBody>
+                    <a:bodyPr/>
+                    <a:lstStyle/>
+                    <a:p>
+                      <a:pPr algn="ctr"/>
+                      <a:r>
+                        <a:rPr lang="en-US" dirty="0"/>
+                        <a:t>Fold 5</a:t>
+                      </a:r>
+                    </a:p>
+                  </a:txBody>
+                  <a:tcPr>
+                    <a:solidFill>
+                      <a:schemeClr val="accent4"/>
+                    </a:solidFill>
+                  </a:tcPr>
+                </a:tc>
+                <a:extLst>
+                  <a:ext uri="{0D108BD9-81ED-4DB2-BD59-A6C34878D82A}">
+                    <a16:rowId xmlns:a16="http://schemas.microsoft.com/office/drawing/2014/main" val="644706429"/>
+                  </a:ext>
+                </a:extLst>
+              </a:tr>
+            </a:tbl>
+          </a:graphicData>
+        </a:graphic>
+      </p:graphicFrame>
+      <p:graphicFrame>
+        <p:nvGraphicFramePr>
+          <p:cNvPr id="19" name="Table 18">
+            <a:extLst>
+              <a:ext uri="{FF2B5EF4-FFF2-40B4-BE49-F238E27FC236}">
+                <a16:creationId xmlns:a16="http://schemas.microsoft.com/office/drawing/2014/main" id="{13E76DBF-75EB-31BB-CCED-27B877374546}"/>
+              </a:ext>
+            </a:extLst>
+          </p:cNvPr>
+          <p:cNvGraphicFramePr>
+            <a:graphicFrameLocks noGrp="1"/>
+          </p:cNvGraphicFramePr>
+          <p:nvPr>
+            <p:extLst>
+              <p:ext uri="{D42A27DB-BD31-4B8C-83A1-F6EECF244321}">
+                <p14:modId xmlns:p14="http://schemas.microsoft.com/office/powerpoint/2010/main" val="406666372"/>
+              </p:ext>
+            </p:extLst>
+          </p:nvPr>
+        </p:nvGraphicFramePr>
+        <p:xfrm>
+          <a:off x="1524000" y="3027827"/>
+          <a:ext cx="6400800" cy="370840"/>
+        </p:xfrm>
+        <a:graphic>
+          <a:graphicData uri="http://schemas.openxmlformats.org/drawingml/2006/table">
+            <a:tbl>
+              <a:tblPr firstRow="1" bandRow="1">
+                <a:tableStyleId>{5C22544A-7EE6-4342-B048-85BDC9FD1C3A}</a:tableStyleId>
+              </a:tblPr>
+              <a:tblGrid>
+                <a:gridCol w="1280160">
+                  <a:extLst>
+                    <a:ext uri="{9D8B030D-6E8A-4147-A177-3AD203B41FA5}">
+                      <a16:colId xmlns:a16="http://schemas.microsoft.com/office/drawing/2014/main" val="1930388377"/>
+                    </a:ext>
+                  </a:extLst>
+                </a:gridCol>
+                <a:gridCol w="1280160">
+                  <a:extLst>
+                    <a:ext uri="{9D8B030D-6E8A-4147-A177-3AD203B41FA5}">
+                      <a16:colId xmlns:a16="http://schemas.microsoft.com/office/drawing/2014/main" val="177161263"/>
+                    </a:ext>
+                  </a:extLst>
+                </a:gridCol>
+                <a:gridCol w="1280160">
+                  <a:extLst>
+                    <a:ext uri="{9D8B030D-6E8A-4147-A177-3AD203B41FA5}">
+                      <a16:colId xmlns:a16="http://schemas.microsoft.com/office/drawing/2014/main" val="1111425671"/>
+                    </a:ext>
+                  </a:extLst>
+                </a:gridCol>
+                <a:gridCol w="1280160">
+                  <a:extLst>
+                    <a:ext uri="{9D8B030D-6E8A-4147-A177-3AD203B41FA5}">
+                      <a16:colId xmlns:a16="http://schemas.microsoft.com/office/drawing/2014/main" val="2793085994"/>
+                    </a:ext>
+                  </a:extLst>
+                </a:gridCol>
+                <a:gridCol w="1280160">
+                  <a:extLst>
+                    <a:ext uri="{9D8B030D-6E8A-4147-A177-3AD203B41FA5}">
+                      <a16:colId xmlns:a16="http://schemas.microsoft.com/office/drawing/2014/main" val="117050268"/>
+                    </a:ext>
+                  </a:extLst>
+                </a:gridCol>
+              </a:tblGrid>
+              <a:tr h="370840">
+                <a:tc>
+                  <a:txBody>
+                    <a:bodyPr/>
+                    <a:lstStyle/>
+                    <a:p>
+                      <a:pPr algn="ctr"/>
+                      <a:r>
+                        <a:rPr lang="en-US" dirty="0"/>
+                        <a:t>Fold 1</a:t>
+                      </a:r>
+                    </a:p>
+                  </a:txBody>
+                  <a:tcPr>
+                    <a:solidFill>
+                      <a:schemeClr val="accent4"/>
+                    </a:solidFill>
+                  </a:tcPr>
+                </a:tc>
+                <a:tc>
+                  <a:txBody>
+                    <a:bodyPr/>
+                    <a:lstStyle/>
+                    <a:p>
+                      <a:pPr algn="ctr"/>
+                      <a:r>
+                        <a:rPr lang="en-US" dirty="0"/>
+                        <a:t>Fold 2</a:t>
+                      </a:r>
+                    </a:p>
+                  </a:txBody>
+                  <a:tcPr>
+                    <a:solidFill>
+                      <a:schemeClr val="accent4"/>
+                    </a:solidFill>
+                  </a:tcPr>
+                </a:tc>
+                <a:tc>
+                  <a:txBody>
+                    <a:bodyPr/>
+                    <a:lstStyle/>
+                    <a:p>
+                      <a:pPr algn="ctr"/>
+                      <a:r>
+                        <a:rPr lang="en-US" dirty="0"/>
+                        <a:t>Fold 3</a:t>
+                      </a:r>
+                    </a:p>
+                  </a:txBody>
+                  <a:tcPr>
+                    <a:solidFill>
+                      <a:schemeClr val="accent5"/>
+                    </a:solidFill>
+                  </a:tcPr>
+                </a:tc>
+                <a:tc>
+                  <a:txBody>
+                    <a:bodyPr/>
+                    <a:lstStyle/>
+                    <a:p>
+                      <a:pPr algn="ctr"/>
+                      <a:r>
+                        <a:rPr lang="en-US" dirty="0"/>
+                        <a:t>Fold 4</a:t>
+                      </a:r>
+                    </a:p>
+                  </a:txBody>
+                  <a:tcPr>
+                    <a:solidFill>
+                      <a:schemeClr val="accent4"/>
+                    </a:solidFill>
+                  </a:tcPr>
+                </a:tc>
+                <a:tc>
+                  <a:txBody>
+                    <a:bodyPr/>
+                    <a:lstStyle/>
+                    <a:p>
+                      <a:pPr algn="ctr"/>
+                      <a:r>
+                        <a:rPr lang="en-US" dirty="0"/>
+                        <a:t>Fold 5</a:t>
+                      </a:r>
+                    </a:p>
+                  </a:txBody>
+                  <a:tcPr>
+                    <a:solidFill>
+                      <a:schemeClr val="accent4"/>
+                    </a:solidFill>
+                  </a:tcPr>
+                </a:tc>
+                <a:extLst>
+                  <a:ext uri="{0D108BD9-81ED-4DB2-BD59-A6C34878D82A}">
+                    <a16:rowId xmlns:a16="http://schemas.microsoft.com/office/drawing/2014/main" val="644706429"/>
+                  </a:ext>
+                </a:extLst>
+              </a:tr>
+            </a:tbl>
+          </a:graphicData>
+        </a:graphic>
+      </p:graphicFrame>
+      <p:graphicFrame>
+        <p:nvGraphicFramePr>
+          <p:cNvPr id="22" name="Table 21">
+            <a:extLst>
+              <a:ext uri="{FF2B5EF4-FFF2-40B4-BE49-F238E27FC236}">
+                <a16:creationId xmlns:a16="http://schemas.microsoft.com/office/drawing/2014/main" id="{4D922A2A-DA57-AB09-685C-AC2A02DE660F}"/>
+              </a:ext>
+            </a:extLst>
+          </p:cNvPr>
+          <p:cNvGraphicFramePr>
+            <a:graphicFrameLocks noGrp="1"/>
+          </p:cNvGraphicFramePr>
+          <p:nvPr>
+            <p:extLst>
+              <p:ext uri="{D42A27DB-BD31-4B8C-83A1-F6EECF244321}">
+                <p14:modId xmlns:p14="http://schemas.microsoft.com/office/powerpoint/2010/main" val="4101108075"/>
+              </p:ext>
+            </p:extLst>
+          </p:nvPr>
+        </p:nvGraphicFramePr>
+        <p:xfrm>
+          <a:off x="1524000" y="3543214"/>
+          <a:ext cx="6400800" cy="370840"/>
+        </p:xfrm>
+        <a:graphic>
+          <a:graphicData uri="http://schemas.openxmlformats.org/drawingml/2006/table">
+            <a:tbl>
+              <a:tblPr firstRow="1" bandRow="1">
+                <a:tableStyleId>{5C22544A-7EE6-4342-B048-85BDC9FD1C3A}</a:tableStyleId>
+              </a:tblPr>
+              <a:tblGrid>
+                <a:gridCol w="1280160">
+                  <a:extLst>
+                    <a:ext uri="{9D8B030D-6E8A-4147-A177-3AD203B41FA5}">
+                      <a16:colId xmlns:a16="http://schemas.microsoft.com/office/drawing/2014/main" val="1930388377"/>
+                    </a:ext>
+                  </a:extLst>
+                </a:gridCol>
+                <a:gridCol w="1280160">
+                  <a:extLst>
+                    <a:ext uri="{9D8B030D-6E8A-4147-A177-3AD203B41FA5}">
+                      <a16:colId xmlns:a16="http://schemas.microsoft.com/office/drawing/2014/main" val="177161263"/>
+                    </a:ext>
+                  </a:extLst>
+                </a:gridCol>
+                <a:gridCol w="1280160">
+                  <a:extLst>
+                    <a:ext uri="{9D8B030D-6E8A-4147-A177-3AD203B41FA5}">
+                      <a16:colId xmlns:a16="http://schemas.microsoft.com/office/drawing/2014/main" val="1111425671"/>
+                    </a:ext>
+                  </a:extLst>
+                </a:gridCol>
+                <a:gridCol w="1280160">
+                  <a:extLst>
+                    <a:ext uri="{9D8B030D-6E8A-4147-A177-3AD203B41FA5}">
+                      <a16:colId xmlns:a16="http://schemas.microsoft.com/office/drawing/2014/main" val="2793085994"/>
+                    </a:ext>
+                  </a:extLst>
+                </a:gridCol>
+                <a:gridCol w="1280160">
+                  <a:extLst>
+                    <a:ext uri="{9D8B030D-6E8A-4147-A177-3AD203B41FA5}">
+                      <a16:colId xmlns:a16="http://schemas.microsoft.com/office/drawing/2014/main" val="117050268"/>
+                    </a:ext>
+                  </a:extLst>
+                </a:gridCol>
+              </a:tblGrid>
+              <a:tr h="370840">
+                <a:tc>
+                  <a:txBody>
+                    <a:bodyPr/>
+                    <a:lstStyle/>
+                    <a:p>
+                      <a:pPr algn="ctr"/>
+                      <a:r>
+                        <a:rPr lang="en-US" dirty="0"/>
+                        <a:t>Fold 1</a:t>
+                      </a:r>
+                    </a:p>
+                  </a:txBody>
+                  <a:tcPr>
+                    <a:solidFill>
+                      <a:schemeClr val="accent4"/>
+                    </a:solidFill>
+                  </a:tcPr>
+                </a:tc>
+                <a:tc>
+                  <a:txBody>
+                    <a:bodyPr/>
+                    <a:lstStyle/>
+                    <a:p>
+                      <a:pPr algn="ctr"/>
+                      <a:r>
+                        <a:rPr lang="en-US" dirty="0"/>
+                        <a:t>Fold 2</a:t>
+                      </a:r>
+                    </a:p>
+                  </a:txBody>
+                  <a:tcPr>
+                    <a:solidFill>
+                      <a:schemeClr val="accent4"/>
+                    </a:solidFill>
+                  </a:tcPr>
+                </a:tc>
+                <a:tc>
+                  <a:txBody>
+                    <a:bodyPr/>
+                    <a:lstStyle/>
+                    <a:p>
+                      <a:pPr algn="ctr"/>
+                      <a:r>
+                        <a:rPr lang="en-US" dirty="0"/>
+                        <a:t>Fold 3</a:t>
+                      </a:r>
+                    </a:p>
+                  </a:txBody>
+                  <a:tcPr>
+                    <a:solidFill>
+                      <a:schemeClr val="accent4"/>
+                    </a:solidFill>
+                  </a:tcPr>
+                </a:tc>
+                <a:tc>
+                  <a:txBody>
+                    <a:bodyPr/>
+                    <a:lstStyle/>
+                    <a:p>
+                      <a:pPr algn="ctr"/>
+                      <a:r>
+                        <a:rPr lang="en-US" dirty="0"/>
+                        <a:t>Fold 4</a:t>
+                      </a:r>
+                    </a:p>
+                  </a:txBody>
+                  <a:tcPr>
+                    <a:solidFill>
+                      <a:schemeClr val="accent5"/>
+                    </a:solidFill>
+                  </a:tcPr>
+                </a:tc>
+                <a:tc>
+                  <a:txBody>
+                    <a:bodyPr/>
+                    <a:lstStyle/>
+                    <a:p>
+                      <a:pPr algn="ctr"/>
+                      <a:r>
+                        <a:rPr lang="en-US" dirty="0"/>
+                        <a:t>Fold 5</a:t>
+                      </a:r>
+                    </a:p>
+                  </a:txBody>
+                  <a:tcPr>
+                    <a:solidFill>
+                      <a:schemeClr val="accent4"/>
+                    </a:solidFill>
+                  </a:tcPr>
+                </a:tc>
+                <a:extLst>
+                  <a:ext uri="{0D108BD9-81ED-4DB2-BD59-A6C34878D82A}">
+                    <a16:rowId xmlns:a16="http://schemas.microsoft.com/office/drawing/2014/main" val="644706429"/>
+                  </a:ext>
+                </a:extLst>
+              </a:tr>
+            </a:tbl>
+          </a:graphicData>
+        </a:graphic>
+      </p:graphicFrame>
+      <p:graphicFrame>
+        <p:nvGraphicFramePr>
+          <p:cNvPr id="23" name="Table 22">
+            <a:extLst>
+              <a:ext uri="{FF2B5EF4-FFF2-40B4-BE49-F238E27FC236}">
+                <a16:creationId xmlns:a16="http://schemas.microsoft.com/office/drawing/2014/main" id="{0A8E217C-47ED-C5F7-790B-1DE2C655009E}"/>
+              </a:ext>
+            </a:extLst>
+          </p:cNvPr>
+          <p:cNvGraphicFramePr>
+            <a:graphicFrameLocks noGrp="1"/>
+          </p:cNvGraphicFramePr>
+          <p:nvPr>
+            <p:extLst>
+              <p:ext uri="{D42A27DB-BD31-4B8C-83A1-F6EECF244321}">
+                <p14:modId xmlns:p14="http://schemas.microsoft.com/office/powerpoint/2010/main" val="3262273258"/>
+              </p:ext>
+            </p:extLst>
+          </p:nvPr>
+        </p:nvGraphicFramePr>
+        <p:xfrm>
+          <a:off x="1524000" y="4058601"/>
+          <a:ext cx="6400800" cy="370840"/>
+        </p:xfrm>
+        <a:graphic>
+          <a:graphicData uri="http://schemas.openxmlformats.org/drawingml/2006/table">
+            <a:tbl>
+              <a:tblPr firstRow="1" bandRow="1">
+                <a:tableStyleId>{5C22544A-7EE6-4342-B048-85BDC9FD1C3A}</a:tableStyleId>
+              </a:tblPr>
+              <a:tblGrid>
+                <a:gridCol w="1280160">
+                  <a:extLst>
+                    <a:ext uri="{9D8B030D-6E8A-4147-A177-3AD203B41FA5}">
+                      <a16:colId xmlns:a16="http://schemas.microsoft.com/office/drawing/2014/main" val="1930388377"/>
+                    </a:ext>
+                  </a:extLst>
+                </a:gridCol>
+                <a:gridCol w="1280160">
+                  <a:extLst>
+                    <a:ext uri="{9D8B030D-6E8A-4147-A177-3AD203B41FA5}">
+                      <a16:colId xmlns:a16="http://schemas.microsoft.com/office/drawing/2014/main" val="177161263"/>
+                    </a:ext>
+                  </a:extLst>
+                </a:gridCol>
+                <a:gridCol w="1280160">
+                  <a:extLst>
+                    <a:ext uri="{9D8B030D-6E8A-4147-A177-3AD203B41FA5}">
+                      <a16:colId xmlns:a16="http://schemas.microsoft.com/office/drawing/2014/main" val="1111425671"/>
+                    </a:ext>
+                  </a:extLst>
+                </a:gridCol>
+                <a:gridCol w="1280160">
+                  <a:extLst>
+                    <a:ext uri="{9D8B030D-6E8A-4147-A177-3AD203B41FA5}">
+                      <a16:colId xmlns:a16="http://schemas.microsoft.com/office/drawing/2014/main" val="2793085994"/>
+                    </a:ext>
+                  </a:extLst>
+                </a:gridCol>
+                <a:gridCol w="1280160">
+                  <a:extLst>
+                    <a:ext uri="{9D8B030D-6E8A-4147-A177-3AD203B41FA5}">
+                      <a16:colId xmlns:a16="http://schemas.microsoft.com/office/drawing/2014/main" val="117050268"/>
+                    </a:ext>
+                  </a:extLst>
+                </a:gridCol>
+              </a:tblGrid>
+              <a:tr h="370840">
+                <a:tc>
+                  <a:txBody>
+                    <a:bodyPr/>
+                    <a:lstStyle/>
+                    <a:p>
+                      <a:pPr algn="ctr"/>
+                      <a:r>
+                        <a:rPr lang="en-US" dirty="0"/>
+                        <a:t>Fold 1</a:t>
+                      </a:r>
+                    </a:p>
+                  </a:txBody>
+                  <a:tcPr>
+                    <a:solidFill>
+                      <a:schemeClr val="accent4"/>
+                    </a:solidFill>
+                  </a:tcPr>
+                </a:tc>
+                <a:tc>
+                  <a:txBody>
+                    <a:bodyPr/>
+                    <a:lstStyle/>
+                    <a:p>
+                      <a:pPr algn="ctr"/>
+                      <a:r>
+                        <a:rPr lang="en-US" dirty="0"/>
+                        <a:t>Fold 2</a:t>
+                      </a:r>
+                    </a:p>
+                  </a:txBody>
+                  <a:tcPr>
+                    <a:solidFill>
+                      <a:schemeClr val="accent4"/>
+                    </a:solidFill>
+                  </a:tcPr>
+                </a:tc>
+                <a:tc>
+                  <a:txBody>
+                    <a:bodyPr/>
+                    <a:lstStyle/>
+                    <a:p>
+                      <a:pPr algn="ctr"/>
+                      <a:r>
+                        <a:rPr lang="en-US" dirty="0"/>
+                        <a:t>Fold 3</a:t>
+                      </a:r>
+                    </a:p>
+                  </a:txBody>
+                  <a:tcPr>
+                    <a:solidFill>
+                      <a:schemeClr val="accent4"/>
+                    </a:solidFill>
+                  </a:tcPr>
+                </a:tc>
+                <a:tc>
+                  <a:txBody>
+                    <a:bodyPr/>
+                    <a:lstStyle/>
+                    <a:p>
+                      <a:pPr algn="ctr"/>
+                      <a:r>
+                        <a:rPr lang="en-US" dirty="0"/>
+                        <a:t>Fold 4</a:t>
+                      </a:r>
+                    </a:p>
+                  </a:txBody>
+                  <a:tcPr>
+                    <a:solidFill>
+                      <a:schemeClr val="accent4"/>
+                    </a:solidFill>
+                  </a:tcPr>
+                </a:tc>
+                <a:tc>
+                  <a:txBody>
+                    <a:bodyPr/>
+                    <a:lstStyle/>
+                    <a:p>
+                      <a:pPr algn="ctr"/>
+                      <a:r>
+                        <a:rPr lang="en-US" dirty="0"/>
+                        <a:t>Fold 5</a:t>
+                      </a:r>
+                    </a:p>
+                  </a:txBody>
+                  <a:tcPr>
+                    <a:solidFill>
+                      <a:schemeClr val="accent5"/>
+                    </a:solidFill>
+                  </a:tcPr>
+                </a:tc>
+                <a:extLst>
+                  <a:ext uri="{0D108BD9-81ED-4DB2-BD59-A6C34878D82A}">
+                    <a16:rowId xmlns:a16="http://schemas.microsoft.com/office/drawing/2014/main" val="644706429"/>
+                  </a:ext>
+                </a:extLst>
+              </a:tr>
+            </a:tbl>
+          </a:graphicData>
+        </a:graphic>
+      </p:graphicFrame>
+    </p:spTree>
+    <p:extLst>
+      <p:ext uri="{BB962C8B-B14F-4D97-AF65-F5344CB8AC3E}">
+        <p14:creationId xmlns:p14="http://schemas.microsoft.com/office/powerpoint/2010/main" val="427039751"/>
+      </p:ext>
+    </p:extLst>
+  </p:cSld>
+  <p:clrMapOvr>
+    <a:masterClrMapping/>
+  </p:clrMapOvr>
+</p:sld>
+</file>
+
+<file path=ppt/slides/slide6.xml><?xml version="1.0" encoding="utf-8"?>
+<p:sld xmlns:a="http://schemas.openxmlformats.org/drawingml/2006/main" xmlns:r="http://schemas.openxmlformats.org/officeDocument/2006/relationships" xmlns:p="http://schemas.openxmlformats.org/presentationml/2006/main">
+  <p:cSld>
+    <p:spTree>
+      <p:nvGrpSpPr>
+        <p:cNvPr id="1" name=""/>
+        <p:cNvGrpSpPr/>
+        <p:nvPr/>
+      </p:nvGrpSpPr>
+      <p:grpSpPr>
+        <a:xfrm>
+          <a:off x="0" y="0"/>
+          <a:ext cx="0" cy="0"/>
+          <a:chOff x="0" y="0"/>
+          <a:chExt cx="0" cy="0"/>
+        </a:xfrm>
+      </p:grpSpPr>
+      <p:sp>
+        <p:nvSpPr>
+          <p:cNvPr id="4" name="TextBox 3">
+            <a:extLst>
+              <a:ext uri="{FF2B5EF4-FFF2-40B4-BE49-F238E27FC236}">
+                <a16:creationId xmlns:a16="http://schemas.microsoft.com/office/drawing/2014/main" id="{4C61ACD8-C096-29CB-FCF1-9323A76A3BE6}"/>
+              </a:ext>
+            </a:extLst>
+          </p:cNvPr>
+          <p:cNvSpPr txBox="1"/>
+          <p:nvPr/>
+        </p:nvSpPr>
+        <p:spPr>
+          <a:xfrm>
+            <a:off x="5014136" y="0"/>
+            <a:ext cx="2163734" cy="461665"/>
+          </a:xfrm>
+          <a:prstGeom prst="rect">
+            <a:avLst/>
+          </a:prstGeom>
+          <a:noFill/>
+        </p:spPr>
+        <p:txBody>
+          <a:bodyPr wrap="none" rtlCol="0">
+            <a:spAutoFit/>
+          </a:bodyPr>
+          <a:lstStyle/>
+          <a:p>
+            <a:pPr algn="ctr"/>
+            <a:r>
+              <a:rPr lang="en-US" sz="2400" b="1" dirty="0"/>
+              <a:t>Dropout Layer</a:t>
+            </a:r>
+          </a:p>
+        </p:txBody>
+      </p:sp>
+      <p:grpSp>
+        <p:nvGrpSpPr>
+          <p:cNvPr id="93" name="Group 92">
+            <a:extLst>
+              <a:ext uri="{FF2B5EF4-FFF2-40B4-BE49-F238E27FC236}">
+                <a16:creationId xmlns:a16="http://schemas.microsoft.com/office/drawing/2014/main" id="{D87DA1FA-8A5B-DB33-8C01-A92EF521B643}"/>
+              </a:ext>
+            </a:extLst>
+          </p:cNvPr>
+          <p:cNvGrpSpPr/>
+          <p:nvPr/>
+        </p:nvGrpSpPr>
+        <p:grpSpPr>
+          <a:xfrm>
+            <a:off x="1154735" y="2197408"/>
+            <a:ext cx="2004060" cy="2158308"/>
+            <a:chOff x="1154735" y="2197408"/>
+            <a:chExt cx="2004060" cy="2158308"/>
+          </a:xfrm>
+        </p:grpSpPr>
+        <p:sp>
+          <p:nvSpPr>
+            <p:cNvPr id="33" name="Oval 32">
+              <a:extLst>
+                <a:ext uri="{FF2B5EF4-FFF2-40B4-BE49-F238E27FC236}">
+                  <a16:creationId xmlns:a16="http://schemas.microsoft.com/office/drawing/2014/main" id="{E6F98A6E-E593-D534-149D-751A12E0F683}"/>
+                </a:ext>
+              </a:extLst>
+            </p:cNvPr>
+            <p:cNvSpPr/>
+            <p:nvPr/>
+          </p:nvSpPr>
+          <p:spPr>
+            <a:xfrm>
+              <a:off x="1154735" y="2654608"/>
+              <a:ext cx="457200" cy="457200"/>
+            </a:xfrm>
+            <a:prstGeom prst="ellipse">
+              <a:avLst/>
+            </a:prstGeom>
+          </p:spPr>
+          <p:style>
+            <a:lnRef idx="2">
+              <a:schemeClr val="dk1"/>
+            </a:lnRef>
+            <a:fillRef idx="1">
+              <a:schemeClr val="lt1"/>
+            </a:fillRef>
+            <a:effectRef idx="0">
+              <a:schemeClr val="dk1"/>
+            </a:effectRef>
+            <a:fontRef idx="minor">
+              <a:schemeClr val="dk1"/>
+            </a:fontRef>
+          </p:style>
+          <p:txBody>
+            <a:bodyPr rtlCol="0" anchor="ctr"/>
+            <a:lstStyle/>
+            <a:p>
+              <a:pPr algn="ctr"/>
+              <a:endParaRPr lang="en-US" dirty="0"/>
+            </a:p>
+          </p:txBody>
+        </p:sp>
+        <p:sp>
+          <p:nvSpPr>
+            <p:cNvPr id="34" name="Oval 33">
+              <a:extLst>
+                <a:ext uri="{FF2B5EF4-FFF2-40B4-BE49-F238E27FC236}">
+                  <a16:creationId xmlns:a16="http://schemas.microsoft.com/office/drawing/2014/main" id="{79A57017-0589-87ED-6DE8-D13578BB9305}"/>
+                </a:ext>
+              </a:extLst>
+            </p:cNvPr>
+            <p:cNvSpPr/>
+            <p:nvPr/>
+          </p:nvSpPr>
+          <p:spPr>
+            <a:xfrm>
+              <a:off x="1154735" y="3225185"/>
+              <a:ext cx="457200" cy="457200"/>
+            </a:xfrm>
+            <a:prstGeom prst="ellipse">
+              <a:avLst/>
+            </a:prstGeom>
+          </p:spPr>
+          <p:style>
+            <a:lnRef idx="2">
+              <a:schemeClr val="dk1"/>
+            </a:lnRef>
+            <a:fillRef idx="1">
+              <a:schemeClr val="lt1"/>
+            </a:fillRef>
+            <a:effectRef idx="0">
+              <a:schemeClr val="dk1"/>
+            </a:effectRef>
+            <a:fontRef idx="minor">
+              <a:schemeClr val="dk1"/>
+            </a:fontRef>
+          </p:style>
+          <p:txBody>
+            <a:bodyPr rtlCol="0" anchor="ctr"/>
+            <a:lstStyle/>
+            <a:p>
+              <a:pPr algn="ctr"/>
+              <a:endParaRPr lang="en-US" dirty="0"/>
+            </a:p>
+          </p:txBody>
+        </p:sp>
+        <p:sp>
+          <p:nvSpPr>
+            <p:cNvPr id="10" name="Oval 9">
+              <a:extLst>
+                <a:ext uri="{FF2B5EF4-FFF2-40B4-BE49-F238E27FC236}">
+                  <a16:creationId xmlns:a16="http://schemas.microsoft.com/office/drawing/2014/main" id="{6E9CAD37-2BCF-7D6B-B4F7-5A44D4AECC14}"/>
+                </a:ext>
+              </a:extLst>
+            </p:cNvPr>
+            <p:cNvSpPr/>
+            <p:nvPr/>
+          </p:nvSpPr>
+          <p:spPr>
+            <a:xfrm>
+              <a:off x="2701595" y="2197408"/>
+              <a:ext cx="457200" cy="457200"/>
+            </a:xfrm>
+            <a:prstGeom prst="ellipse">
+              <a:avLst/>
+            </a:prstGeom>
+          </p:spPr>
+          <p:style>
+            <a:lnRef idx="2">
+              <a:schemeClr val="dk1"/>
+            </a:lnRef>
+            <a:fillRef idx="1">
+              <a:schemeClr val="lt1"/>
+            </a:fillRef>
+            <a:effectRef idx="0">
+              <a:schemeClr val="dk1"/>
+            </a:effectRef>
+            <a:fontRef idx="minor">
+              <a:schemeClr val="dk1"/>
+            </a:fontRef>
+          </p:style>
+          <p:txBody>
+            <a:bodyPr rtlCol="0" anchor="ctr"/>
+            <a:lstStyle/>
+            <a:p>
+              <a:pPr algn="ctr"/>
+              <a:endParaRPr lang="en-US" dirty="0"/>
+            </a:p>
+          </p:txBody>
+        </p:sp>
+        <p:sp>
+          <p:nvSpPr>
+            <p:cNvPr id="11" name="Oval 10">
+              <a:extLst>
+                <a:ext uri="{FF2B5EF4-FFF2-40B4-BE49-F238E27FC236}">
+                  <a16:creationId xmlns:a16="http://schemas.microsoft.com/office/drawing/2014/main" id="{4F142F15-2D5E-DB49-B3C9-A4EE69522312}"/>
+                </a:ext>
+              </a:extLst>
+            </p:cNvPr>
+            <p:cNvSpPr/>
+            <p:nvPr/>
+          </p:nvSpPr>
+          <p:spPr>
+            <a:xfrm>
+              <a:off x="2701595" y="2764444"/>
+              <a:ext cx="457200" cy="457200"/>
+            </a:xfrm>
+            <a:prstGeom prst="ellipse">
+              <a:avLst/>
+            </a:prstGeom>
+          </p:spPr>
+          <p:style>
+            <a:lnRef idx="2">
+              <a:schemeClr val="dk1"/>
+            </a:lnRef>
+            <a:fillRef idx="1">
+              <a:schemeClr val="lt1"/>
+            </a:fillRef>
+            <a:effectRef idx="0">
+              <a:schemeClr val="dk1"/>
+            </a:effectRef>
+            <a:fontRef idx="minor">
+              <a:schemeClr val="dk1"/>
+            </a:fontRef>
+          </p:style>
+          <p:txBody>
+            <a:bodyPr rtlCol="0" anchor="ctr"/>
+            <a:lstStyle/>
+            <a:p>
+              <a:pPr algn="ctr"/>
+              <a:endParaRPr lang="en-US" dirty="0"/>
+            </a:p>
+          </p:txBody>
+        </p:sp>
+        <p:sp>
+          <p:nvSpPr>
+            <p:cNvPr id="12" name="Oval 11">
+              <a:extLst>
+                <a:ext uri="{FF2B5EF4-FFF2-40B4-BE49-F238E27FC236}">
+                  <a16:creationId xmlns:a16="http://schemas.microsoft.com/office/drawing/2014/main" id="{8D4E254A-245D-6438-B94B-E34BE7E9C5EB}"/>
+                </a:ext>
+              </a:extLst>
+            </p:cNvPr>
+            <p:cNvSpPr/>
+            <p:nvPr/>
+          </p:nvSpPr>
+          <p:spPr>
+            <a:xfrm>
+              <a:off x="2701595" y="3331480"/>
+              <a:ext cx="457200" cy="457200"/>
+            </a:xfrm>
+            <a:prstGeom prst="ellipse">
+              <a:avLst/>
+            </a:prstGeom>
+          </p:spPr>
+          <p:style>
+            <a:lnRef idx="2">
+              <a:schemeClr val="dk1"/>
+            </a:lnRef>
+            <a:fillRef idx="1">
+              <a:schemeClr val="lt1"/>
+            </a:fillRef>
+            <a:effectRef idx="0">
+              <a:schemeClr val="dk1"/>
+            </a:effectRef>
+            <a:fontRef idx="minor">
+              <a:schemeClr val="dk1"/>
+            </a:fontRef>
+          </p:style>
+          <p:txBody>
+            <a:bodyPr rtlCol="0" anchor="ctr"/>
+            <a:lstStyle/>
+            <a:p>
+              <a:pPr algn="ctr"/>
+              <a:endParaRPr lang="en-US" dirty="0"/>
+            </a:p>
+          </p:txBody>
+        </p:sp>
+        <p:sp>
+          <p:nvSpPr>
+            <p:cNvPr id="13" name="Oval 12">
+              <a:extLst>
+                <a:ext uri="{FF2B5EF4-FFF2-40B4-BE49-F238E27FC236}">
+                  <a16:creationId xmlns:a16="http://schemas.microsoft.com/office/drawing/2014/main" id="{BA33BCF2-4283-2878-E9C2-D2A8A327A0EC}"/>
+                </a:ext>
+              </a:extLst>
+            </p:cNvPr>
+            <p:cNvSpPr/>
+            <p:nvPr/>
+          </p:nvSpPr>
+          <p:spPr>
+            <a:xfrm>
+              <a:off x="2701595" y="3898516"/>
+              <a:ext cx="457200" cy="457200"/>
+            </a:xfrm>
+            <a:prstGeom prst="ellipse">
+              <a:avLst/>
+            </a:prstGeom>
+          </p:spPr>
+          <p:style>
+            <a:lnRef idx="2">
+              <a:schemeClr val="dk1"/>
+            </a:lnRef>
+            <a:fillRef idx="1">
+              <a:schemeClr val="lt1"/>
+            </a:fillRef>
+            <a:effectRef idx="0">
+              <a:schemeClr val="dk1"/>
+            </a:effectRef>
+            <a:fontRef idx="minor">
+              <a:schemeClr val="dk1"/>
+            </a:fontRef>
+          </p:style>
+          <p:txBody>
+            <a:bodyPr rtlCol="0" anchor="ctr"/>
+            <a:lstStyle/>
+            <a:p>
+              <a:pPr algn="ctr"/>
+              <a:endParaRPr lang="en-US" dirty="0"/>
+            </a:p>
+          </p:txBody>
+        </p:sp>
+        <p:cxnSp>
+          <p:nvCxnSpPr>
+            <p:cNvPr id="20" name="Straight Connector 19">
+              <a:extLst>
+                <a:ext uri="{FF2B5EF4-FFF2-40B4-BE49-F238E27FC236}">
+                  <a16:creationId xmlns:a16="http://schemas.microsoft.com/office/drawing/2014/main" id="{40FC389B-9B4C-45F2-A0F3-5D6A8E67BB34}"/>
+                </a:ext>
+              </a:extLst>
+            </p:cNvPr>
+            <p:cNvCxnSpPr>
+              <a:stCxn id="33" idx="6"/>
+              <a:endCxn id="10" idx="2"/>
+            </p:cNvCxnSpPr>
+            <p:nvPr/>
+          </p:nvCxnSpPr>
+          <p:spPr>
+            <a:xfrm flipV="1">
+              <a:off x="1611935" y="2426008"/>
+              <a:ext cx="1089660" cy="457200"/>
+            </a:xfrm>
+            <a:prstGeom prst="line">
+              <a:avLst/>
+            </a:prstGeom>
+          </p:spPr>
+          <p:style>
+            <a:lnRef idx="2">
+              <a:schemeClr val="dk1"/>
+            </a:lnRef>
+            <a:fillRef idx="0">
+              <a:schemeClr val="dk1"/>
+            </a:fillRef>
+            <a:effectRef idx="1">
+              <a:schemeClr val="dk1"/>
+            </a:effectRef>
+            <a:fontRef idx="minor">
+              <a:schemeClr val="tx1"/>
+            </a:fontRef>
+          </p:style>
+        </p:cxnSp>
+        <p:cxnSp>
+          <p:nvCxnSpPr>
+            <p:cNvPr id="21" name="Straight Connector 20">
+              <a:extLst>
+                <a:ext uri="{FF2B5EF4-FFF2-40B4-BE49-F238E27FC236}">
+                  <a16:creationId xmlns:a16="http://schemas.microsoft.com/office/drawing/2014/main" id="{14D5AF6B-ADB3-52A2-B449-BE26EF9DA985}"/>
+                </a:ext>
+              </a:extLst>
+            </p:cNvPr>
+            <p:cNvCxnSpPr>
+              <a:cxnSpLocks/>
+              <a:stCxn id="33" idx="6"/>
+              <a:endCxn id="11" idx="2"/>
+            </p:cNvCxnSpPr>
+            <p:nvPr/>
+          </p:nvCxnSpPr>
+          <p:spPr>
+            <a:xfrm>
+              <a:off x="1611935" y="2883208"/>
+              <a:ext cx="1089660" cy="109836"/>
+            </a:xfrm>
+            <a:prstGeom prst="line">
+              <a:avLst/>
+            </a:prstGeom>
+          </p:spPr>
+          <p:style>
+            <a:lnRef idx="2">
+              <a:schemeClr val="dk1"/>
+            </a:lnRef>
+            <a:fillRef idx="0">
+              <a:schemeClr val="dk1"/>
+            </a:fillRef>
+            <a:effectRef idx="1">
+              <a:schemeClr val="dk1"/>
+            </a:effectRef>
+            <a:fontRef idx="minor">
+              <a:schemeClr val="tx1"/>
+            </a:fontRef>
+          </p:style>
+        </p:cxnSp>
+        <p:cxnSp>
+          <p:nvCxnSpPr>
+            <p:cNvPr id="28" name="Straight Connector 27">
+              <a:extLst>
+                <a:ext uri="{FF2B5EF4-FFF2-40B4-BE49-F238E27FC236}">
+                  <a16:creationId xmlns:a16="http://schemas.microsoft.com/office/drawing/2014/main" id="{5C69B67D-B74A-258D-7627-5C928B2CD977}"/>
+                </a:ext>
+              </a:extLst>
+            </p:cNvPr>
+            <p:cNvCxnSpPr>
+              <a:cxnSpLocks/>
+              <a:stCxn id="33" idx="6"/>
+              <a:endCxn id="12" idx="2"/>
+            </p:cNvCxnSpPr>
+            <p:nvPr/>
+          </p:nvCxnSpPr>
+          <p:spPr>
+            <a:xfrm>
+              <a:off x="1611935" y="2883208"/>
+              <a:ext cx="1089660" cy="676872"/>
+            </a:xfrm>
+            <a:prstGeom prst="line">
+              <a:avLst/>
+            </a:prstGeom>
+          </p:spPr>
+          <p:style>
+            <a:lnRef idx="2">
+              <a:schemeClr val="dk1"/>
+            </a:lnRef>
+            <a:fillRef idx="0">
+              <a:schemeClr val="dk1"/>
+            </a:fillRef>
+            <a:effectRef idx="1">
+              <a:schemeClr val="dk1"/>
+            </a:effectRef>
+            <a:fontRef idx="minor">
+              <a:schemeClr val="tx1"/>
+            </a:fontRef>
+          </p:style>
+        </p:cxnSp>
+        <p:cxnSp>
+          <p:nvCxnSpPr>
+            <p:cNvPr id="32" name="Straight Connector 31">
+              <a:extLst>
+                <a:ext uri="{FF2B5EF4-FFF2-40B4-BE49-F238E27FC236}">
+                  <a16:creationId xmlns:a16="http://schemas.microsoft.com/office/drawing/2014/main" id="{3A9B6335-5CCF-E157-FB43-286495CA69DA}"/>
+                </a:ext>
+              </a:extLst>
+            </p:cNvPr>
+            <p:cNvCxnSpPr>
+              <a:cxnSpLocks/>
+              <a:stCxn id="33" idx="6"/>
+              <a:endCxn id="13" idx="2"/>
+            </p:cNvCxnSpPr>
+            <p:nvPr/>
+          </p:nvCxnSpPr>
+          <p:spPr>
+            <a:xfrm>
+              <a:off x="1611935" y="2883208"/>
+              <a:ext cx="1089660" cy="1243908"/>
+            </a:xfrm>
+            <a:prstGeom prst="line">
+              <a:avLst/>
+            </a:prstGeom>
+          </p:spPr>
+          <p:style>
+            <a:lnRef idx="2">
+              <a:schemeClr val="dk1"/>
+            </a:lnRef>
+            <a:fillRef idx="0">
+              <a:schemeClr val="dk1"/>
+            </a:fillRef>
+            <a:effectRef idx="1">
+              <a:schemeClr val="dk1"/>
+            </a:effectRef>
+            <a:fontRef idx="minor">
+              <a:schemeClr val="tx1"/>
+            </a:fontRef>
+          </p:style>
+        </p:cxnSp>
+        <p:cxnSp>
+          <p:nvCxnSpPr>
+            <p:cNvPr id="38" name="Straight Connector 37">
+              <a:extLst>
+                <a:ext uri="{FF2B5EF4-FFF2-40B4-BE49-F238E27FC236}">
+                  <a16:creationId xmlns:a16="http://schemas.microsoft.com/office/drawing/2014/main" id="{45A07358-324E-13F0-7313-8628D51CA8BE}"/>
+                </a:ext>
+              </a:extLst>
+            </p:cNvPr>
+            <p:cNvCxnSpPr>
+              <a:cxnSpLocks/>
+              <a:stCxn id="34" idx="6"/>
+              <a:endCxn id="10" idx="2"/>
+            </p:cNvCxnSpPr>
+            <p:nvPr/>
+          </p:nvCxnSpPr>
+          <p:spPr>
+            <a:xfrm flipV="1">
+              <a:off x="1611935" y="2426008"/>
+              <a:ext cx="1089660" cy="1027777"/>
+            </a:xfrm>
+            <a:prstGeom prst="line">
+              <a:avLst/>
+            </a:prstGeom>
+          </p:spPr>
+          <p:style>
+            <a:lnRef idx="2">
+              <a:schemeClr val="dk1"/>
+            </a:lnRef>
+            <a:fillRef idx="0">
+              <a:schemeClr val="dk1"/>
+            </a:fillRef>
+            <a:effectRef idx="1">
+              <a:schemeClr val="dk1"/>
+            </a:effectRef>
+            <a:fontRef idx="minor">
+              <a:schemeClr val="tx1"/>
+            </a:fontRef>
+          </p:style>
+        </p:cxnSp>
+        <p:cxnSp>
+          <p:nvCxnSpPr>
+            <p:cNvPr id="53" name="Straight Connector 52">
+              <a:extLst>
+                <a:ext uri="{FF2B5EF4-FFF2-40B4-BE49-F238E27FC236}">
+                  <a16:creationId xmlns:a16="http://schemas.microsoft.com/office/drawing/2014/main" id="{FCA224AA-B876-C320-3002-1605181E1B1A}"/>
+                </a:ext>
+              </a:extLst>
+            </p:cNvPr>
+            <p:cNvCxnSpPr>
+              <a:cxnSpLocks/>
+              <a:stCxn id="34" idx="6"/>
+              <a:endCxn id="11" idx="2"/>
+            </p:cNvCxnSpPr>
+            <p:nvPr/>
+          </p:nvCxnSpPr>
+          <p:spPr>
+            <a:xfrm flipV="1">
+              <a:off x="1611935" y="2993044"/>
+              <a:ext cx="1089660" cy="460741"/>
+            </a:xfrm>
+            <a:prstGeom prst="line">
+              <a:avLst/>
+            </a:prstGeom>
+          </p:spPr>
+          <p:style>
+            <a:lnRef idx="2">
+              <a:schemeClr val="dk1"/>
+            </a:lnRef>
+            <a:fillRef idx="0">
+              <a:schemeClr val="dk1"/>
+            </a:fillRef>
+            <a:effectRef idx="1">
+              <a:schemeClr val="dk1"/>
+            </a:effectRef>
+            <a:fontRef idx="minor">
+              <a:schemeClr val="tx1"/>
+            </a:fontRef>
+          </p:style>
+        </p:cxnSp>
+        <p:cxnSp>
+          <p:nvCxnSpPr>
+            <p:cNvPr id="56" name="Straight Connector 55">
+              <a:extLst>
+                <a:ext uri="{FF2B5EF4-FFF2-40B4-BE49-F238E27FC236}">
+                  <a16:creationId xmlns:a16="http://schemas.microsoft.com/office/drawing/2014/main" id="{2030548A-0477-E26A-60DF-0D2AEA8D04CA}"/>
+                </a:ext>
+              </a:extLst>
+            </p:cNvPr>
+            <p:cNvCxnSpPr>
+              <a:cxnSpLocks/>
+              <a:stCxn id="34" idx="6"/>
+              <a:endCxn id="12" idx="2"/>
+            </p:cNvCxnSpPr>
+            <p:nvPr/>
+          </p:nvCxnSpPr>
+          <p:spPr>
+            <a:xfrm>
+              <a:off x="1611935" y="3453785"/>
+              <a:ext cx="1089660" cy="106295"/>
+            </a:xfrm>
+            <a:prstGeom prst="line">
+              <a:avLst/>
+            </a:prstGeom>
+          </p:spPr>
+          <p:style>
+            <a:lnRef idx="2">
+              <a:schemeClr val="dk1"/>
+            </a:lnRef>
+            <a:fillRef idx="0">
+              <a:schemeClr val="dk1"/>
+            </a:fillRef>
+            <a:effectRef idx="1">
+              <a:schemeClr val="dk1"/>
+            </a:effectRef>
+            <a:fontRef idx="minor">
+              <a:schemeClr val="tx1"/>
+            </a:fontRef>
+          </p:style>
+        </p:cxnSp>
+        <p:cxnSp>
+          <p:nvCxnSpPr>
+            <p:cNvPr id="59" name="Straight Connector 58">
+              <a:extLst>
+                <a:ext uri="{FF2B5EF4-FFF2-40B4-BE49-F238E27FC236}">
+                  <a16:creationId xmlns:a16="http://schemas.microsoft.com/office/drawing/2014/main" id="{6F021FBD-7C9D-7AD1-3B3C-A0CBDA12C455}"/>
+                </a:ext>
+              </a:extLst>
+            </p:cNvPr>
+            <p:cNvCxnSpPr>
+              <a:cxnSpLocks/>
+              <a:stCxn id="34" idx="6"/>
+              <a:endCxn id="13" idx="2"/>
+            </p:cNvCxnSpPr>
+            <p:nvPr/>
+          </p:nvCxnSpPr>
+          <p:spPr>
+            <a:xfrm>
+              <a:off x="1611935" y="3453785"/>
+              <a:ext cx="1089660" cy="673331"/>
+            </a:xfrm>
+            <a:prstGeom prst="line">
+              <a:avLst/>
+            </a:prstGeom>
+          </p:spPr>
+          <p:style>
+            <a:lnRef idx="2">
+              <a:schemeClr val="dk1"/>
+            </a:lnRef>
+            <a:fillRef idx="0">
+              <a:schemeClr val="dk1"/>
+            </a:fillRef>
+            <a:effectRef idx="1">
+              <a:schemeClr val="dk1"/>
+            </a:effectRef>
+            <a:fontRef idx="minor">
+              <a:schemeClr val="tx1"/>
+            </a:fontRef>
+          </p:style>
+        </p:cxnSp>
+      </p:grpSp>
+      <p:grpSp>
+        <p:nvGrpSpPr>
+          <p:cNvPr id="92" name="Group 91">
+            <a:extLst>
+              <a:ext uri="{FF2B5EF4-FFF2-40B4-BE49-F238E27FC236}">
+                <a16:creationId xmlns:a16="http://schemas.microsoft.com/office/drawing/2014/main" id="{B2C7B4FF-7220-37AA-7ADE-8D0FF27E76CE}"/>
+              </a:ext>
+            </a:extLst>
+          </p:cNvPr>
+          <p:cNvGrpSpPr/>
+          <p:nvPr/>
+        </p:nvGrpSpPr>
+        <p:grpSpPr>
+          <a:xfrm>
+            <a:off x="8576005" y="2142490"/>
+            <a:ext cx="2004060" cy="2158308"/>
+            <a:chOff x="7943545" y="2197408"/>
+            <a:chExt cx="2004060" cy="2158308"/>
+          </a:xfrm>
+        </p:grpSpPr>
+        <p:sp>
+          <p:nvSpPr>
+            <p:cNvPr id="75" name="Oval 74">
+              <a:extLst>
+                <a:ext uri="{FF2B5EF4-FFF2-40B4-BE49-F238E27FC236}">
+                  <a16:creationId xmlns:a16="http://schemas.microsoft.com/office/drawing/2014/main" id="{C6BC176B-BC11-5CFF-1554-3A2636B5DF33}"/>
+                </a:ext>
+              </a:extLst>
+            </p:cNvPr>
+            <p:cNvSpPr/>
+            <p:nvPr/>
+          </p:nvSpPr>
+          <p:spPr>
+            <a:xfrm>
+              <a:off x="7943545" y="2654608"/>
+              <a:ext cx="457200" cy="457200"/>
+            </a:xfrm>
+            <a:prstGeom prst="ellipse">
+              <a:avLst/>
+            </a:prstGeom>
+          </p:spPr>
+          <p:style>
+            <a:lnRef idx="2">
+              <a:schemeClr val="dk1"/>
+            </a:lnRef>
+            <a:fillRef idx="1">
+              <a:schemeClr val="lt1"/>
+            </a:fillRef>
+            <a:effectRef idx="0">
+              <a:schemeClr val="dk1"/>
+            </a:effectRef>
+            <a:fontRef idx="minor">
+              <a:schemeClr val="dk1"/>
+            </a:fontRef>
+          </p:style>
+          <p:txBody>
+            <a:bodyPr rtlCol="0" anchor="ctr"/>
+            <a:lstStyle/>
+            <a:p>
+              <a:pPr algn="ctr"/>
+              <a:endParaRPr lang="en-US" dirty="0"/>
+            </a:p>
+          </p:txBody>
+        </p:sp>
+        <p:sp>
+          <p:nvSpPr>
+            <p:cNvPr id="78" name="Oval 77">
+              <a:extLst>
+                <a:ext uri="{FF2B5EF4-FFF2-40B4-BE49-F238E27FC236}">
+                  <a16:creationId xmlns:a16="http://schemas.microsoft.com/office/drawing/2014/main" id="{C16C9492-D6F2-BD3F-1725-A824A3BE8189}"/>
+                </a:ext>
+              </a:extLst>
+            </p:cNvPr>
+            <p:cNvSpPr/>
+            <p:nvPr/>
+          </p:nvSpPr>
+          <p:spPr>
+            <a:xfrm>
+              <a:off x="7943545" y="3225185"/>
+              <a:ext cx="457200" cy="457200"/>
+            </a:xfrm>
+            <a:prstGeom prst="ellipse">
+              <a:avLst/>
+            </a:prstGeom>
+          </p:spPr>
+          <p:style>
+            <a:lnRef idx="2">
+              <a:schemeClr val="dk1"/>
+            </a:lnRef>
+            <a:fillRef idx="1">
+              <a:schemeClr val="lt1"/>
+            </a:fillRef>
+            <a:effectRef idx="0">
+              <a:schemeClr val="dk1"/>
+            </a:effectRef>
+            <a:fontRef idx="minor">
+              <a:schemeClr val="dk1"/>
+            </a:fontRef>
+          </p:style>
+          <p:txBody>
+            <a:bodyPr rtlCol="0" anchor="ctr"/>
+            <a:lstStyle/>
+            <a:p>
+              <a:pPr algn="ctr"/>
+              <a:endParaRPr lang="en-US" dirty="0"/>
+            </a:p>
+          </p:txBody>
+        </p:sp>
+        <p:sp>
+          <p:nvSpPr>
+            <p:cNvPr id="79" name="Oval 78">
+              <a:extLst>
+                <a:ext uri="{FF2B5EF4-FFF2-40B4-BE49-F238E27FC236}">
+                  <a16:creationId xmlns:a16="http://schemas.microsoft.com/office/drawing/2014/main" id="{1CADD4EA-35F6-9D36-2B0D-32A8ED19FED8}"/>
+                </a:ext>
+              </a:extLst>
+            </p:cNvPr>
+            <p:cNvSpPr/>
+            <p:nvPr/>
+          </p:nvSpPr>
+          <p:spPr>
+            <a:xfrm>
+              <a:off x="9490405" y="2197408"/>
+              <a:ext cx="457200" cy="457200"/>
+            </a:xfrm>
+            <a:prstGeom prst="ellipse">
+              <a:avLst/>
+            </a:prstGeom>
+          </p:spPr>
+          <p:style>
+            <a:lnRef idx="2">
+              <a:schemeClr val="dk1"/>
+            </a:lnRef>
+            <a:fillRef idx="1">
+              <a:schemeClr val="lt1"/>
+            </a:fillRef>
+            <a:effectRef idx="0">
+              <a:schemeClr val="dk1"/>
+            </a:effectRef>
+            <a:fontRef idx="minor">
+              <a:schemeClr val="dk1"/>
+            </a:fontRef>
+          </p:style>
+          <p:txBody>
+            <a:bodyPr rtlCol="0" anchor="ctr"/>
+            <a:lstStyle/>
+            <a:p>
+              <a:pPr algn="ctr"/>
+              <a:endParaRPr lang="en-US" dirty="0"/>
+            </a:p>
+          </p:txBody>
+        </p:sp>
+        <p:sp>
+          <p:nvSpPr>
+            <p:cNvPr id="81" name="Oval 80">
+              <a:extLst>
+                <a:ext uri="{FF2B5EF4-FFF2-40B4-BE49-F238E27FC236}">
+                  <a16:creationId xmlns:a16="http://schemas.microsoft.com/office/drawing/2014/main" id="{FEDD71A4-53B6-9A5A-BFB3-92ABC1F486F0}"/>
+                </a:ext>
+              </a:extLst>
+            </p:cNvPr>
+            <p:cNvSpPr/>
+            <p:nvPr/>
+          </p:nvSpPr>
+          <p:spPr>
+            <a:xfrm>
+              <a:off x="9490405" y="2764444"/>
+              <a:ext cx="457200" cy="457200"/>
+            </a:xfrm>
+            <a:prstGeom prst="ellipse">
+              <a:avLst/>
+            </a:prstGeom>
+          </p:spPr>
+          <p:style>
+            <a:lnRef idx="2">
+              <a:schemeClr val="dk1"/>
+            </a:lnRef>
+            <a:fillRef idx="1">
+              <a:schemeClr val="lt1"/>
+            </a:fillRef>
+            <a:effectRef idx="0">
+              <a:schemeClr val="dk1"/>
+            </a:effectRef>
+            <a:fontRef idx="minor">
+              <a:schemeClr val="dk1"/>
+            </a:fontRef>
+          </p:style>
+          <p:txBody>
+            <a:bodyPr rtlCol="0" anchor="ctr"/>
+            <a:lstStyle/>
+            <a:p>
+              <a:pPr algn="ctr"/>
+              <a:r>
+                <a:rPr lang="en-US" dirty="0"/>
+                <a:t>X</a:t>
+              </a:r>
+            </a:p>
+          </p:txBody>
+        </p:sp>
+        <p:sp>
+          <p:nvSpPr>
+            <p:cNvPr id="82" name="Oval 81">
+              <a:extLst>
+                <a:ext uri="{FF2B5EF4-FFF2-40B4-BE49-F238E27FC236}">
+                  <a16:creationId xmlns:a16="http://schemas.microsoft.com/office/drawing/2014/main" id="{76B6E6C3-C57B-5B0E-984D-1AC76BA64456}"/>
+                </a:ext>
+              </a:extLst>
+            </p:cNvPr>
+            <p:cNvSpPr/>
+            <p:nvPr/>
+          </p:nvSpPr>
+          <p:spPr>
+            <a:xfrm>
+              <a:off x="9490405" y="3331480"/>
+              <a:ext cx="457200" cy="457200"/>
+            </a:xfrm>
+            <a:prstGeom prst="ellipse">
+              <a:avLst/>
+            </a:prstGeom>
+          </p:spPr>
+          <p:style>
+            <a:lnRef idx="2">
+              <a:schemeClr val="dk1"/>
+            </a:lnRef>
+            <a:fillRef idx="1">
+              <a:schemeClr val="lt1"/>
+            </a:fillRef>
+            <a:effectRef idx="0">
+              <a:schemeClr val="dk1"/>
+            </a:effectRef>
+            <a:fontRef idx="minor">
+              <a:schemeClr val="dk1"/>
+            </a:fontRef>
+          </p:style>
+          <p:txBody>
+            <a:bodyPr rtlCol="0" anchor="ctr"/>
+            <a:lstStyle/>
+            <a:p>
+              <a:pPr algn="ctr"/>
+              <a:endParaRPr lang="en-US" dirty="0"/>
+            </a:p>
+          </p:txBody>
+        </p:sp>
+        <p:sp>
+          <p:nvSpPr>
+            <p:cNvPr id="83" name="Oval 82">
+              <a:extLst>
+                <a:ext uri="{FF2B5EF4-FFF2-40B4-BE49-F238E27FC236}">
+                  <a16:creationId xmlns:a16="http://schemas.microsoft.com/office/drawing/2014/main" id="{4DC7313A-B603-9765-89EC-5145DD568766}"/>
+                </a:ext>
+              </a:extLst>
+            </p:cNvPr>
+            <p:cNvSpPr/>
+            <p:nvPr/>
+          </p:nvSpPr>
+          <p:spPr>
+            <a:xfrm>
+              <a:off x="9490405" y="3898516"/>
+              <a:ext cx="457200" cy="457200"/>
+            </a:xfrm>
+            <a:prstGeom prst="ellipse">
+              <a:avLst/>
+            </a:prstGeom>
+          </p:spPr>
+          <p:style>
+            <a:lnRef idx="2">
+              <a:schemeClr val="dk1"/>
+            </a:lnRef>
+            <a:fillRef idx="1">
+              <a:schemeClr val="lt1"/>
+            </a:fillRef>
+            <a:effectRef idx="0">
+              <a:schemeClr val="dk1"/>
+            </a:effectRef>
+            <a:fontRef idx="minor">
+              <a:schemeClr val="dk1"/>
+            </a:fontRef>
+          </p:style>
+          <p:txBody>
+            <a:bodyPr rtlCol="0" anchor="ctr"/>
+            <a:lstStyle/>
+            <a:p>
+              <a:pPr algn="ctr"/>
+              <a:r>
+                <a:rPr lang="en-US" dirty="0"/>
+                <a:t>X</a:t>
+              </a:r>
+            </a:p>
+          </p:txBody>
+        </p:sp>
+        <p:cxnSp>
+          <p:nvCxnSpPr>
+            <p:cNvPr id="84" name="Straight Connector 83">
+              <a:extLst>
+                <a:ext uri="{FF2B5EF4-FFF2-40B4-BE49-F238E27FC236}">
+                  <a16:creationId xmlns:a16="http://schemas.microsoft.com/office/drawing/2014/main" id="{29A61562-A71D-D7B3-976E-D90C8C18104A}"/>
+                </a:ext>
+              </a:extLst>
+            </p:cNvPr>
+            <p:cNvCxnSpPr>
+              <a:stCxn id="75" idx="6"/>
+              <a:endCxn id="79" idx="2"/>
+            </p:cNvCxnSpPr>
+            <p:nvPr/>
+          </p:nvCxnSpPr>
+          <p:spPr>
+            <a:xfrm flipV="1">
+              <a:off x="8400745" y="2426008"/>
+              <a:ext cx="1089660" cy="457200"/>
+            </a:xfrm>
+            <a:prstGeom prst="line">
+              <a:avLst/>
+            </a:prstGeom>
+          </p:spPr>
+          <p:style>
+            <a:lnRef idx="2">
+              <a:schemeClr val="dk1"/>
+            </a:lnRef>
+            <a:fillRef idx="0">
+              <a:schemeClr val="dk1"/>
+            </a:fillRef>
+            <a:effectRef idx="1">
+              <a:schemeClr val="dk1"/>
+            </a:effectRef>
+            <a:fontRef idx="minor">
+              <a:schemeClr val="tx1"/>
+            </a:fontRef>
+          </p:style>
+        </p:cxnSp>
+        <p:cxnSp>
+          <p:nvCxnSpPr>
+            <p:cNvPr id="86" name="Straight Connector 85">
+              <a:extLst>
+                <a:ext uri="{FF2B5EF4-FFF2-40B4-BE49-F238E27FC236}">
+                  <a16:creationId xmlns:a16="http://schemas.microsoft.com/office/drawing/2014/main" id="{5777F69C-7BBB-E5A6-33CD-960957A77546}"/>
+                </a:ext>
+              </a:extLst>
+            </p:cNvPr>
+            <p:cNvCxnSpPr>
+              <a:cxnSpLocks/>
+              <a:stCxn id="75" idx="6"/>
+              <a:endCxn id="82" idx="2"/>
+            </p:cNvCxnSpPr>
+            <p:nvPr/>
+          </p:nvCxnSpPr>
+          <p:spPr>
+            <a:xfrm>
+              <a:off x="8400745" y="2883208"/>
+              <a:ext cx="1089660" cy="676872"/>
+            </a:xfrm>
+            <a:prstGeom prst="line">
+              <a:avLst/>
+            </a:prstGeom>
+          </p:spPr>
+          <p:style>
+            <a:lnRef idx="2">
+              <a:schemeClr val="dk1"/>
+            </a:lnRef>
+            <a:fillRef idx="0">
+              <a:schemeClr val="dk1"/>
+            </a:fillRef>
+            <a:effectRef idx="1">
+              <a:schemeClr val="dk1"/>
+            </a:effectRef>
+            <a:fontRef idx="minor">
+              <a:schemeClr val="tx1"/>
+            </a:fontRef>
+          </p:style>
+        </p:cxnSp>
+        <p:cxnSp>
+          <p:nvCxnSpPr>
+            <p:cNvPr id="88" name="Straight Connector 87">
+              <a:extLst>
+                <a:ext uri="{FF2B5EF4-FFF2-40B4-BE49-F238E27FC236}">
+                  <a16:creationId xmlns:a16="http://schemas.microsoft.com/office/drawing/2014/main" id="{9954C55B-7468-6269-BE7C-96E280EC5407}"/>
+                </a:ext>
+              </a:extLst>
+            </p:cNvPr>
+            <p:cNvCxnSpPr>
+              <a:cxnSpLocks/>
+              <a:stCxn id="78" idx="6"/>
+              <a:endCxn id="79" idx="2"/>
+            </p:cNvCxnSpPr>
+            <p:nvPr/>
+          </p:nvCxnSpPr>
+          <p:spPr>
+            <a:xfrm flipV="1">
+              <a:off x="8400745" y="2426008"/>
+              <a:ext cx="1089660" cy="1027777"/>
+            </a:xfrm>
+            <a:prstGeom prst="line">
+              <a:avLst/>
+            </a:prstGeom>
+          </p:spPr>
+          <p:style>
+            <a:lnRef idx="2">
+              <a:schemeClr val="dk1"/>
+            </a:lnRef>
+            <a:fillRef idx="0">
+              <a:schemeClr val="dk1"/>
+            </a:fillRef>
+            <a:effectRef idx="1">
+              <a:schemeClr val="dk1"/>
+            </a:effectRef>
+            <a:fontRef idx="minor">
+              <a:schemeClr val="tx1"/>
+            </a:fontRef>
+          </p:style>
+        </p:cxnSp>
+        <p:cxnSp>
+          <p:nvCxnSpPr>
+            <p:cNvPr id="90" name="Straight Connector 89">
+              <a:extLst>
+                <a:ext uri="{FF2B5EF4-FFF2-40B4-BE49-F238E27FC236}">
+                  <a16:creationId xmlns:a16="http://schemas.microsoft.com/office/drawing/2014/main" id="{F67E941C-4B1A-8A54-DE19-29E5C6E44EA5}"/>
+                </a:ext>
+              </a:extLst>
+            </p:cNvPr>
+            <p:cNvCxnSpPr>
+              <a:cxnSpLocks/>
+              <a:stCxn id="78" idx="6"/>
+              <a:endCxn id="82" idx="2"/>
+            </p:cNvCxnSpPr>
+            <p:nvPr/>
+          </p:nvCxnSpPr>
+          <p:spPr>
+            <a:xfrm>
+              <a:off x="8400745" y="3453785"/>
+              <a:ext cx="1089660" cy="106295"/>
+            </a:xfrm>
+            <a:prstGeom prst="line">
+              <a:avLst/>
+            </a:prstGeom>
+          </p:spPr>
+          <p:style>
+            <a:lnRef idx="2">
+              <a:schemeClr val="dk1"/>
+            </a:lnRef>
+            <a:fillRef idx="0">
+              <a:schemeClr val="dk1"/>
+            </a:fillRef>
+            <a:effectRef idx="1">
+              <a:schemeClr val="dk1"/>
+            </a:effectRef>
+            <a:fontRef idx="minor">
+              <a:schemeClr val="tx1"/>
+            </a:fontRef>
+          </p:style>
+        </p:cxnSp>
+      </p:grpSp>
+      <p:sp>
+        <p:nvSpPr>
+          <p:cNvPr id="94" name="TextBox 93">
+            <a:extLst>
+              <a:ext uri="{FF2B5EF4-FFF2-40B4-BE49-F238E27FC236}">
+                <a16:creationId xmlns:a16="http://schemas.microsoft.com/office/drawing/2014/main" id="{7428ACC3-2A44-C288-65BB-B019098BEC45}"/>
+              </a:ext>
+            </a:extLst>
+          </p:cNvPr>
+          <p:cNvSpPr txBox="1"/>
+          <p:nvPr/>
+        </p:nvSpPr>
+        <p:spPr>
+          <a:xfrm>
+            <a:off x="1313393" y="1568011"/>
+            <a:ext cx="1908536" cy="369332"/>
+          </a:xfrm>
+          <a:prstGeom prst="rect">
+            <a:avLst/>
+          </a:prstGeom>
+          <a:noFill/>
+        </p:spPr>
+        <p:txBody>
+          <a:bodyPr wrap="none" rtlCol="0">
+            <a:spAutoFit/>
+          </a:bodyPr>
+          <a:lstStyle/>
+          <a:p>
+            <a:r>
+              <a:rPr lang="en-US" b="1" dirty="0"/>
+              <a:t>Without dropout</a:t>
+            </a:r>
+          </a:p>
+        </p:txBody>
+      </p:sp>
+      <p:sp>
+        <p:nvSpPr>
+          <p:cNvPr id="95" name="TextBox 94">
+            <a:extLst>
+              <a:ext uri="{FF2B5EF4-FFF2-40B4-BE49-F238E27FC236}">
+                <a16:creationId xmlns:a16="http://schemas.microsoft.com/office/drawing/2014/main" id="{B9DA0D76-0388-9590-05D0-5278FC45EE99}"/>
+              </a:ext>
+            </a:extLst>
+          </p:cNvPr>
+          <p:cNvSpPr txBox="1"/>
+          <p:nvPr/>
+        </p:nvSpPr>
+        <p:spPr>
+          <a:xfrm>
+            <a:off x="8970073" y="1602170"/>
+            <a:ext cx="1559081" cy="369332"/>
+          </a:xfrm>
+          <a:prstGeom prst="rect">
+            <a:avLst/>
+          </a:prstGeom>
+          <a:noFill/>
+        </p:spPr>
+        <p:txBody>
+          <a:bodyPr wrap="none" rtlCol="0">
+            <a:spAutoFit/>
+          </a:bodyPr>
+          <a:lstStyle/>
+          <a:p>
+            <a:r>
+              <a:rPr lang="en-US" b="1" dirty="0"/>
+              <a:t>With dropout</a:t>
+            </a:r>
+          </a:p>
+        </p:txBody>
+      </p:sp>
+    </p:spTree>
+    <p:extLst>
+      <p:ext uri="{BB962C8B-B14F-4D97-AF65-F5344CB8AC3E}">
+        <p14:creationId xmlns:p14="http://schemas.microsoft.com/office/powerpoint/2010/main" val="1178992455"/>
       </p:ext>
     </p:extLst>
   </p:cSld>
